--- a/chapters/IntegriKey/images/SystemModel.pptx
+++ b/chapters/IntegriKey/images/SystemModel.pptx
@@ -8,34 +8,35 @@
     <p:sldId id="258" r:id="rId2"/>
     <p:sldId id="260" r:id="rId3"/>
     <p:sldId id="293" r:id="rId4"/>
-    <p:sldId id="300" r:id="rId5"/>
-    <p:sldId id="309" r:id="rId6"/>
-    <p:sldId id="302" r:id="rId7"/>
-    <p:sldId id="299" r:id="rId8"/>
-    <p:sldId id="268" r:id="rId9"/>
-    <p:sldId id="290" r:id="rId10"/>
-    <p:sldId id="313" r:id="rId11"/>
-    <p:sldId id="308" r:id="rId12"/>
-    <p:sldId id="275" r:id="rId13"/>
-    <p:sldId id="279" r:id="rId14"/>
-    <p:sldId id="295" r:id="rId15"/>
-    <p:sldId id="298" r:id="rId16"/>
-    <p:sldId id="278" r:id="rId17"/>
-    <p:sldId id="305" r:id="rId18"/>
-    <p:sldId id="307" r:id="rId19"/>
-    <p:sldId id="297" r:id="rId20"/>
-    <p:sldId id="304" r:id="rId21"/>
-    <p:sldId id="288" r:id="rId22"/>
-    <p:sldId id="289" r:id="rId23"/>
-    <p:sldId id="286" r:id="rId24"/>
-    <p:sldId id="284" r:id="rId25"/>
-    <p:sldId id="285" r:id="rId26"/>
-    <p:sldId id="296" r:id="rId27"/>
-    <p:sldId id="306" r:id="rId28"/>
-    <p:sldId id="291" r:id="rId29"/>
-    <p:sldId id="311" r:id="rId30"/>
-    <p:sldId id="310" r:id="rId31"/>
-    <p:sldId id="312" r:id="rId32"/>
+    <p:sldId id="314" r:id="rId5"/>
+    <p:sldId id="300" r:id="rId6"/>
+    <p:sldId id="309" r:id="rId7"/>
+    <p:sldId id="302" r:id="rId8"/>
+    <p:sldId id="299" r:id="rId9"/>
+    <p:sldId id="268" r:id="rId10"/>
+    <p:sldId id="290" r:id="rId11"/>
+    <p:sldId id="313" r:id="rId12"/>
+    <p:sldId id="308" r:id="rId13"/>
+    <p:sldId id="275" r:id="rId14"/>
+    <p:sldId id="279" r:id="rId15"/>
+    <p:sldId id="295" r:id="rId16"/>
+    <p:sldId id="298" r:id="rId17"/>
+    <p:sldId id="278" r:id="rId18"/>
+    <p:sldId id="305" r:id="rId19"/>
+    <p:sldId id="307" r:id="rId20"/>
+    <p:sldId id="297" r:id="rId21"/>
+    <p:sldId id="304" r:id="rId22"/>
+    <p:sldId id="288" r:id="rId23"/>
+    <p:sldId id="289" r:id="rId24"/>
+    <p:sldId id="286" r:id="rId25"/>
+    <p:sldId id="284" r:id="rId26"/>
+    <p:sldId id="285" r:id="rId27"/>
+    <p:sldId id="296" r:id="rId28"/>
+    <p:sldId id="306" r:id="rId29"/>
+    <p:sldId id="291" r:id="rId30"/>
+    <p:sldId id="311" r:id="rId31"/>
+    <p:sldId id="310" r:id="rId32"/>
+    <p:sldId id="312" r:id="rId33"/>
   </p:sldIdLst>
   <p:sldSz cx="12192000" cy="6858000"/>
   <p:notesSz cx="6858000" cy="9144000"/>
@@ -4353,6 +4354,1357 @@
       </p:grpSpPr>
       <p:pic>
         <p:nvPicPr>
+          <p:cNvPr id="18" name="Picture 17">
+            <a:extLst>
+              <a:ext uri="{FF2B5EF4-FFF2-40B4-BE49-F238E27FC236}">
+                <a16:creationId xmlns:a16="http://schemas.microsoft.com/office/drawing/2014/main" id="{96AD35E5-9FC3-4D8D-B114-B1FD832F4173}"/>
+              </a:ext>
+            </a:extLst>
+          </p:cNvPr>
+          <p:cNvPicPr>
+            <a:picLocks noChangeAspect="1"/>
+          </p:cNvPicPr>
+          <p:nvPr/>
+        </p:nvPicPr>
+        <p:blipFill>
+          <a:blip r:embed="rId2" cstate="print">
+            <a:extLst>
+              <a:ext uri="{28A0092B-C50C-407E-A947-70E740481C1C}">
+                <a14:useLocalDpi xmlns:a14="http://schemas.microsoft.com/office/drawing/2010/main" val="0"/>
+              </a:ext>
+            </a:extLst>
+          </a:blip>
+          <a:stretch>
+            <a:fillRect/>
+          </a:stretch>
+        </p:blipFill>
+        <p:spPr>
+          <a:xfrm>
+            <a:off x="2817016" y="1270008"/>
+            <a:ext cx="744689" cy="744689"/>
+          </a:xfrm>
+          <a:prstGeom prst="rect">
+            <a:avLst/>
+          </a:prstGeom>
+        </p:spPr>
+      </p:pic>
+      <p:sp>
+        <p:nvSpPr>
+          <p:cNvPr id="66" name="TextBox 65"/>
+          <p:cNvSpPr txBox="1"/>
+          <p:nvPr/>
+        </p:nvSpPr>
+        <p:spPr>
+          <a:xfrm>
+            <a:off x="-102138" y="2025456"/>
+            <a:ext cx="973536" cy="338554"/>
+          </a:xfrm>
+          <a:prstGeom prst="rect">
+            <a:avLst/>
+          </a:prstGeom>
+          <a:noFill/>
+        </p:spPr>
+        <p:txBody>
+          <a:bodyPr wrap="none" rtlCol="0">
+            <a:spAutoFit/>
+          </a:bodyPr>
+          <a:lstStyle/>
+          <a:p>
+            <a:r>
+              <a:rPr lang="en-US" sz="1600" dirty="0"/>
+              <a:t>Keyboard</a:t>
+            </a:r>
+          </a:p>
+        </p:txBody>
+      </p:sp>
+      <p:sp>
+        <p:nvSpPr>
+          <p:cNvPr id="68" name="TextBox 67"/>
+          <p:cNvSpPr txBox="1"/>
+          <p:nvPr/>
+        </p:nvSpPr>
+        <p:spPr>
+          <a:xfrm>
+            <a:off x="4085172" y="1902085"/>
+            <a:ext cx="1297788" cy="338554"/>
+          </a:xfrm>
+          <a:prstGeom prst="rect">
+            <a:avLst/>
+          </a:prstGeom>
+          <a:noFill/>
+        </p:spPr>
+        <p:txBody>
+          <a:bodyPr wrap="square" rtlCol="0">
+            <a:spAutoFit/>
+          </a:bodyPr>
+          <a:lstStyle/>
+          <a:p>
+            <a:pPr algn="ctr"/>
+            <a:r>
+              <a:rPr lang="en-US" sz="1600" dirty="0"/>
+              <a:t>PLC</a:t>
+            </a:r>
+          </a:p>
+        </p:txBody>
+      </p:sp>
+      <p:sp>
+        <p:nvSpPr>
+          <p:cNvPr id="69" name="TextBox 68"/>
+          <p:cNvSpPr txBox="1"/>
+          <p:nvPr/>
+        </p:nvSpPr>
+        <p:spPr>
+          <a:xfrm>
+            <a:off x="5712705" y="1960870"/>
+            <a:ext cx="1484200" cy="338554"/>
+          </a:xfrm>
+          <a:prstGeom prst="rect">
+            <a:avLst/>
+          </a:prstGeom>
+          <a:noFill/>
+        </p:spPr>
+        <p:txBody>
+          <a:bodyPr wrap="square" rtlCol="0">
+            <a:spAutoFit/>
+          </a:bodyPr>
+          <a:lstStyle/>
+          <a:p>
+            <a:pPr algn="ctr"/>
+            <a:r>
+              <a:rPr lang="en-US" sz="1600" dirty="0"/>
+              <a:t>Automation</a:t>
+            </a:r>
+          </a:p>
+        </p:txBody>
+      </p:sp>
+      <p:cxnSp>
+        <p:nvCxnSpPr>
+          <p:cNvPr id="70" name="Straight Arrow Connector 69"/>
+          <p:cNvCxnSpPr/>
+          <p:nvPr/>
+        </p:nvCxnSpPr>
+        <p:spPr>
+          <a:xfrm flipV="1">
+            <a:off x="486198" y="1606543"/>
+            <a:ext cx="582257" cy="10310"/>
+          </a:xfrm>
+          <a:prstGeom prst="straightConnector1">
+            <a:avLst/>
+          </a:prstGeom>
+          <a:ln w="19050">
+            <a:tailEnd type="triangle"/>
+          </a:ln>
+        </p:spPr>
+        <p:style>
+          <a:lnRef idx="1">
+            <a:schemeClr val="dk1"/>
+          </a:lnRef>
+          <a:fillRef idx="0">
+            <a:schemeClr val="dk1"/>
+          </a:fillRef>
+          <a:effectRef idx="0">
+            <a:schemeClr val="dk1"/>
+          </a:effectRef>
+          <a:fontRef idx="minor">
+            <a:schemeClr val="tx1"/>
+          </a:fontRef>
+        </p:style>
+      </p:cxnSp>
+      <p:cxnSp>
+        <p:nvCxnSpPr>
+          <p:cNvPr id="75" name="Straight Arrow Connector 74"/>
+          <p:cNvCxnSpPr/>
+          <p:nvPr/>
+        </p:nvCxnSpPr>
+        <p:spPr>
+          <a:xfrm>
+            <a:off x="5453209" y="1606543"/>
+            <a:ext cx="524604" cy="0"/>
+          </a:xfrm>
+          <a:prstGeom prst="straightConnector1">
+            <a:avLst/>
+          </a:prstGeom>
+          <a:ln w="19050">
+            <a:tailEnd type="triangle"/>
+          </a:ln>
+        </p:spPr>
+        <p:style>
+          <a:lnRef idx="1">
+            <a:schemeClr val="dk1"/>
+          </a:lnRef>
+          <a:fillRef idx="0">
+            <a:schemeClr val="dk1"/>
+          </a:fillRef>
+          <a:effectRef idx="0">
+            <a:schemeClr val="dk1"/>
+          </a:effectRef>
+          <a:fontRef idx="minor">
+            <a:schemeClr val="tx1"/>
+          </a:fontRef>
+        </p:style>
+      </p:cxnSp>
+      <p:cxnSp>
+        <p:nvCxnSpPr>
+          <p:cNvPr id="82" name="Straight Arrow Connector 81"/>
+          <p:cNvCxnSpPr>
+            <a:cxnSpLocks/>
+          </p:cNvCxnSpPr>
+          <p:nvPr/>
+        </p:nvCxnSpPr>
+        <p:spPr>
+          <a:xfrm flipV="1">
+            <a:off x="3553583" y="1626631"/>
+            <a:ext cx="501151" cy="4768"/>
+          </a:xfrm>
+          <a:prstGeom prst="straightConnector1">
+            <a:avLst/>
+          </a:prstGeom>
+          <a:ln w="19050">
+            <a:tailEnd type="triangle"/>
+          </a:ln>
+        </p:spPr>
+        <p:style>
+          <a:lnRef idx="1">
+            <a:schemeClr val="dk1"/>
+          </a:lnRef>
+          <a:fillRef idx="0">
+            <a:schemeClr val="dk1"/>
+          </a:fillRef>
+          <a:effectRef idx="0">
+            <a:schemeClr val="dk1"/>
+          </a:effectRef>
+          <a:fontRef idx="minor">
+            <a:schemeClr val="tx1"/>
+          </a:fontRef>
+        </p:style>
+      </p:cxnSp>
+      <p:sp>
+        <p:nvSpPr>
+          <p:cNvPr id="103" name="TextBox 102"/>
+          <p:cNvSpPr txBox="1"/>
+          <p:nvPr/>
+        </p:nvSpPr>
+        <p:spPr>
+          <a:xfrm>
+            <a:off x="5587574" y="614271"/>
+            <a:ext cx="1885276" cy="584775"/>
+          </a:xfrm>
+          <a:prstGeom prst="rect">
+            <a:avLst/>
+          </a:prstGeom>
+          <a:noFill/>
+        </p:spPr>
+        <p:txBody>
+          <a:bodyPr wrap="square" rtlCol="0">
+            <a:spAutoFit/>
+          </a:bodyPr>
+          <a:lstStyle/>
+          <a:p>
+            <a:pPr algn="ctr"/>
+            <a:r>
+              <a:rPr lang="en-US" sz="1600" dirty="0"/>
+              <a:t>Web-enabled medical implants</a:t>
+            </a:r>
+          </a:p>
+        </p:txBody>
+      </p:sp>
+      <p:sp>
+        <p:nvSpPr>
+          <p:cNvPr id="104" name="TextBox 103"/>
+          <p:cNvSpPr txBox="1"/>
+          <p:nvPr/>
+        </p:nvSpPr>
+        <p:spPr>
+          <a:xfrm>
+            <a:off x="3697847" y="752771"/>
+            <a:ext cx="1933649" cy="338554"/>
+          </a:xfrm>
+          <a:prstGeom prst="rect">
+            <a:avLst/>
+          </a:prstGeom>
+          <a:noFill/>
+        </p:spPr>
+        <p:txBody>
+          <a:bodyPr wrap="square" rtlCol="0">
+            <a:spAutoFit/>
+          </a:bodyPr>
+          <a:lstStyle/>
+          <a:p>
+            <a:pPr algn="ctr"/>
+            <a:r>
+              <a:rPr lang="en-US" sz="1600" dirty="0"/>
+              <a:t>Server</a:t>
+            </a:r>
+          </a:p>
+        </p:txBody>
+      </p:sp>
+      <p:cxnSp>
+        <p:nvCxnSpPr>
+          <p:cNvPr id="105" name="Curved Connector 104"/>
+          <p:cNvCxnSpPr>
+            <a:cxnSpLocks/>
+          </p:cNvCxnSpPr>
+          <p:nvPr/>
+        </p:nvCxnSpPr>
+        <p:spPr>
+          <a:xfrm rot="5400000" flipH="1" flipV="1">
+            <a:off x="3228079" y="424141"/>
+            <a:ext cx="815102" cy="892327"/>
+          </a:xfrm>
+          <a:prstGeom prst="curvedConnector2">
+            <a:avLst/>
+          </a:prstGeom>
+          <a:ln w="19050">
+            <a:tailEnd type="triangle"/>
+          </a:ln>
+        </p:spPr>
+        <p:style>
+          <a:lnRef idx="1">
+            <a:schemeClr val="dk1"/>
+          </a:lnRef>
+          <a:fillRef idx="0">
+            <a:schemeClr val="dk1"/>
+          </a:fillRef>
+          <a:effectRef idx="0">
+            <a:schemeClr val="dk1"/>
+          </a:effectRef>
+          <a:fontRef idx="minor">
+            <a:schemeClr val="tx1"/>
+          </a:fontRef>
+        </p:style>
+      </p:cxnSp>
+      <p:cxnSp>
+        <p:nvCxnSpPr>
+          <p:cNvPr id="107" name="Straight Arrow Connector 106"/>
+          <p:cNvCxnSpPr/>
+          <p:nvPr/>
+        </p:nvCxnSpPr>
+        <p:spPr>
+          <a:xfrm>
+            <a:off x="5358443" y="428815"/>
+            <a:ext cx="546107" cy="0"/>
+          </a:xfrm>
+          <a:prstGeom prst="straightConnector1">
+            <a:avLst/>
+          </a:prstGeom>
+          <a:ln w="19050">
+            <a:tailEnd type="triangle"/>
+          </a:ln>
+        </p:spPr>
+        <p:style>
+          <a:lnRef idx="1">
+            <a:schemeClr val="dk1"/>
+          </a:lnRef>
+          <a:fillRef idx="0">
+            <a:schemeClr val="dk1"/>
+          </a:fillRef>
+          <a:effectRef idx="0">
+            <a:schemeClr val="dk1"/>
+          </a:effectRef>
+          <a:fontRef idx="minor">
+            <a:schemeClr val="tx1"/>
+          </a:fontRef>
+        </p:style>
+      </p:cxnSp>
+      <p:sp>
+        <p:nvSpPr>
+          <p:cNvPr id="109" name="TextBox 108"/>
+          <p:cNvSpPr txBox="1"/>
+          <p:nvPr/>
+        </p:nvSpPr>
+        <p:spPr>
+          <a:xfrm>
+            <a:off x="2610265" y="1893385"/>
+            <a:ext cx="1220829" cy="338554"/>
+          </a:xfrm>
+          <a:prstGeom prst="rect">
+            <a:avLst/>
+          </a:prstGeom>
+          <a:noFill/>
+        </p:spPr>
+        <p:txBody>
+          <a:bodyPr wrap="square" rtlCol="0">
+            <a:spAutoFit/>
+          </a:bodyPr>
+          <a:lstStyle/>
+          <a:p>
+            <a:pPr algn="ctr"/>
+            <a:r>
+              <a:rPr lang="en-US" sz="1600" dirty="0"/>
+              <a:t>Internet</a:t>
+            </a:r>
+          </a:p>
+        </p:txBody>
+      </p:sp>
+      <p:sp>
+        <p:nvSpPr>
+          <p:cNvPr id="114" name="TextBox 113"/>
+          <p:cNvSpPr txBox="1"/>
+          <p:nvPr/>
+        </p:nvSpPr>
+        <p:spPr>
+          <a:xfrm>
+            <a:off x="5856423" y="3235524"/>
+            <a:ext cx="1408102" cy="584775"/>
+          </a:xfrm>
+          <a:prstGeom prst="rect">
+            <a:avLst/>
+          </a:prstGeom>
+          <a:noFill/>
+        </p:spPr>
+        <p:txBody>
+          <a:bodyPr wrap="square" rtlCol="0">
+            <a:spAutoFit/>
+          </a:bodyPr>
+          <a:lstStyle/>
+          <a:p>
+            <a:pPr algn="ctr"/>
+            <a:r>
+              <a:rPr lang="en-US" sz="1600" dirty="0"/>
+              <a:t>Home automation</a:t>
+            </a:r>
+          </a:p>
+        </p:txBody>
+      </p:sp>
+      <p:sp>
+        <p:nvSpPr>
+          <p:cNvPr id="115" name="TextBox 114"/>
+          <p:cNvSpPr txBox="1"/>
+          <p:nvPr/>
+        </p:nvSpPr>
+        <p:spPr>
+          <a:xfrm>
+            <a:off x="3307707" y="3347507"/>
+            <a:ext cx="2713927" cy="338554"/>
+          </a:xfrm>
+          <a:prstGeom prst="rect">
+            <a:avLst/>
+          </a:prstGeom>
+          <a:noFill/>
+        </p:spPr>
+        <p:txBody>
+          <a:bodyPr wrap="square" rtlCol="0">
+            <a:spAutoFit/>
+          </a:bodyPr>
+          <a:lstStyle/>
+          <a:p>
+            <a:pPr algn="ctr"/>
+            <a:r>
+              <a:rPr lang="en-US" sz="1600" dirty="0"/>
+              <a:t>Web enabled controller</a:t>
+            </a:r>
+          </a:p>
+        </p:txBody>
+      </p:sp>
+      <p:cxnSp>
+        <p:nvCxnSpPr>
+          <p:cNvPr id="116" name="Curved Connector 115"/>
+          <p:cNvCxnSpPr>
+            <a:cxnSpLocks/>
+            <a:stCxn id="109" idx="2"/>
+          </p:cNvCxnSpPr>
+          <p:nvPr/>
+        </p:nvCxnSpPr>
+        <p:spPr>
+          <a:xfrm rot="16200000" flipH="1">
+            <a:off x="3373727" y="2078892"/>
+            <a:ext cx="687744" cy="993838"/>
+          </a:xfrm>
+          <a:prstGeom prst="curvedConnector2">
+            <a:avLst/>
+          </a:prstGeom>
+          <a:ln w="19050">
+            <a:tailEnd type="triangle"/>
+          </a:ln>
+        </p:spPr>
+        <p:style>
+          <a:lnRef idx="1">
+            <a:schemeClr val="dk1"/>
+          </a:lnRef>
+          <a:fillRef idx="0">
+            <a:schemeClr val="dk1"/>
+          </a:fillRef>
+          <a:effectRef idx="0">
+            <a:schemeClr val="dk1"/>
+          </a:effectRef>
+          <a:fontRef idx="minor">
+            <a:schemeClr val="tx1"/>
+          </a:fontRef>
+        </p:style>
+      </p:cxnSp>
+      <p:cxnSp>
+        <p:nvCxnSpPr>
+          <p:cNvPr id="117" name="Straight Arrow Connector 116"/>
+          <p:cNvCxnSpPr/>
+          <p:nvPr/>
+        </p:nvCxnSpPr>
+        <p:spPr>
+          <a:xfrm>
+            <a:off x="5385558" y="2919683"/>
+            <a:ext cx="518992" cy="0"/>
+          </a:xfrm>
+          <a:prstGeom prst="straightConnector1">
+            <a:avLst/>
+          </a:prstGeom>
+          <a:ln w="19050">
+            <a:tailEnd type="triangle"/>
+          </a:ln>
+        </p:spPr>
+        <p:style>
+          <a:lnRef idx="1">
+            <a:schemeClr val="dk1"/>
+          </a:lnRef>
+          <a:fillRef idx="0">
+            <a:schemeClr val="dk1"/>
+          </a:fillRef>
+          <a:effectRef idx="0">
+            <a:schemeClr val="dk1"/>
+          </a:effectRef>
+          <a:fontRef idx="minor">
+            <a:schemeClr val="tx1"/>
+          </a:fontRef>
+        </p:style>
+      </p:cxnSp>
+      <p:sp>
+        <p:nvSpPr>
+          <p:cNvPr id="9" name="Rectangle 8"/>
+          <p:cNvSpPr/>
+          <p:nvPr/>
+        </p:nvSpPr>
+        <p:spPr>
+          <a:xfrm>
+            <a:off x="900" y="1114205"/>
+            <a:ext cx="741855" cy="775629"/>
+          </a:xfrm>
+          <a:prstGeom prst="rect">
+            <a:avLst/>
+          </a:prstGeom>
+          <a:ln>
+            <a:solidFill>
+              <a:schemeClr val="bg1"/>
+            </a:solidFill>
+          </a:ln>
+        </p:spPr>
+        <p:style>
+          <a:lnRef idx="2">
+            <a:schemeClr val="dk1"/>
+          </a:lnRef>
+          <a:fillRef idx="1">
+            <a:schemeClr val="lt1"/>
+          </a:fillRef>
+          <a:effectRef idx="0">
+            <a:schemeClr val="dk1"/>
+          </a:effectRef>
+          <a:fontRef idx="minor">
+            <a:schemeClr val="dk1"/>
+          </a:fontRef>
+        </p:style>
+        <p:txBody>
+          <a:bodyPr rtlCol="0" anchor="ctr"/>
+          <a:lstStyle/>
+          <a:p>
+            <a:pPr algn="ctr"/>
+            <a:endParaRPr lang="en-US" sz="1600"/>
+          </a:p>
+        </p:txBody>
+      </p:sp>
+      <p:sp>
+        <p:nvSpPr>
+          <p:cNvPr id="67" name="TextBox 66"/>
+          <p:cNvSpPr txBox="1"/>
+          <p:nvPr/>
+        </p:nvSpPr>
+        <p:spPr>
+          <a:xfrm>
+            <a:off x="1200826" y="2508172"/>
+            <a:ext cx="1205986" cy="338554"/>
+          </a:xfrm>
+          <a:prstGeom prst="rect">
+            <a:avLst/>
+          </a:prstGeom>
+          <a:noFill/>
+        </p:spPr>
+        <p:txBody>
+          <a:bodyPr wrap="square" rtlCol="0">
+            <a:spAutoFit/>
+          </a:bodyPr>
+          <a:lstStyle/>
+          <a:p>
+            <a:pPr algn="ctr"/>
+            <a:r>
+              <a:rPr lang="en-US" sz="1600" dirty="0"/>
+              <a:t>Host</a:t>
+            </a:r>
+          </a:p>
+        </p:txBody>
+      </p:sp>
+      <p:pic>
+        <p:nvPicPr>
+          <p:cNvPr id="35" name="Picture 34">
+            <a:extLst>
+              <a:ext uri="{FF2B5EF4-FFF2-40B4-BE49-F238E27FC236}">
+                <a16:creationId xmlns:a16="http://schemas.microsoft.com/office/drawing/2014/main" id="{2A22A0BE-778C-4BD9-9975-307F7F810440}"/>
+              </a:ext>
+            </a:extLst>
+          </p:cNvPr>
+          <p:cNvPicPr>
+            <a:picLocks noChangeAspect="1"/>
+          </p:cNvPicPr>
+          <p:nvPr/>
+        </p:nvPicPr>
+        <p:blipFill>
+          <a:blip r:embed="rId3" cstate="print">
+            <a:extLst>
+              <a:ext uri="{28A0092B-C50C-407E-A947-70E740481C1C}">
+                <a14:useLocalDpi xmlns:a14="http://schemas.microsoft.com/office/drawing/2010/main" val="0"/>
+              </a:ext>
+            </a:extLst>
+          </a:blip>
+          <a:stretch>
+            <a:fillRect/>
+          </a:stretch>
+        </p:blipFill>
+        <p:spPr>
+          <a:xfrm>
+            <a:off x="3148839" y="1201153"/>
+            <a:ext cx="460381" cy="460381"/>
+          </a:xfrm>
+          <a:prstGeom prst="rect">
+            <a:avLst/>
+          </a:prstGeom>
+        </p:spPr>
+      </p:pic>
+      <p:grpSp>
+        <p:nvGrpSpPr>
+          <p:cNvPr id="41" name="Group 40">
+            <a:extLst>
+              <a:ext uri="{FF2B5EF4-FFF2-40B4-BE49-F238E27FC236}">
+                <a16:creationId xmlns:a16="http://schemas.microsoft.com/office/drawing/2014/main" id="{8B41FC22-958E-4A3A-BAC1-F455A502D819}"/>
+              </a:ext>
+            </a:extLst>
+          </p:cNvPr>
+          <p:cNvGrpSpPr/>
+          <p:nvPr/>
+        </p:nvGrpSpPr>
+        <p:grpSpPr>
+          <a:xfrm>
+            <a:off x="1065982" y="863253"/>
+            <a:ext cx="1759369" cy="1693881"/>
+            <a:chOff x="1065982" y="863253"/>
+            <a:chExt cx="1759369" cy="1693881"/>
+          </a:xfrm>
+        </p:grpSpPr>
+        <p:cxnSp>
+          <p:nvCxnSpPr>
+            <p:cNvPr id="71" name="Straight Arrow Connector 70"/>
+            <p:cNvCxnSpPr>
+              <a:cxnSpLocks/>
+            </p:cNvCxnSpPr>
+            <p:nvPr/>
+          </p:nvCxnSpPr>
+          <p:spPr>
+            <a:xfrm>
+              <a:off x="2545540" y="1631399"/>
+              <a:ext cx="279811" cy="0"/>
+            </a:xfrm>
+            <a:prstGeom prst="straightConnector1">
+              <a:avLst/>
+            </a:prstGeom>
+            <a:ln w="19050">
+              <a:tailEnd type="triangle"/>
+            </a:ln>
+          </p:spPr>
+          <p:style>
+            <a:lnRef idx="1">
+              <a:schemeClr val="dk1"/>
+            </a:lnRef>
+            <a:fillRef idx="0">
+              <a:schemeClr val="dk1"/>
+            </a:fillRef>
+            <a:effectRef idx="0">
+              <a:schemeClr val="dk1"/>
+            </a:effectRef>
+            <a:fontRef idx="minor">
+              <a:schemeClr val="tx1"/>
+            </a:fontRef>
+          </p:style>
+        </p:cxnSp>
+        <p:pic>
+          <p:nvPicPr>
+            <p:cNvPr id="8" name="Picture 7">
+              <a:extLst>
+                <a:ext uri="{FF2B5EF4-FFF2-40B4-BE49-F238E27FC236}">
+                  <a16:creationId xmlns:a16="http://schemas.microsoft.com/office/drawing/2014/main" id="{7F2525D0-705B-40C0-8E64-F00C765BA858}"/>
+                </a:ext>
+              </a:extLst>
+            </p:cNvPr>
+            <p:cNvPicPr>
+              <a:picLocks noChangeAspect="1"/>
+            </p:cNvPicPr>
+            <p:nvPr/>
+          </p:nvPicPr>
+          <p:blipFill>
+            <a:blip r:embed="rId4" cstate="print">
+              <a:extLst>
+                <a:ext uri="{28A0092B-C50C-407E-A947-70E740481C1C}">
+                  <a14:useLocalDpi xmlns:a14="http://schemas.microsoft.com/office/drawing/2010/main" val="0"/>
+                </a:ext>
+              </a:extLst>
+            </a:blip>
+            <a:stretch>
+              <a:fillRect/>
+            </a:stretch>
+          </p:blipFill>
+          <p:spPr>
+            <a:xfrm>
+              <a:off x="1065982" y="1060779"/>
+              <a:ext cx="1496355" cy="1496355"/>
+            </a:xfrm>
+            <a:prstGeom prst="rect">
+              <a:avLst/>
+            </a:prstGeom>
+          </p:spPr>
+        </p:pic>
+        <p:sp>
+          <p:nvSpPr>
+            <p:cNvPr id="15" name="Rectangle 14">
+              <a:extLst>
+                <a:ext uri="{FF2B5EF4-FFF2-40B4-BE49-F238E27FC236}">
+                  <a16:creationId xmlns:a16="http://schemas.microsoft.com/office/drawing/2014/main" id="{76888F86-AF3D-4029-A434-C8AA90473803}"/>
+                </a:ext>
+              </a:extLst>
+            </p:cNvPr>
+            <p:cNvSpPr/>
+            <p:nvPr/>
+          </p:nvSpPr>
+          <p:spPr>
+            <a:xfrm>
+              <a:off x="1271315" y="1218181"/>
+              <a:ext cx="1166014" cy="742689"/>
+            </a:xfrm>
+            <a:prstGeom prst="rect">
+              <a:avLst/>
+            </a:prstGeom>
+            <a:solidFill>
+              <a:srgbClr val="C8EFFE"/>
+            </a:solidFill>
+            <a:ln>
+              <a:solidFill>
+                <a:srgbClr val="C8EFFE"/>
+              </a:solidFill>
+            </a:ln>
+          </p:spPr>
+          <p:style>
+            <a:lnRef idx="2">
+              <a:schemeClr val="accent1">
+                <a:shade val="50000"/>
+              </a:schemeClr>
+            </a:lnRef>
+            <a:fillRef idx="1">
+              <a:schemeClr val="accent1"/>
+            </a:fillRef>
+            <a:effectRef idx="0">
+              <a:schemeClr val="accent1"/>
+            </a:effectRef>
+            <a:fontRef idx="minor">
+              <a:schemeClr val="lt1"/>
+            </a:fontRef>
+          </p:style>
+          <p:txBody>
+            <a:bodyPr rtlCol="0" anchor="ctr"/>
+            <a:lstStyle/>
+            <a:p>
+              <a:pPr algn="ctr"/>
+              <a:endParaRPr lang="en-US" sz="1600"/>
+            </a:p>
+          </p:txBody>
+        </p:sp>
+        <p:pic>
+          <p:nvPicPr>
+            <p:cNvPr id="34" name="Picture 33">
+              <a:extLst>
+                <a:ext uri="{FF2B5EF4-FFF2-40B4-BE49-F238E27FC236}">
+                  <a16:creationId xmlns:a16="http://schemas.microsoft.com/office/drawing/2014/main" id="{193A23FC-60CE-4511-A5D3-272C7C690B6E}"/>
+                </a:ext>
+              </a:extLst>
+            </p:cNvPr>
+            <p:cNvPicPr>
+              <a:picLocks noChangeAspect="1"/>
+            </p:cNvPicPr>
+            <p:nvPr/>
+          </p:nvPicPr>
+          <p:blipFill>
+            <a:blip r:embed="rId3" cstate="print">
+              <a:extLst>
+                <a:ext uri="{28A0092B-C50C-407E-A947-70E740481C1C}">
+                  <a14:useLocalDpi xmlns:a14="http://schemas.microsoft.com/office/drawing/2010/main" val="0"/>
+                </a:ext>
+              </a:extLst>
+            </a:blip>
+            <a:stretch>
+              <a:fillRect/>
+            </a:stretch>
+          </p:blipFill>
+          <p:spPr>
+            <a:xfrm>
+              <a:off x="2256759" y="863253"/>
+              <a:ext cx="460381" cy="460381"/>
+            </a:xfrm>
+            <a:prstGeom prst="rect">
+              <a:avLst/>
+            </a:prstGeom>
+          </p:spPr>
+        </p:pic>
+        <p:grpSp>
+          <p:nvGrpSpPr>
+            <p:cNvPr id="16" name="Group 15">
+              <a:extLst>
+                <a:ext uri="{FF2B5EF4-FFF2-40B4-BE49-F238E27FC236}">
+                  <a16:creationId xmlns:a16="http://schemas.microsoft.com/office/drawing/2014/main" id="{2ECF33DF-4121-4283-B418-D5DB0FEEE175}"/>
+                </a:ext>
+              </a:extLst>
+            </p:cNvPr>
+            <p:cNvGrpSpPr/>
+            <p:nvPr/>
+          </p:nvGrpSpPr>
+          <p:grpSpPr>
+            <a:xfrm>
+              <a:off x="1219744" y="1160698"/>
+              <a:ext cx="1205986" cy="912307"/>
+              <a:chOff x="790949" y="3576002"/>
+              <a:chExt cx="1205986" cy="912307"/>
+            </a:xfrm>
+          </p:grpSpPr>
+          <p:grpSp>
+            <p:nvGrpSpPr>
+              <p:cNvPr id="14" name="Group 13">
+                <a:extLst>
+                  <a:ext uri="{FF2B5EF4-FFF2-40B4-BE49-F238E27FC236}">
+                    <a16:creationId xmlns:a16="http://schemas.microsoft.com/office/drawing/2014/main" id="{B80947C8-B9B3-41CB-A53B-FE18A0BDE902}"/>
+                  </a:ext>
+                </a:extLst>
+              </p:cNvPr>
+              <p:cNvGrpSpPr/>
+              <p:nvPr/>
+            </p:nvGrpSpPr>
+            <p:grpSpPr>
+              <a:xfrm>
+                <a:off x="916921" y="3576002"/>
+                <a:ext cx="912307" cy="912307"/>
+                <a:chOff x="2301915" y="4014805"/>
+                <a:chExt cx="1419548" cy="1419547"/>
+              </a:xfrm>
+            </p:grpSpPr>
+            <p:pic>
+              <p:nvPicPr>
+                <p:cNvPr id="12" name="Picture 11">
+                  <a:extLst>
+                    <a:ext uri="{FF2B5EF4-FFF2-40B4-BE49-F238E27FC236}">
+                      <a16:creationId xmlns:a16="http://schemas.microsoft.com/office/drawing/2014/main" id="{88E22945-CB21-473A-AEAD-4349CB5C6E9F}"/>
+                    </a:ext>
+                  </a:extLst>
+                </p:cNvPr>
+                <p:cNvPicPr>
+                  <a:picLocks noChangeAspect="1"/>
+                </p:cNvPicPr>
+                <p:nvPr/>
+              </p:nvPicPr>
+              <p:blipFill>
+                <a:blip r:embed="rId5" cstate="print">
+                  <a:extLst>
+                    <a:ext uri="{28A0092B-C50C-407E-A947-70E740481C1C}">
+                      <a14:useLocalDpi xmlns:a14="http://schemas.microsoft.com/office/drawing/2010/main" val="0"/>
+                    </a:ext>
+                  </a:extLst>
+                </a:blip>
+                <a:stretch>
+                  <a:fillRect/>
+                </a:stretch>
+              </p:blipFill>
+              <p:spPr>
+                <a:xfrm>
+                  <a:off x="2301915" y="4014805"/>
+                  <a:ext cx="1419548" cy="1419547"/>
+                </a:xfrm>
+                <a:prstGeom prst="rect">
+                  <a:avLst/>
+                </a:prstGeom>
+              </p:spPr>
+            </p:pic>
+            <p:sp>
+              <p:nvSpPr>
+                <p:cNvPr id="13" name="Rectangle: Rounded Corners 12">
+                  <a:extLst>
+                    <a:ext uri="{FF2B5EF4-FFF2-40B4-BE49-F238E27FC236}">
+                      <a16:creationId xmlns:a16="http://schemas.microsoft.com/office/drawing/2014/main" id="{18A33AEF-1CA7-47C1-8443-33E42AF7A3C5}"/>
+                    </a:ext>
+                  </a:extLst>
+                </p:cNvPr>
+                <p:cNvSpPr/>
+                <p:nvPr/>
+              </p:nvSpPr>
+              <p:spPr>
+                <a:xfrm>
+                  <a:off x="2309439" y="4126108"/>
+                  <a:ext cx="1408366" cy="1180075"/>
+                </a:xfrm>
+                <a:prstGeom prst="roundRect">
+                  <a:avLst>
+                    <a:gd name="adj" fmla="val 15612"/>
+                  </a:avLst>
+                </a:prstGeom>
+                <a:noFill/>
+              </p:spPr>
+              <p:style>
+                <a:lnRef idx="2">
+                  <a:schemeClr val="dk1">
+                    <a:shade val="50000"/>
+                  </a:schemeClr>
+                </a:lnRef>
+                <a:fillRef idx="1">
+                  <a:schemeClr val="dk1"/>
+                </a:fillRef>
+                <a:effectRef idx="0">
+                  <a:schemeClr val="dk1"/>
+                </a:effectRef>
+                <a:fontRef idx="minor">
+                  <a:schemeClr val="lt1"/>
+                </a:fontRef>
+              </p:style>
+              <p:txBody>
+                <a:bodyPr rtlCol="0" anchor="ctr"/>
+                <a:lstStyle/>
+                <a:p>
+                  <a:pPr algn="ctr"/>
+                  <a:endParaRPr lang="en-US" sz="1600"/>
+                </a:p>
+              </p:txBody>
+            </p:sp>
+          </p:grpSp>
+          <p:sp>
+            <p:nvSpPr>
+              <p:cNvPr id="119" name="TextBox 118"/>
+              <p:cNvSpPr txBox="1"/>
+              <p:nvPr/>
+            </p:nvSpPr>
+            <p:spPr>
+              <a:xfrm>
+                <a:off x="790949" y="3892471"/>
+                <a:ext cx="1205986" cy="338554"/>
+              </a:xfrm>
+              <a:prstGeom prst="rect">
+                <a:avLst/>
+              </a:prstGeom>
+              <a:noFill/>
+            </p:spPr>
+            <p:txBody>
+              <a:bodyPr wrap="square" rtlCol="0">
+                <a:spAutoFit/>
+              </a:bodyPr>
+              <a:lstStyle/>
+              <a:p>
+                <a:pPr algn="ctr"/>
+                <a:r>
+                  <a:rPr lang="en-US" sz="1600" dirty="0"/>
+                  <a:t>Browser</a:t>
+                </a:r>
+              </a:p>
+            </p:txBody>
+          </p:sp>
+        </p:grpSp>
+        <p:sp>
+          <p:nvSpPr>
+            <p:cNvPr id="46" name="Rectangle 45">
+              <a:extLst>
+                <a:ext uri="{FF2B5EF4-FFF2-40B4-BE49-F238E27FC236}">
+                  <a16:creationId xmlns:a16="http://schemas.microsoft.com/office/drawing/2014/main" id="{6E7D3BD3-4C6D-48E1-A2EC-D277A80381F0}"/>
+                </a:ext>
+              </a:extLst>
+            </p:cNvPr>
+            <p:cNvSpPr/>
+            <p:nvPr/>
+          </p:nvSpPr>
+          <p:spPr>
+            <a:xfrm>
+              <a:off x="1143304" y="1245508"/>
+              <a:ext cx="131008" cy="742689"/>
+            </a:xfrm>
+            <a:prstGeom prst="rect">
+              <a:avLst/>
+            </a:prstGeom>
+            <a:solidFill>
+              <a:srgbClr val="99E6FC"/>
+            </a:solidFill>
+            <a:ln>
+              <a:noFill/>
+            </a:ln>
+          </p:spPr>
+          <p:style>
+            <a:lnRef idx="2">
+              <a:schemeClr val="accent1">
+                <a:shade val="50000"/>
+              </a:schemeClr>
+            </a:lnRef>
+            <a:fillRef idx="1">
+              <a:schemeClr val="accent1"/>
+            </a:fillRef>
+            <a:effectRef idx="0">
+              <a:schemeClr val="accent1"/>
+            </a:effectRef>
+            <a:fontRef idx="minor">
+              <a:schemeClr val="lt1"/>
+            </a:fontRef>
+          </p:style>
+          <p:txBody>
+            <a:bodyPr rtlCol="0" anchor="ctr"/>
+            <a:lstStyle/>
+            <a:p>
+              <a:pPr algn="ctr"/>
+              <a:endParaRPr lang="en-US" sz="1600"/>
+            </a:p>
+          </p:txBody>
+        </p:sp>
+      </p:grpSp>
+      <p:pic>
+        <p:nvPicPr>
+          <p:cNvPr id="20" name="Picture 19">
+            <a:extLst>
+              <a:ext uri="{FF2B5EF4-FFF2-40B4-BE49-F238E27FC236}">
+                <a16:creationId xmlns:a16="http://schemas.microsoft.com/office/drawing/2014/main" id="{FE8CEEC3-F506-426E-BA87-7E82B2715364}"/>
+              </a:ext>
+            </a:extLst>
+          </p:cNvPr>
+          <p:cNvPicPr>
+            <a:picLocks noChangeAspect="1"/>
+          </p:cNvPicPr>
+          <p:nvPr/>
+        </p:nvPicPr>
+        <p:blipFill>
+          <a:blip r:embed="rId6" cstate="print">
+            <a:extLst>
+              <a:ext uri="{28A0092B-C50C-407E-A947-70E740481C1C}">
+                <a14:useLocalDpi xmlns:a14="http://schemas.microsoft.com/office/drawing/2010/main" val="0"/>
+              </a:ext>
+            </a:extLst>
+          </a:blip>
+          <a:stretch>
+            <a:fillRect/>
+          </a:stretch>
+        </p:blipFill>
+        <p:spPr>
+          <a:xfrm>
+            <a:off x="4299111" y="41818"/>
+            <a:ext cx="752556" cy="752556"/>
+          </a:xfrm>
+          <a:prstGeom prst="rect">
+            <a:avLst/>
+          </a:prstGeom>
+        </p:spPr>
+      </p:pic>
+      <p:pic>
+        <p:nvPicPr>
+          <p:cNvPr id="22" name="Picture 21">
+            <a:extLst>
+              <a:ext uri="{FF2B5EF4-FFF2-40B4-BE49-F238E27FC236}">
+                <a16:creationId xmlns:a16="http://schemas.microsoft.com/office/drawing/2014/main" id="{AB782F53-02DB-467B-ADE1-E61E4DAB0F4C}"/>
+              </a:ext>
+            </a:extLst>
+          </p:cNvPr>
+          <p:cNvPicPr>
+            <a:picLocks noChangeAspect="1"/>
+          </p:cNvPicPr>
+          <p:nvPr/>
+        </p:nvPicPr>
+        <p:blipFill rotWithShape="1">
+          <a:blip r:embed="rId7" cstate="print">
+            <a:extLst>
+              <a:ext uri="{28A0092B-C50C-407E-A947-70E740481C1C}">
+                <a14:useLocalDpi xmlns:a14="http://schemas.microsoft.com/office/drawing/2010/main" val="0"/>
+              </a:ext>
+            </a:extLst>
+          </a:blip>
+          <a:srcRect t="10885" b="10787"/>
+          <a:stretch/>
+        </p:blipFill>
+        <p:spPr>
+          <a:xfrm>
+            <a:off x="4317071" y="1301900"/>
+            <a:ext cx="866833" cy="678970"/>
+          </a:xfrm>
+          <a:prstGeom prst="rect">
+            <a:avLst/>
+          </a:prstGeom>
+        </p:spPr>
+      </p:pic>
+      <p:pic>
+        <p:nvPicPr>
+          <p:cNvPr id="57" name="Picture 56">
+            <a:extLst>
+              <a:ext uri="{FF2B5EF4-FFF2-40B4-BE49-F238E27FC236}">
+                <a16:creationId xmlns:a16="http://schemas.microsoft.com/office/drawing/2014/main" id="{30327CE4-9E2D-4914-B3B5-75E07822EBEF}"/>
+              </a:ext>
+            </a:extLst>
+          </p:cNvPr>
+          <p:cNvPicPr>
+            <a:picLocks noChangeAspect="1"/>
+          </p:cNvPicPr>
+          <p:nvPr/>
+        </p:nvPicPr>
+        <p:blipFill>
+          <a:blip r:embed="rId8" cstate="print">
+            <a:extLst>
+              <a:ext uri="{28A0092B-C50C-407E-A947-70E740481C1C}">
+                <a14:useLocalDpi xmlns:a14="http://schemas.microsoft.com/office/drawing/2010/main" val="0"/>
+              </a:ext>
+            </a:extLst>
+          </a:blip>
+          <a:stretch>
+            <a:fillRect/>
+          </a:stretch>
+        </p:blipFill>
+        <p:spPr>
+          <a:xfrm>
+            <a:off x="4317071" y="2487110"/>
+            <a:ext cx="865147" cy="865147"/>
+          </a:xfrm>
+          <a:prstGeom prst="rect">
+            <a:avLst/>
+          </a:prstGeom>
+        </p:spPr>
+      </p:pic>
+      <p:pic>
+        <p:nvPicPr>
+          <p:cNvPr id="26" name="Picture 25">
+            <a:extLst>
+              <a:ext uri="{FF2B5EF4-FFF2-40B4-BE49-F238E27FC236}">
+                <a16:creationId xmlns:a16="http://schemas.microsoft.com/office/drawing/2014/main" id="{82C9084F-0ED2-4BBD-B2FB-BDD4E59042FE}"/>
+              </a:ext>
+            </a:extLst>
+          </p:cNvPr>
+          <p:cNvPicPr>
+            <a:picLocks noChangeAspect="1"/>
+          </p:cNvPicPr>
+          <p:nvPr/>
+        </p:nvPicPr>
+        <p:blipFill>
+          <a:blip r:embed="rId9" cstate="print">
+            <a:extLst>
+              <a:ext uri="{28A0092B-C50C-407E-A947-70E740481C1C}">
+                <a14:useLocalDpi xmlns:a14="http://schemas.microsoft.com/office/drawing/2010/main" val="0"/>
+              </a:ext>
+            </a:extLst>
+          </a:blip>
+          <a:stretch>
+            <a:fillRect/>
+          </a:stretch>
+        </p:blipFill>
+        <p:spPr>
+          <a:xfrm>
+            <a:off x="6093963" y="2524621"/>
+            <a:ext cx="790124" cy="790124"/>
+          </a:xfrm>
+          <a:prstGeom prst="rect">
+            <a:avLst/>
+          </a:prstGeom>
+        </p:spPr>
+      </p:pic>
+      <p:pic>
+        <p:nvPicPr>
+          <p:cNvPr id="28" name="Picture 27">
+            <a:extLst>
+              <a:ext uri="{FF2B5EF4-FFF2-40B4-BE49-F238E27FC236}">
+                <a16:creationId xmlns:a16="http://schemas.microsoft.com/office/drawing/2014/main" id="{4A6FF03D-B21C-4A84-95B9-9EC864774B92}"/>
+              </a:ext>
+            </a:extLst>
+          </p:cNvPr>
+          <p:cNvPicPr>
+            <a:picLocks noChangeAspect="1"/>
+          </p:cNvPicPr>
+          <p:nvPr/>
+        </p:nvPicPr>
+        <p:blipFill>
+          <a:blip r:embed="rId10" cstate="print">
+            <a:extLst>
+              <a:ext uri="{28A0092B-C50C-407E-A947-70E740481C1C}">
+                <a14:useLocalDpi xmlns:a14="http://schemas.microsoft.com/office/drawing/2010/main" val="0"/>
+              </a:ext>
+            </a:extLst>
+          </a:blip>
+          <a:stretch>
+            <a:fillRect/>
+          </a:stretch>
+        </p:blipFill>
+        <p:spPr>
+          <a:xfrm>
+            <a:off x="6176337" y="1327218"/>
+            <a:ext cx="707750" cy="707750"/>
+          </a:xfrm>
+          <a:prstGeom prst="rect">
+            <a:avLst/>
+          </a:prstGeom>
+        </p:spPr>
+      </p:pic>
+      <p:grpSp>
+        <p:nvGrpSpPr>
+          <p:cNvPr id="33" name="Group 32">
+            <a:extLst>
+              <a:ext uri="{FF2B5EF4-FFF2-40B4-BE49-F238E27FC236}">
+                <a16:creationId xmlns:a16="http://schemas.microsoft.com/office/drawing/2014/main" id="{13AC1D64-6D12-430E-B0E5-64B721A42F2F}"/>
+              </a:ext>
+            </a:extLst>
+          </p:cNvPr>
+          <p:cNvGrpSpPr/>
+          <p:nvPr/>
+        </p:nvGrpSpPr>
+        <p:grpSpPr>
+          <a:xfrm>
+            <a:off x="6176337" y="-23710"/>
+            <a:ext cx="660966" cy="721910"/>
+            <a:chOff x="3642745" y="5250446"/>
+            <a:chExt cx="571676" cy="624387"/>
+          </a:xfrm>
+        </p:grpSpPr>
+        <p:pic>
+          <p:nvPicPr>
+            <p:cNvPr id="30" name="Picture 29">
+              <a:extLst>
+                <a:ext uri="{FF2B5EF4-FFF2-40B4-BE49-F238E27FC236}">
+                  <a16:creationId xmlns:a16="http://schemas.microsoft.com/office/drawing/2014/main" id="{BEBD22EC-BAC1-4087-93D1-1CB1CF301BD3}"/>
+                </a:ext>
+              </a:extLst>
+            </p:cNvPr>
+            <p:cNvPicPr>
+              <a:picLocks noChangeAspect="1"/>
+            </p:cNvPicPr>
+            <p:nvPr/>
+          </p:nvPicPr>
+          <p:blipFill>
+            <a:blip r:embed="rId11" cstate="print">
+              <a:extLst>
+                <a:ext uri="{28A0092B-C50C-407E-A947-70E740481C1C}">
+                  <a14:useLocalDpi xmlns:a14="http://schemas.microsoft.com/office/drawing/2010/main" val="0"/>
+                </a:ext>
+              </a:extLst>
+            </a:blip>
+            <a:stretch>
+              <a:fillRect/>
+            </a:stretch>
+          </p:blipFill>
+          <p:spPr>
+            <a:xfrm>
+              <a:off x="3642745" y="5317066"/>
+              <a:ext cx="557767" cy="557767"/>
+            </a:xfrm>
+            <a:prstGeom prst="rect">
+              <a:avLst/>
+            </a:prstGeom>
+          </p:spPr>
+        </p:pic>
+        <p:pic>
+          <p:nvPicPr>
+            <p:cNvPr id="32" name="Picture 31">
+              <a:extLst>
+                <a:ext uri="{FF2B5EF4-FFF2-40B4-BE49-F238E27FC236}">
+                  <a16:creationId xmlns:a16="http://schemas.microsoft.com/office/drawing/2014/main" id="{8CDF1E93-A168-4112-B706-0A6721C6B405}"/>
+                </a:ext>
+              </a:extLst>
+            </p:cNvPr>
+            <p:cNvPicPr>
+              <a:picLocks noChangeAspect="1"/>
+            </p:cNvPicPr>
+            <p:nvPr/>
+          </p:nvPicPr>
+          <p:blipFill>
+            <a:blip r:embed="rId12" cstate="print">
+              <a:extLst>
+                <a:ext uri="{28A0092B-C50C-407E-A947-70E740481C1C}">
+                  <a14:useLocalDpi xmlns:a14="http://schemas.microsoft.com/office/drawing/2010/main" val="0"/>
+                </a:ext>
+              </a:extLst>
+            </a:blip>
+            <a:stretch>
+              <a:fillRect/>
+            </a:stretch>
+          </p:blipFill>
+          <p:spPr>
+            <a:xfrm flipH="1">
+              <a:off x="3985358" y="5250446"/>
+              <a:ext cx="229063" cy="229063"/>
+            </a:xfrm>
+            <a:prstGeom prst="rect">
+              <a:avLst/>
+            </a:prstGeom>
+          </p:spPr>
+        </p:pic>
+      </p:grpSp>
+      <p:pic>
+        <p:nvPicPr>
+          <p:cNvPr id="38" name="Picture 37">
+            <a:extLst>
+              <a:ext uri="{FF2B5EF4-FFF2-40B4-BE49-F238E27FC236}">
+                <a16:creationId xmlns:a16="http://schemas.microsoft.com/office/drawing/2014/main" id="{D34B9B9B-A44B-470E-8904-5E1238DC5EB5}"/>
+              </a:ext>
+            </a:extLst>
+          </p:cNvPr>
+          <p:cNvPicPr>
+            <a:picLocks noChangeAspect="1"/>
+          </p:cNvPicPr>
+          <p:nvPr/>
+        </p:nvPicPr>
+        <p:blipFill>
+          <a:blip r:embed="rId13" cstate="print">
+            <a:extLst>
+              <a:ext uri="{28A0092B-C50C-407E-A947-70E740481C1C}">
+                <a14:useLocalDpi xmlns:a14="http://schemas.microsoft.com/office/drawing/2010/main" val="0"/>
+              </a:ext>
+            </a:extLst>
+          </a:blip>
+          <a:stretch>
+            <a:fillRect/>
+          </a:stretch>
+        </p:blipFill>
+        <p:spPr>
+          <a:xfrm>
+            <a:off x="15784" y="1238045"/>
+            <a:ext cx="719420" cy="719420"/>
+          </a:xfrm>
+          <a:prstGeom prst="rect">
+            <a:avLst/>
+          </a:prstGeom>
+        </p:spPr>
+      </p:pic>
+    </p:spTree>
+    <p:extLst>
+      <p:ext uri="{BB962C8B-B14F-4D97-AF65-F5344CB8AC3E}">
+        <p14:creationId xmlns:p14="http://schemas.microsoft.com/office/powerpoint/2010/main" val="1360064593"/>
+      </p:ext>
+    </p:extLst>
+  </p:cSld>
+  <p:clrMapOvr>
+    <a:masterClrMapping/>
+  </p:clrMapOvr>
+</p:sld>
+</file>
+
+<file path=ppt/slides/slide11.xml><?xml version="1.0" encoding="utf-8"?>
+<p:sld xmlns:a="http://schemas.openxmlformats.org/drawingml/2006/main" xmlns:r="http://schemas.openxmlformats.org/officeDocument/2006/relationships" xmlns:p="http://schemas.openxmlformats.org/presentationml/2006/main">
+  <p:cSld>
+    <p:spTree>
+      <p:nvGrpSpPr>
+        <p:cNvPr id="1" name=""/>
+        <p:cNvGrpSpPr/>
+        <p:nvPr/>
+      </p:nvGrpSpPr>
+      <p:grpSpPr>
+        <a:xfrm>
+          <a:off x="0" y="0"/>
+          <a:ext cx="0" cy="0"/>
+          <a:chOff x="0" y="0"/>
+          <a:chExt cx="0" cy="0"/>
+        </a:xfrm>
+      </p:grpSpPr>
+      <p:pic>
+        <p:nvPicPr>
           <p:cNvPr id="60" name="Picture 59"/>
           <p:cNvPicPr>
             <a:picLocks noChangeAspect="1"/>
@@ -5343,7 +6695,7 @@
 </p:sld>
 </file>
 
-<file path=ppt/slides/slide11.xml><?xml version="1.0" encoding="utf-8"?>
+<file path=ppt/slides/slide12.xml><?xml version="1.0" encoding="utf-8"?>
 <p:sld xmlns:a="http://schemas.openxmlformats.org/drawingml/2006/main" xmlns:r="http://schemas.openxmlformats.org/officeDocument/2006/relationships" xmlns:p="http://schemas.openxmlformats.org/presentationml/2006/main">
   <p:cSld>
     <p:spTree>
@@ -6816,7 +8168,7 @@
 </p:sld>
 </file>
 
-<file path=ppt/slides/slide12.xml><?xml version="1.0" encoding="utf-8"?>
+<file path=ppt/slides/slide13.xml><?xml version="1.0" encoding="utf-8"?>
 <p:sld xmlns:a="http://schemas.openxmlformats.org/drawingml/2006/main" xmlns:r="http://schemas.openxmlformats.org/officeDocument/2006/relationships" xmlns:p="http://schemas.openxmlformats.org/presentationml/2006/main">
   <p:cSld>
     <p:spTree>
@@ -6888,7 +8240,7 @@
 </p:sld>
 </file>
 
-<file path=ppt/slides/slide13.xml><?xml version="1.0" encoding="utf-8"?>
+<file path=ppt/slides/slide14.xml><?xml version="1.0" encoding="utf-8"?>
 <p:sld xmlns:a="http://schemas.openxmlformats.org/drawingml/2006/main" xmlns:r="http://schemas.openxmlformats.org/officeDocument/2006/relationships" xmlns:p="http://schemas.openxmlformats.org/presentationml/2006/main">
   <p:cSld>
     <p:spTree>
@@ -7649,7 +9001,7 @@
 </p:sld>
 </file>
 
-<file path=ppt/slides/slide14.xml><?xml version="1.0" encoding="utf-8"?>
+<file path=ppt/slides/slide15.xml><?xml version="1.0" encoding="utf-8"?>
 <p:sld xmlns:a="http://schemas.openxmlformats.org/drawingml/2006/main" xmlns:r="http://schemas.openxmlformats.org/officeDocument/2006/relationships" xmlns:p="http://schemas.openxmlformats.org/presentationml/2006/main">
   <p:cSld>
     <p:spTree>
@@ -8696,7 +10048,7 @@
 </p:sld>
 </file>
 
-<file path=ppt/slides/slide15.xml><?xml version="1.0" encoding="utf-8"?>
+<file path=ppt/slides/slide16.xml><?xml version="1.0" encoding="utf-8"?>
 <p:sld xmlns:a="http://schemas.openxmlformats.org/drawingml/2006/main" xmlns:r="http://schemas.openxmlformats.org/officeDocument/2006/relationships" xmlns:p="http://schemas.openxmlformats.org/presentationml/2006/main">
   <p:cSld>
     <p:spTree>
@@ -10181,7 +11533,7 @@
 </p:sld>
 </file>
 
-<file path=ppt/slides/slide16.xml><?xml version="1.0" encoding="utf-8"?>
+<file path=ppt/slides/slide17.xml><?xml version="1.0" encoding="utf-8"?>
 <p:sld xmlns:a="http://schemas.openxmlformats.org/drawingml/2006/main" xmlns:r="http://schemas.openxmlformats.org/officeDocument/2006/relationships" xmlns:p="http://schemas.openxmlformats.org/presentationml/2006/main">
   <p:cSld>
     <p:spTree>
@@ -11057,7 +12409,7 @@
 </p:sld>
 </file>
 
-<file path=ppt/slides/slide17.xml><?xml version="1.0" encoding="utf-8"?>
+<file path=ppt/slides/slide18.xml><?xml version="1.0" encoding="utf-8"?>
 <p:sld xmlns:a="http://schemas.openxmlformats.org/drawingml/2006/main" xmlns:r="http://schemas.openxmlformats.org/officeDocument/2006/relationships" xmlns:p="http://schemas.openxmlformats.org/presentationml/2006/main">
   <p:cSld>
     <p:spTree>
@@ -12774,7 +14126,7 @@
 </p:sld>
 </file>
 
-<file path=ppt/slides/slide18.xml><?xml version="1.0" encoding="utf-8"?>
+<file path=ppt/slides/slide19.xml><?xml version="1.0" encoding="utf-8"?>
 <p:sld xmlns:a="http://schemas.openxmlformats.org/drawingml/2006/main" xmlns:r="http://schemas.openxmlformats.org/officeDocument/2006/relationships" xmlns:p="http://schemas.openxmlformats.org/presentationml/2006/main">
   <p:cSld>
     <p:spTree>
@@ -13549,125 +14901,6 @@
 </p:sld>
 </file>
 
-<file path=ppt/slides/slide19.xml><?xml version="1.0" encoding="utf-8"?>
-<p:sld xmlns:a="http://schemas.openxmlformats.org/drawingml/2006/main" xmlns:r="http://schemas.openxmlformats.org/officeDocument/2006/relationships" xmlns:p="http://schemas.openxmlformats.org/presentationml/2006/main">
-  <p:cSld>
-    <p:spTree>
-      <p:nvGrpSpPr>
-        <p:cNvPr id="1" name=""/>
-        <p:cNvGrpSpPr/>
-        <p:nvPr/>
-      </p:nvGrpSpPr>
-      <p:grpSpPr>
-        <a:xfrm>
-          <a:off x="0" y="0"/>
-          <a:ext cx="0" cy="0"/>
-          <a:chOff x="0" y="0"/>
-          <a:chExt cx="0" cy="0"/>
-        </a:xfrm>
-      </p:grpSpPr>
-      <p:grpSp>
-        <p:nvGrpSpPr>
-          <p:cNvPr id="3" name="Group 2"/>
-          <p:cNvGrpSpPr/>
-          <p:nvPr/>
-        </p:nvGrpSpPr>
-        <p:grpSpPr>
-          <a:xfrm>
-            <a:off x="53738" y="-43497"/>
-            <a:ext cx="6965223" cy="4837747"/>
-            <a:chOff x="36149" y="-43497"/>
-            <a:chExt cx="6965223" cy="4837747"/>
-          </a:xfrm>
-        </p:grpSpPr>
-        <p:pic>
-          <p:nvPicPr>
-            <p:cNvPr id="4" name="Picture 3"/>
-            <p:cNvPicPr>
-              <a:picLocks noChangeAspect="1"/>
-            </p:cNvPicPr>
-            <p:nvPr/>
-          </p:nvPicPr>
-          <p:blipFill rotWithShape="1">
-            <a:blip r:embed="rId2">
-              <a:extLst>
-                <a:ext uri="{BEBA8EAE-BF5A-486C-A8C5-ECC9F3942E4B}">
-                  <a14:imgProps xmlns:a14="http://schemas.microsoft.com/office/drawing/2010/main">
-                    <a14:imgLayer r:embed="rId3">
-                      <a14:imgEffect>
-                        <a14:sharpenSoften amount="50000"/>
-                      </a14:imgEffect>
-                    </a14:imgLayer>
-                  </a14:imgProps>
-                </a:ext>
-                <a:ext uri="{28A0092B-C50C-407E-A947-70E740481C1C}">
-                  <a14:useLocalDpi xmlns:a14="http://schemas.microsoft.com/office/drawing/2010/main" val="0"/>
-                </a:ext>
-              </a:extLst>
-            </a:blip>
-            <a:srcRect l="326" t="735" r="18895"/>
-            <a:stretch/>
-          </p:blipFill>
-          <p:spPr>
-            <a:xfrm>
-              <a:off x="36149" y="1274"/>
-              <a:ext cx="6807199" cy="4642334"/>
-            </a:xfrm>
-            <a:prstGeom prst="rect">
-              <a:avLst/>
-            </a:prstGeom>
-          </p:spPr>
-        </p:pic>
-        <p:pic>
-          <p:nvPicPr>
-            <p:cNvPr id="7" name="Picture 6"/>
-            <p:cNvPicPr>
-              <a:picLocks noChangeAspect="1"/>
-            </p:cNvPicPr>
-            <p:nvPr/>
-          </p:nvPicPr>
-          <p:blipFill>
-            <a:blip r:embed="rId4">
-              <a:extLst>
-                <a:ext uri="{BEBA8EAE-BF5A-486C-A8C5-ECC9F3942E4B}">
-                  <a14:imgProps xmlns:a14="http://schemas.microsoft.com/office/drawing/2010/main">
-                    <a14:imgLayer r:embed="rId5">
-                      <a14:imgEffect>
-                        <a14:sharpenSoften amount="50000"/>
-                      </a14:imgEffect>
-                    </a14:imgLayer>
-                  </a14:imgProps>
-                </a:ext>
-              </a:extLst>
-            </a:blip>
-            <a:stretch>
-              <a:fillRect/>
-            </a:stretch>
-          </p:blipFill>
-          <p:spPr>
-            <a:xfrm>
-              <a:off x="6677522" y="-43497"/>
-              <a:ext cx="323850" cy="4837747"/>
-            </a:xfrm>
-            <a:prstGeom prst="rect">
-              <a:avLst/>
-            </a:prstGeom>
-          </p:spPr>
-        </p:pic>
-      </p:grpSp>
-    </p:spTree>
-    <p:extLst>
-      <p:ext uri="{BB962C8B-B14F-4D97-AF65-F5344CB8AC3E}">
-        <p14:creationId xmlns:p14="http://schemas.microsoft.com/office/powerpoint/2010/main" val="2271825761"/>
-      </p:ext>
-    </p:extLst>
-  </p:cSld>
-  <p:clrMapOvr>
-    <a:masterClrMapping/>
-  </p:clrMapOvr>
-</p:sld>
-</file>
-
 <file path=ppt/slides/slide2.xml><?xml version="1.0" encoding="utf-8"?>
 <p:sld xmlns:a="http://schemas.openxmlformats.org/drawingml/2006/main" xmlns:r="http://schemas.openxmlformats.org/officeDocument/2006/relationships" xmlns:p="http://schemas.openxmlformats.org/presentationml/2006/main">
   <p:cSld>
@@ -15115,86 +16348,10 @@
           </p:spPr>
         </p:pic>
       </p:grpSp>
-      <p:pic>
-        <p:nvPicPr>
-          <p:cNvPr id="6" name="Picture 5"/>
-          <p:cNvPicPr>
-            <a:picLocks noChangeAspect="1"/>
-          </p:cNvPicPr>
-          <p:nvPr/>
-        </p:nvPicPr>
-        <p:blipFill rotWithShape="1">
-          <a:blip r:embed="rId2">
-            <a:extLst>
-              <a:ext uri="{BEBA8EAE-BF5A-486C-A8C5-ECC9F3942E4B}">
-                <a14:imgProps xmlns:a14="http://schemas.microsoft.com/office/drawing/2010/main">
-                  <a14:imgLayer r:embed="rId3">
-                    <a14:imgEffect>
-                      <a14:sharpenSoften amount="50000"/>
-                    </a14:imgEffect>
-                  </a14:imgLayer>
-                </a14:imgProps>
-              </a:ext>
-              <a:ext uri="{28A0092B-C50C-407E-A947-70E740481C1C}">
-                <a14:useLocalDpi xmlns:a14="http://schemas.microsoft.com/office/drawing/2010/main" val="0"/>
-              </a:ext>
-            </a:extLst>
-          </a:blip>
-          <a:srcRect l="8136" t="11569" r="87569" b="84492"/>
-          <a:stretch/>
-        </p:blipFill>
-        <p:spPr>
-          <a:xfrm>
-            <a:off x="613570" y="871466"/>
-            <a:ext cx="361950" cy="184150"/>
-          </a:xfrm>
-          <a:prstGeom prst="rect">
-            <a:avLst/>
-          </a:prstGeom>
-        </p:spPr>
-      </p:pic>
-      <p:pic>
-        <p:nvPicPr>
-          <p:cNvPr id="8" name="Picture 7"/>
-          <p:cNvPicPr>
-            <a:picLocks noChangeAspect="1"/>
-          </p:cNvPicPr>
-          <p:nvPr/>
-        </p:nvPicPr>
-        <p:blipFill rotWithShape="1">
-          <a:blip r:embed="rId2">
-            <a:extLst>
-              <a:ext uri="{BEBA8EAE-BF5A-486C-A8C5-ECC9F3942E4B}">
-                <a14:imgProps xmlns:a14="http://schemas.microsoft.com/office/drawing/2010/main">
-                  <a14:imgLayer r:embed="rId3">
-                    <a14:imgEffect>
-                      <a14:sharpenSoften amount="50000"/>
-                    </a14:imgEffect>
-                  </a14:imgLayer>
-                </a14:imgProps>
-              </a:ext>
-              <a:ext uri="{28A0092B-C50C-407E-A947-70E740481C1C}">
-                <a14:useLocalDpi xmlns:a14="http://schemas.microsoft.com/office/drawing/2010/main" val="0"/>
-              </a:ext>
-            </a:extLst>
-          </a:blip>
-          <a:srcRect l="8016" t="43071" r="88729" b="52205"/>
-          <a:stretch/>
-        </p:blipFill>
-        <p:spPr>
-          <a:xfrm>
-            <a:off x="605790" y="2345055"/>
-            <a:ext cx="274320" cy="220980"/>
-          </a:xfrm>
-          <a:prstGeom prst="rect">
-            <a:avLst/>
-          </a:prstGeom>
-        </p:spPr>
-      </p:pic>
     </p:spTree>
     <p:extLst>
       <p:ext uri="{BB962C8B-B14F-4D97-AF65-F5344CB8AC3E}">
-        <p14:creationId xmlns:p14="http://schemas.microsoft.com/office/powerpoint/2010/main" val="4164645404"/>
+        <p14:creationId xmlns:p14="http://schemas.microsoft.com/office/powerpoint/2010/main" val="2271825761"/>
       </p:ext>
     </p:extLst>
   </p:cSld>
@@ -15221,9 +16378,98 @@
           <a:chExt cx="0" cy="0"/>
         </a:xfrm>
       </p:grpSpPr>
+      <p:grpSp>
+        <p:nvGrpSpPr>
+          <p:cNvPr id="3" name="Group 2"/>
+          <p:cNvGrpSpPr/>
+          <p:nvPr/>
+        </p:nvGrpSpPr>
+        <p:grpSpPr>
+          <a:xfrm>
+            <a:off x="53738" y="-43497"/>
+            <a:ext cx="6965223" cy="4837747"/>
+            <a:chOff x="36149" y="-43497"/>
+            <a:chExt cx="6965223" cy="4837747"/>
+          </a:xfrm>
+        </p:grpSpPr>
+        <p:pic>
+          <p:nvPicPr>
+            <p:cNvPr id="4" name="Picture 3"/>
+            <p:cNvPicPr>
+              <a:picLocks noChangeAspect="1"/>
+            </p:cNvPicPr>
+            <p:nvPr/>
+          </p:nvPicPr>
+          <p:blipFill rotWithShape="1">
+            <a:blip r:embed="rId2">
+              <a:extLst>
+                <a:ext uri="{BEBA8EAE-BF5A-486C-A8C5-ECC9F3942E4B}">
+                  <a14:imgProps xmlns:a14="http://schemas.microsoft.com/office/drawing/2010/main">
+                    <a14:imgLayer r:embed="rId3">
+                      <a14:imgEffect>
+                        <a14:sharpenSoften amount="50000"/>
+                      </a14:imgEffect>
+                    </a14:imgLayer>
+                  </a14:imgProps>
+                </a:ext>
+                <a:ext uri="{28A0092B-C50C-407E-A947-70E740481C1C}">
+                  <a14:useLocalDpi xmlns:a14="http://schemas.microsoft.com/office/drawing/2010/main" val="0"/>
+                </a:ext>
+              </a:extLst>
+            </a:blip>
+            <a:srcRect l="326" t="735" r="18895"/>
+            <a:stretch/>
+          </p:blipFill>
+          <p:spPr>
+            <a:xfrm>
+              <a:off x="36149" y="1274"/>
+              <a:ext cx="6807199" cy="4642334"/>
+            </a:xfrm>
+            <a:prstGeom prst="rect">
+              <a:avLst/>
+            </a:prstGeom>
+          </p:spPr>
+        </p:pic>
+        <p:pic>
+          <p:nvPicPr>
+            <p:cNvPr id="7" name="Picture 6"/>
+            <p:cNvPicPr>
+              <a:picLocks noChangeAspect="1"/>
+            </p:cNvPicPr>
+            <p:nvPr/>
+          </p:nvPicPr>
+          <p:blipFill>
+            <a:blip r:embed="rId4">
+              <a:extLst>
+                <a:ext uri="{BEBA8EAE-BF5A-486C-A8C5-ECC9F3942E4B}">
+                  <a14:imgProps xmlns:a14="http://schemas.microsoft.com/office/drawing/2010/main">
+                    <a14:imgLayer r:embed="rId5">
+                      <a14:imgEffect>
+                        <a14:sharpenSoften amount="50000"/>
+                      </a14:imgEffect>
+                    </a14:imgLayer>
+                  </a14:imgProps>
+                </a:ext>
+              </a:extLst>
+            </a:blip>
+            <a:stretch>
+              <a:fillRect/>
+            </a:stretch>
+          </p:blipFill>
+          <p:spPr>
+            <a:xfrm>
+              <a:off x="6677522" y="-43497"/>
+              <a:ext cx="323850" cy="4837747"/>
+            </a:xfrm>
+            <a:prstGeom prst="rect">
+              <a:avLst/>
+            </a:prstGeom>
+          </p:spPr>
+        </p:pic>
+      </p:grpSp>
       <p:pic>
         <p:nvPicPr>
-          <p:cNvPr id="9" name="Picture 8"/>
+          <p:cNvPr id="6" name="Picture 5"/>
           <p:cNvPicPr>
             <a:picLocks noChangeAspect="1"/>
           </p:cNvPicPr>
@@ -15246,13 +16492,13 @@
               </a:ext>
             </a:extLst>
           </a:blip>
-          <a:srcRect l="1304" t="34515" r="53785" b="58142"/>
+          <a:srcRect l="8136" t="11569" r="87569" b="84492"/>
           <a:stretch/>
         </p:blipFill>
         <p:spPr>
           <a:xfrm>
-            <a:off x="0" y="412506"/>
-            <a:ext cx="3229708" cy="293077"/>
+            <a:off x="613570" y="871466"/>
+            <a:ext cx="361950" cy="184150"/>
           </a:xfrm>
           <a:prstGeom prst="rect">
             <a:avLst/>
@@ -15261,7 +16507,7 @@
       </p:pic>
       <p:pic>
         <p:nvPicPr>
-          <p:cNvPr id="10" name="Picture 9"/>
+          <p:cNvPr id="8" name="Picture 7"/>
           <p:cNvPicPr>
             <a:picLocks noChangeAspect="1"/>
           </p:cNvPicPr>
@@ -15284,241 +16530,13 @@
               </a:ext>
             </a:extLst>
           </a:blip>
-          <a:srcRect l="2527" t="66825" r="58105" b="26272"/>
+          <a:srcRect l="8016" t="43071" r="88729" b="52205"/>
           <a:stretch/>
         </p:blipFill>
         <p:spPr>
           <a:xfrm>
-            <a:off x="87921" y="710529"/>
-            <a:ext cx="2831124" cy="275493"/>
-          </a:xfrm>
-          <a:prstGeom prst="rect">
-            <a:avLst/>
-          </a:prstGeom>
-        </p:spPr>
-      </p:pic>
-      <p:pic>
-        <p:nvPicPr>
-          <p:cNvPr id="12" name="Picture 11"/>
-          <p:cNvPicPr>
-            <a:picLocks noChangeAspect="1"/>
-          </p:cNvPicPr>
-          <p:nvPr/>
-        </p:nvPicPr>
-        <p:blipFill rotWithShape="1">
-          <a:blip r:embed="rId2">
-            <a:extLst>
-              <a:ext uri="{BEBA8EAE-BF5A-486C-A8C5-ECC9F3942E4B}">
-                <a14:imgProps xmlns:a14="http://schemas.microsoft.com/office/drawing/2010/main">
-                  <a14:imgLayer r:embed="rId3">
-                    <a14:imgEffect>
-                      <a14:sharpenSoften amount="50000"/>
-                    </a14:imgEffect>
-                  </a14:imgLayer>
-                </a14:imgProps>
-              </a:ext>
-              <a:ext uri="{28A0092B-C50C-407E-A947-70E740481C1C}">
-                <a14:useLocalDpi xmlns:a14="http://schemas.microsoft.com/office/drawing/2010/main" val="0"/>
-              </a:ext>
-            </a:extLst>
-          </a:blip>
-          <a:srcRect r="58278" b="90516"/>
-          <a:stretch/>
-        </p:blipFill>
-        <p:spPr>
-          <a:xfrm>
-            <a:off x="1" y="9525"/>
-            <a:ext cx="3000373" cy="378493"/>
-          </a:xfrm>
-          <a:prstGeom prst="rect">
-            <a:avLst/>
-          </a:prstGeom>
-        </p:spPr>
-      </p:pic>
-      <p:pic>
-        <p:nvPicPr>
-          <p:cNvPr id="13" name="Picture 12"/>
-          <p:cNvPicPr>
-            <a:picLocks noChangeAspect="1"/>
-          </p:cNvPicPr>
-          <p:nvPr/>
-        </p:nvPicPr>
-        <p:blipFill rotWithShape="1">
-          <a:blip r:embed="rId2">
-            <a:extLst>
-              <a:ext uri="{BEBA8EAE-BF5A-486C-A8C5-ECC9F3942E4B}">
-                <a14:imgProps xmlns:a14="http://schemas.microsoft.com/office/drawing/2010/main">
-                  <a14:imgLayer r:embed="rId3">
-                    <a14:imgEffect>
-                      <a14:sharpenSoften amount="50000"/>
-                    </a14:imgEffect>
-                  </a14:imgLayer>
-                </a14:imgProps>
-              </a:ext>
-              <a:ext uri="{28A0092B-C50C-407E-A947-70E740481C1C}">
-                <a14:useLocalDpi xmlns:a14="http://schemas.microsoft.com/office/drawing/2010/main" val="0"/>
-              </a:ext>
-            </a:extLst>
-          </a:blip>
-          <a:srcRect r="99220" b="66229"/>
-          <a:stretch/>
-        </p:blipFill>
-        <p:spPr>
-          <a:xfrm>
-            <a:off x="10569" y="9527"/>
-            <a:ext cx="56106" cy="1347786"/>
-          </a:xfrm>
-          <a:prstGeom prst="rect">
-            <a:avLst/>
-          </a:prstGeom>
-        </p:spPr>
-      </p:pic>
-      <p:pic>
-        <p:nvPicPr>
-          <p:cNvPr id="15" name="Picture 14"/>
-          <p:cNvPicPr>
-            <a:picLocks noChangeAspect="1"/>
-          </p:cNvPicPr>
-          <p:nvPr/>
-        </p:nvPicPr>
-        <p:blipFill rotWithShape="1">
-          <a:blip r:embed="rId2">
-            <a:extLst>
-              <a:ext uri="{BEBA8EAE-BF5A-486C-A8C5-ECC9F3942E4B}">
-                <a14:imgProps xmlns:a14="http://schemas.microsoft.com/office/drawing/2010/main">
-                  <a14:imgLayer r:embed="rId3">
-                    <a14:imgEffect>
-                      <a14:sharpenSoften amount="50000"/>
-                    </a14:imgEffect>
-                  </a14:imgLayer>
-                </a14:imgProps>
-              </a:ext>
-              <a:ext uri="{28A0092B-C50C-407E-A947-70E740481C1C}">
-                <a14:useLocalDpi xmlns:a14="http://schemas.microsoft.com/office/drawing/2010/main" val="0"/>
-              </a:ext>
-            </a:extLst>
-          </a:blip>
-          <a:srcRect t="96831" r="58441" b="94"/>
-          <a:stretch/>
-        </p:blipFill>
-        <p:spPr>
-          <a:xfrm>
-            <a:off x="8548" y="1245386"/>
-            <a:ext cx="2988651" cy="122727"/>
-          </a:xfrm>
-          <a:prstGeom prst="rect">
-            <a:avLst/>
-          </a:prstGeom>
-        </p:spPr>
-      </p:pic>
-      <p:pic>
-        <p:nvPicPr>
-          <p:cNvPr id="16" name="Picture 15"/>
-          <p:cNvPicPr>
-            <a:picLocks noChangeAspect="1"/>
-          </p:cNvPicPr>
-          <p:nvPr/>
-        </p:nvPicPr>
-        <p:blipFill rotWithShape="1">
-          <a:blip r:embed="rId2">
-            <a:extLst>
-              <a:ext uri="{BEBA8EAE-BF5A-486C-A8C5-ECC9F3942E4B}">
-                <a14:imgProps xmlns:a14="http://schemas.microsoft.com/office/drawing/2010/main">
-                  <a14:imgLayer r:embed="rId3">
-                    <a14:imgEffect>
-                      <a14:sharpenSoften amount="50000"/>
-                    </a14:imgEffect>
-                  </a14:imgLayer>
-                </a14:imgProps>
-              </a:ext>
-              <a:ext uri="{28A0092B-C50C-407E-A947-70E740481C1C}">
-                <a14:useLocalDpi xmlns:a14="http://schemas.microsoft.com/office/drawing/2010/main" val="0"/>
-              </a:ext>
-            </a:extLst>
-          </a:blip>
-          <a:srcRect l="97834" r="-65" b="65724"/>
-          <a:stretch/>
-        </p:blipFill>
-        <p:spPr>
-          <a:xfrm>
-            <a:off x="2881678" y="9527"/>
-            <a:ext cx="160459" cy="1367936"/>
-          </a:xfrm>
-          <a:prstGeom prst="rect">
-            <a:avLst/>
-          </a:prstGeom>
-        </p:spPr>
-      </p:pic>
-      <p:pic>
-        <p:nvPicPr>
-          <p:cNvPr id="17" name="Picture 16"/>
-          <p:cNvPicPr>
-            <a:picLocks noChangeAspect="1"/>
-          </p:cNvPicPr>
-          <p:nvPr/>
-        </p:nvPicPr>
-        <p:blipFill rotWithShape="1">
-          <a:blip r:embed="rId2">
-            <a:extLst>
-              <a:ext uri="{BEBA8EAE-BF5A-486C-A8C5-ECC9F3942E4B}">
-                <a14:imgProps xmlns:a14="http://schemas.microsoft.com/office/drawing/2010/main">
-                  <a14:imgLayer r:embed="rId3">
-                    <a14:imgEffect>
-                      <a14:sharpenSoften amount="50000"/>
-                    </a14:imgEffect>
-                  </a14:imgLayer>
-                </a14:imgProps>
-              </a:ext>
-              <a:ext uri="{28A0092B-C50C-407E-A947-70E740481C1C}">
-                <a14:useLocalDpi xmlns:a14="http://schemas.microsoft.com/office/drawing/2010/main" val="0"/>
-              </a:ext>
-            </a:extLst>
-          </a:blip>
-          <a:srcRect l="85709" t="96485" r="177" b="1"/>
-          <a:stretch/>
-        </p:blipFill>
-        <p:spPr>
-          <a:xfrm>
-            <a:off x="2003424" y="1231591"/>
-            <a:ext cx="1015024" cy="140278"/>
-          </a:xfrm>
-          <a:prstGeom prst="rect">
-            <a:avLst/>
-          </a:prstGeom>
-        </p:spPr>
-      </p:pic>
-      <p:pic>
-        <p:nvPicPr>
-          <p:cNvPr id="11" name="Picture 10"/>
-          <p:cNvPicPr>
-            <a:picLocks noChangeAspect="1"/>
-          </p:cNvPicPr>
-          <p:nvPr/>
-        </p:nvPicPr>
-        <p:blipFill rotWithShape="1">
-          <a:blip r:embed="rId2">
-            <a:extLst>
-              <a:ext uri="{BEBA8EAE-BF5A-486C-A8C5-ECC9F3942E4B}">
-                <a14:imgProps xmlns:a14="http://schemas.microsoft.com/office/drawing/2010/main">
-                  <a14:imgLayer r:embed="rId3">
-                    <a14:imgEffect>
-                      <a14:sharpenSoften amount="50000"/>
-                    </a14:imgEffect>
-                  </a14:imgLayer>
-                </a14:imgProps>
-              </a:ext>
-              <a:ext uri="{28A0092B-C50C-407E-A947-70E740481C1C}">
-                <a14:useLocalDpi xmlns:a14="http://schemas.microsoft.com/office/drawing/2010/main" val="0"/>
-              </a:ext>
-            </a:extLst>
-          </a:blip>
-          <a:srcRect l="37331" t="89591" r="37565" b="2772"/>
-          <a:stretch/>
-        </p:blipFill>
-        <p:spPr>
-          <a:xfrm>
-            <a:off x="738549" y="1018680"/>
-            <a:ext cx="1805354" cy="304800"/>
+            <a:off x="605790" y="2345055"/>
+            <a:ext cx="274320" cy="220980"/>
           </a:xfrm>
           <a:prstGeom prst="rect">
             <a:avLst/>
@@ -15528,7 +16546,7 @@
     </p:spTree>
     <p:extLst>
       <p:ext uri="{BB962C8B-B14F-4D97-AF65-F5344CB8AC3E}">
-        <p14:creationId xmlns:p14="http://schemas.microsoft.com/office/powerpoint/2010/main" val="3789309104"/>
+        <p14:creationId xmlns:p14="http://schemas.microsoft.com/office/powerpoint/2010/main" val="4164645404"/>
       </p:ext>
     </p:extLst>
   </p:cSld>
@@ -15557,6 +16575,340 @@
       </p:grpSpPr>
       <p:pic>
         <p:nvPicPr>
+          <p:cNvPr id="9" name="Picture 8"/>
+          <p:cNvPicPr>
+            <a:picLocks noChangeAspect="1"/>
+          </p:cNvPicPr>
+          <p:nvPr/>
+        </p:nvPicPr>
+        <p:blipFill rotWithShape="1">
+          <a:blip r:embed="rId2">
+            <a:extLst>
+              <a:ext uri="{BEBA8EAE-BF5A-486C-A8C5-ECC9F3942E4B}">
+                <a14:imgProps xmlns:a14="http://schemas.microsoft.com/office/drawing/2010/main">
+                  <a14:imgLayer r:embed="rId3">
+                    <a14:imgEffect>
+                      <a14:sharpenSoften amount="50000"/>
+                    </a14:imgEffect>
+                  </a14:imgLayer>
+                </a14:imgProps>
+              </a:ext>
+              <a:ext uri="{28A0092B-C50C-407E-A947-70E740481C1C}">
+                <a14:useLocalDpi xmlns:a14="http://schemas.microsoft.com/office/drawing/2010/main" val="0"/>
+              </a:ext>
+            </a:extLst>
+          </a:blip>
+          <a:srcRect l="1304" t="34515" r="53785" b="58142"/>
+          <a:stretch/>
+        </p:blipFill>
+        <p:spPr>
+          <a:xfrm>
+            <a:off x="0" y="412506"/>
+            <a:ext cx="3229708" cy="293077"/>
+          </a:xfrm>
+          <a:prstGeom prst="rect">
+            <a:avLst/>
+          </a:prstGeom>
+        </p:spPr>
+      </p:pic>
+      <p:pic>
+        <p:nvPicPr>
+          <p:cNvPr id="10" name="Picture 9"/>
+          <p:cNvPicPr>
+            <a:picLocks noChangeAspect="1"/>
+          </p:cNvPicPr>
+          <p:nvPr/>
+        </p:nvPicPr>
+        <p:blipFill rotWithShape="1">
+          <a:blip r:embed="rId2">
+            <a:extLst>
+              <a:ext uri="{BEBA8EAE-BF5A-486C-A8C5-ECC9F3942E4B}">
+                <a14:imgProps xmlns:a14="http://schemas.microsoft.com/office/drawing/2010/main">
+                  <a14:imgLayer r:embed="rId3">
+                    <a14:imgEffect>
+                      <a14:sharpenSoften amount="50000"/>
+                    </a14:imgEffect>
+                  </a14:imgLayer>
+                </a14:imgProps>
+              </a:ext>
+              <a:ext uri="{28A0092B-C50C-407E-A947-70E740481C1C}">
+                <a14:useLocalDpi xmlns:a14="http://schemas.microsoft.com/office/drawing/2010/main" val="0"/>
+              </a:ext>
+            </a:extLst>
+          </a:blip>
+          <a:srcRect l="2527" t="66825" r="58105" b="26272"/>
+          <a:stretch/>
+        </p:blipFill>
+        <p:spPr>
+          <a:xfrm>
+            <a:off x="87921" y="710529"/>
+            <a:ext cx="2831124" cy="275493"/>
+          </a:xfrm>
+          <a:prstGeom prst="rect">
+            <a:avLst/>
+          </a:prstGeom>
+        </p:spPr>
+      </p:pic>
+      <p:pic>
+        <p:nvPicPr>
+          <p:cNvPr id="12" name="Picture 11"/>
+          <p:cNvPicPr>
+            <a:picLocks noChangeAspect="1"/>
+          </p:cNvPicPr>
+          <p:nvPr/>
+        </p:nvPicPr>
+        <p:blipFill rotWithShape="1">
+          <a:blip r:embed="rId2">
+            <a:extLst>
+              <a:ext uri="{BEBA8EAE-BF5A-486C-A8C5-ECC9F3942E4B}">
+                <a14:imgProps xmlns:a14="http://schemas.microsoft.com/office/drawing/2010/main">
+                  <a14:imgLayer r:embed="rId3">
+                    <a14:imgEffect>
+                      <a14:sharpenSoften amount="50000"/>
+                    </a14:imgEffect>
+                  </a14:imgLayer>
+                </a14:imgProps>
+              </a:ext>
+              <a:ext uri="{28A0092B-C50C-407E-A947-70E740481C1C}">
+                <a14:useLocalDpi xmlns:a14="http://schemas.microsoft.com/office/drawing/2010/main" val="0"/>
+              </a:ext>
+            </a:extLst>
+          </a:blip>
+          <a:srcRect r="58278" b="90516"/>
+          <a:stretch/>
+        </p:blipFill>
+        <p:spPr>
+          <a:xfrm>
+            <a:off x="1" y="9525"/>
+            <a:ext cx="3000373" cy="378493"/>
+          </a:xfrm>
+          <a:prstGeom prst="rect">
+            <a:avLst/>
+          </a:prstGeom>
+        </p:spPr>
+      </p:pic>
+      <p:pic>
+        <p:nvPicPr>
+          <p:cNvPr id="13" name="Picture 12"/>
+          <p:cNvPicPr>
+            <a:picLocks noChangeAspect="1"/>
+          </p:cNvPicPr>
+          <p:nvPr/>
+        </p:nvPicPr>
+        <p:blipFill rotWithShape="1">
+          <a:blip r:embed="rId2">
+            <a:extLst>
+              <a:ext uri="{BEBA8EAE-BF5A-486C-A8C5-ECC9F3942E4B}">
+                <a14:imgProps xmlns:a14="http://schemas.microsoft.com/office/drawing/2010/main">
+                  <a14:imgLayer r:embed="rId3">
+                    <a14:imgEffect>
+                      <a14:sharpenSoften amount="50000"/>
+                    </a14:imgEffect>
+                  </a14:imgLayer>
+                </a14:imgProps>
+              </a:ext>
+              <a:ext uri="{28A0092B-C50C-407E-A947-70E740481C1C}">
+                <a14:useLocalDpi xmlns:a14="http://schemas.microsoft.com/office/drawing/2010/main" val="0"/>
+              </a:ext>
+            </a:extLst>
+          </a:blip>
+          <a:srcRect r="99220" b="66229"/>
+          <a:stretch/>
+        </p:blipFill>
+        <p:spPr>
+          <a:xfrm>
+            <a:off x="10569" y="9527"/>
+            <a:ext cx="56106" cy="1347786"/>
+          </a:xfrm>
+          <a:prstGeom prst="rect">
+            <a:avLst/>
+          </a:prstGeom>
+        </p:spPr>
+      </p:pic>
+      <p:pic>
+        <p:nvPicPr>
+          <p:cNvPr id="15" name="Picture 14"/>
+          <p:cNvPicPr>
+            <a:picLocks noChangeAspect="1"/>
+          </p:cNvPicPr>
+          <p:nvPr/>
+        </p:nvPicPr>
+        <p:blipFill rotWithShape="1">
+          <a:blip r:embed="rId2">
+            <a:extLst>
+              <a:ext uri="{BEBA8EAE-BF5A-486C-A8C5-ECC9F3942E4B}">
+                <a14:imgProps xmlns:a14="http://schemas.microsoft.com/office/drawing/2010/main">
+                  <a14:imgLayer r:embed="rId3">
+                    <a14:imgEffect>
+                      <a14:sharpenSoften amount="50000"/>
+                    </a14:imgEffect>
+                  </a14:imgLayer>
+                </a14:imgProps>
+              </a:ext>
+              <a:ext uri="{28A0092B-C50C-407E-A947-70E740481C1C}">
+                <a14:useLocalDpi xmlns:a14="http://schemas.microsoft.com/office/drawing/2010/main" val="0"/>
+              </a:ext>
+            </a:extLst>
+          </a:blip>
+          <a:srcRect t="96831" r="58441" b="94"/>
+          <a:stretch/>
+        </p:blipFill>
+        <p:spPr>
+          <a:xfrm>
+            <a:off x="8548" y="1245386"/>
+            <a:ext cx="2988651" cy="122727"/>
+          </a:xfrm>
+          <a:prstGeom prst="rect">
+            <a:avLst/>
+          </a:prstGeom>
+        </p:spPr>
+      </p:pic>
+      <p:pic>
+        <p:nvPicPr>
+          <p:cNvPr id="16" name="Picture 15"/>
+          <p:cNvPicPr>
+            <a:picLocks noChangeAspect="1"/>
+          </p:cNvPicPr>
+          <p:nvPr/>
+        </p:nvPicPr>
+        <p:blipFill rotWithShape="1">
+          <a:blip r:embed="rId2">
+            <a:extLst>
+              <a:ext uri="{BEBA8EAE-BF5A-486C-A8C5-ECC9F3942E4B}">
+                <a14:imgProps xmlns:a14="http://schemas.microsoft.com/office/drawing/2010/main">
+                  <a14:imgLayer r:embed="rId3">
+                    <a14:imgEffect>
+                      <a14:sharpenSoften amount="50000"/>
+                    </a14:imgEffect>
+                  </a14:imgLayer>
+                </a14:imgProps>
+              </a:ext>
+              <a:ext uri="{28A0092B-C50C-407E-A947-70E740481C1C}">
+                <a14:useLocalDpi xmlns:a14="http://schemas.microsoft.com/office/drawing/2010/main" val="0"/>
+              </a:ext>
+            </a:extLst>
+          </a:blip>
+          <a:srcRect l="97834" r="-65" b="65724"/>
+          <a:stretch/>
+        </p:blipFill>
+        <p:spPr>
+          <a:xfrm>
+            <a:off x="2881678" y="9527"/>
+            <a:ext cx="160459" cy="1367936"/>
+          </a:xfrm>
+          <a:prstGeom prst="rect">
+            <a:avLst/>
+          </a:prstGeom>
+        </p:spPr>
+      </p:pic>
+      <p:pic>
+        <p:nvPicPr>
+          <p:cNvPr id="17" name="Picture 16"/>
+          <p:cNvPicPr>
+            <a:picLocks noChangeAspect="1"/>
+          </p:cNvPicPr>
+          <p:nvPr/>
+        </p:nvPicPr>
+        <p:blipFill rotWithShape="1">
+          <a:blip r:embed="rId2">
+            <a:extLst>
+              <a:ext uri="{BEBA8EAE-BF5A-486C-A8C5-ECC9F3942E4B}">
+                <a14:imgProps xmlns:a14="http://schemas.microsoft.com/office/drawing/2010/main">
+                  <a14:imgLayer r:embed="rId3">
+                    <a14:imgEffect>
+                      <a14:sharpenSoften amount="50000"/>
+                    </a14:imgEffect>
+                  </a14:imgLayer>
+                </a14:imgProps>
+              </a:ext>
+              <a:ext uri="{28A0092B-C50C-407E-A947-70E740481C1C}">
+                <a14:useLocalDpi xmlns:a14="http://schemas.microsoft.com/office/drawing/2010/main" val="0"/>
+              </a:ext>
+            </a:extLst>
+          </a:blip>
+          <a:srcRect l="85709" t="96485" r="177" b="1"/>
+          <a:stretch/>
+        </p:blipFill>
+        <p:spPr>
+          <a:xfrm>
+            <a:off x="2003424" y="1231591"/>
+            <a:ext cx="1015024" cy="140278"/>
+          </a:xfrm>
+          <a:prstGeom prst="rect">
+            <a:avLst/>
+          </a:prstGeom>
+        </p:spPr>
+      </p:pic>
+      <p:pic>
+        <p:nvPicPr>
+          <p:cNvPr id="11" name="Picture 10"/>
+          <p:cNvPicPr>
+            <a:picLocks noChangeAspect="1"/>
+          </p:cNvPicPr>
+          <p:nvPr/>
+        </p:nvPicPr>
+        <p:blipFill rotWithShape="1">
+          <a:blip r:embed="rId2">
+            <a:extLst>
+              <a:ext uri="{BEBA8EAE-BF5A-486C-A8C5-ECC9F3942E4B}">
+                <a14:imgProps xmlns:a14="http://schemas.microsoft.com/office/drawing/2010/main">
+                  <a14:imgLayer r:embed="rId3">
+                    <a14:imgEffect>
+                      <a14:sharpenSoften amount="50000"/>
+                    </a14:imgEffect>
+                  </a14:imgLayer>
+                </a14:imgProps>
+              </a:ext>
+              <a:ext uri="{28A0092B-C50C-407E-A947-70E740481C1C}">
+                <a14:useLocalDpi xmlns:a14="http://schemas.microsoft.com/office/drawing/2010/main" val="0"/>
+              </a:ext>
+            </a:extLst>
+          </a:blip>
+          <a:srcRect l="37331" t="89591" r="37565" b="2772"/>
+          <a:stretch/>
+        </p:blipFill>
+        <p:spPr>
+          <a:xfrm>
+            <a:off x="738549" y="1018680"/>
+            <a:ext cx="1805354" cy="304800"/>
+          </a:xfrm>
+          <a:prstGeom prst="rect">
+            <a:avLst/>
+          </a:prstGeom>
+        </p:spPr>
+      </p:pic>
+    </p:spTree>
+    <p:extLst>
+      <p:ext uri="{BB962C8B-B14F-4D97-AF65-F5344CB8AC3E}">
+        <p14:creationId xmlns:p14="http://schemas.microsoft.com/office/powerpoint/2010/main" val="3789309104"/>
+      </p:ext>
+    </p:extLst>
+  </p:cSld>
+  <p:clrMapOvr>
+    <a:masterClrMapping/>
+  </p:clrMapOvr>
+</p:sld>
+</file>
+
+<file path=ppt/slides/slide23.xml><?xml version="1.0" encoding="utf-8"?>
+<p:sld xmlns:a="http://schemas.openxmlformats.org/drawingml/2006/main" xmlns:r="http://schemas.openxmlformats.org/officeDocument/2006/relationships" xmlns:p="http://schemas.openxmlformats.org/presentationml/2006/main">
+  <p:cSld>
+    <p:spTree>
+      <p:nvGrpSpPr>
+        <p:cNvPr id="1" name=""/>
+        <p:cNvGrpSpPr/>
+        <p:nvPr/>
+      </p:nvGrpSpPr>
+      <p:grpSpPr>
+        <a:xfrm>
+          <a:off x="0" y="0"/>
+          <a:ext cx="0" cy="0"/>
+          <a:chOff x="0" y="0"/>
+          <a:chExt cx="0" cy="0"/>
+        </a:xfrm>
+      </p:grpSpPr>
+      <p:pic>
+        <p:nvPicPr>
           <p:cNvPr id="5" name="Picture 4"/>
           <p:cNvPicPr>
             <a:picLocks noChangeAspect="1"/>
@@ -15598,7 +16950,7 @@
 </p:sld>
 </file>
 
-<file path=ppt/slides/slide23.xml><?xml version="1.0" encoding="utf-8"?>
+<file path=ppt/slides/slide24.xml><?xml version="1.0" encoding="utf-8"?>
 <p:sld xmlns:a="http://schemas.openxmlformats.org/drawingml/2006/main" xmlns:r="http://schemas.openxmlformats.org/officeDocument/2006/relationships" xmlns:p="http://schemas.openxmlformats.org/presentationml/2006/main">
   <p:cSld>
     <p:spTree>
@@ -16304,7 +17656,7 @@
 </p:sld>
 </file>
 
-<file path=ppt/slides/slide24.xml><?xml version="1.0" encoding="utf-8"?>
+<file path=ppt/slides/slide25.xml><?xml version="1.0" encoding="utf-8"?>
 <p:sld xmlns:a="http://schemas.openxmlformats.org/drawingml/2006/main" xmlns:r="http://schemas.openxmlformats.org/officeDocument/2006/relationships" xmlns:p="http://schemas.openxmlformats.org/presentationml/2006/main">
   <p:cSld>
     <p:spTree>
@@ -17049,7 +18401,7 @@
 </p:sld>
 </file>
 
-<file path=ppt/slides/slide25.xml><?xml version="1.0" encoding="utf-8"?>
+<file path=ppt/slides/slide26.xml><?xml version="1.0" encoding="utf-8"?>
 <p:sld xmlns:a="http://schemas.openxmlformats.org/drawingml/2006/main" xmlns:r="http://schemas.openxmlformats.org/officeDocument/2006/relationships" xmlns:p="http://schemas.openxmlformats.org/presentationml/2006/main">
   <p:cSld>
     <p:spTree>
@@ -17792,7 +19144,7 @@
 </p:sld>
 </file>
 
-<file path=ppt/slides/slide26.xml><?xml version="1.0" encoding="utf-8"?>
+<file path=ppt/slides/slide27.xml><?xml version="1.0" encoding="utf-8"?>
 <p:sld xmlns:a="http://schemas.openxmlformats.org/drawingml/2006/main" xmlns:r="http://schemas.openxmlformats.org/officeDocument/2006/relationships" xmlns:p="http://schemas.openxmlformats.org/presentationml/2006/main">
   <p:cSld>
     <p:spTree>
@@ -19033,7 +20385,7 @@
 </p:sld>
 </file>
 
-<file path=ppt/slides/slide27.xml><?xml version="1.0" encoding="utf-8"?>
+<file path=ppt/slides/slide28.xml><?xml version="1.0" encoding="utf-8"?>
 <p:sld xmlns:a="http://schemas.openxmlformats.org/drawingml/2006/main" xmlns:r="http://schemas.openxmlformats.org/officeDocument/2006/relationships" xmlns:p="http://schemas.openxmlformats.org/presentationml/2006/main">
   <p:cSld>
     <p:spTree>
@@ -19086,7 +20438,7 @@
 </p:sld>
 </file>
 
-<file path=ppt/slides/slide28.xml><?xml version="1.0" encoding="utf-8"?>
+<file path=ppt/slides/slide29.xml><?xml version="1.0" encoding="utf-8"?>
 <p:sld xmlns:a="http://schemas.openxmlformats.org/drawingml/2006/main" xmlns:r="http://schemas.openxmlformats.org/officeDocument/2006/relationships" xmlns:p="http://schemas.openxmlformats.org/presentationml/2006/main">
   <p:cSld>
     <p:spTree>
@@ -19900,7 +21252,989 @@
 </p:sld>
 </file>
 
-<file path=ppt/slides/slide29.xml><?xml version="1.0" encoding="utf-8"?>
+<file path=ppt/slides/slide3.xml><?xml version="1.0" encoding="utf-8"?>
+<p:sld xmlns:a="http://schemas.openxmlformats.org/drawingml/2006/main" xmlns:r="http://schemas.openxmlformats.org/officeDocument/2006/relationships" xmlns:p="http://schemas.openxmlformats.org/presentationml/2006/main">
+  <p:cSld>
+    <p:spTree>
+      <p:nvGrpSpPr>
+        <p:cNvPr id="1" name=""/>
+        <p:cNvGrpSpPr/>
+        <p:nvPr/>
+      </p:nvGrpSpPr>
+      <p:grpSpPr>
+        <a:xfrm>
+          <a:off x="0" y="0"/>
+          <a:ext cx="0" cy="0"/>
+          <a:chOff x="0" y="0"/>
+          <a:chExt cx="0" cy="0"/>
+        </a:xfrm>
+      </p:grpSpPr>
+      <p:cxnSp>
+        <p:nvCxnSpPr>
+          <p:cNvPr id="33" name="Straight Arrow Connector 32"/>
+          <p:cNvCxnSpPr>
+            <a:cxnSpLocks/>
+          </p:cNvCxnSpPr>
+          <p:nvPr/>
+        </p:nvCxnSpPr>
+        <p:spPr>
+          <a:xfrm>
+            <a:off x="2449303" y="768229"/>
+            <a:ext cx="1507179" cy="1115339"/>
+          </a:xfrm>
+          <a:prstGeom prst="straightConnector1">
+            <a:avLst/>
+          </a:prstGeom>
+          <a:ln w="28575">
+            <a:prstDash val="dash"/>
+            <a:tailEnd type="triangle"/>
+          </a:ln>
+        </p:spPr>
+        <p:style>
+          <a:lnRef idx="1">
+            <a:schemeClr val="dk1"/>
+          </a:lnRef>
+          <a:fillRef idx="0">
+            <a:schemeClr val="dk1"/>
+          </a:fillRef>
+          <a:effectRef idx="0">
+            <a:schemeClr val="dk1"/>
+          </a:effectRef>
+          <a:fontRef idx="minor">
+            <a:schemeClr val="tx1"/>
+          </a:fontRef>
+        </p:style>
+      </p:cxnSp>
+      <p:cxnSp>
+        <p:nvCxnSpPr>
+          <p:cNvPr id="34" name="Straight Arrow Connector 33"/>
+          <p:cNvCxnSpPr>
+            <a:cxnSpLocks/>
+          </p:cNvCxnSpPr>
+          <p:nvPr/>
+        </p:nvCxnSpPr>
+        <p:spPr>
+          <a:xfrm flipH="1">
+            <a:off x="770270" y="768229"/>
+            <a:ext cx="1679033" cy="1008477"/>
+          </a:xfrm>
+          <a:prstGeom prst="straightConnector1">
+            <a:avLst/>
+          </a:prstGeom>
+          <a:ln w="28575">
+            <a:tailEnd type="triangle"/>
+          </a:ln>
+        </p:spPr>
+        <p:style>
+          <a:lnRef idx="1">
+            <a:schemeClr val="dk1"/>
+          </a:lnRef>
+          <a:fillRef idx="0">
+            <a:schemeClr val="dk1"/>
+          </a:fillRef>
+          <a:effectRef idx="0">
+            <a:schemeClr val="dk1"/>
+          </a:effectRef>
+          <a:fontRef idx="minor">
+            <a:schemeClr val="tx1"/>
+          </a:fontRef>
+        </p:style>
+      </p:cxnSp>
+      <p:cxnSp>
+        <p:nvCxnSpPr>
+          <p:cNvPr id="49" name="Straight Arrow Connector 48"/>
+          <p:cNvCxnSpPr>
+            <a:cxnSpLocks/>
+          </p:cNvCxnSpPr>
+          <p:nvPr/>
+        </p:nvCxnSpPr>
+        <p:spPr>
+          <a:xfrm>
+            <a:off x="1372122" y="2401800"/>
+            <a:ext cx="1575801" cy="5861"/>
+          </a:xfrm>
+          <a:prstGeom prst="straightConnector1">
+            <a:avLst/>
+          </a:prstGeom>
+          <a:ln w="28575">
+            <a:tailEnd type="triangle"/>
+          </a:ln>
+        </p:spPr>
+        <p:style>
+          <a:lnRef idx="1">
+            <a:schemeClr val="dk1"/>
+          </a:lnRef>
+          <a:fillRef idx="0">
+            <a:schemeClr val="dk1"/>
+          </a:fillRef>
+          <a:effectRef idx="0">
+            <a:schemeClr val="dk1"/>
+          </a:effectRef>
+          <a:fontRef idx="minor">
+            <a:schemeClr val="tx1"/>
+          </a:fontRef>
+        </p:style>
+      </p:cxnSp>
+      <p:cxnSp>
+        <p:nvCxnSpPr>
+          <p:cNvPr id="74" name="Straight Connector 73"/>
+          <p:cNvCxnSpPr>
+            <a:cxnSpLocks/>
+          </p:cNvCxnSpPr>
+          <p:nvPr/>
+        </p:nvCxnSpPr>
+        <p:spPr>
+          <a:xfrm>
+            <a:off x="1075447" y="437688"/>
+            <a:ext cx="1209421" cy="1"/>
+          </a:xfrm>
+          <a:prstGeom prst="line">
+            <a:avLst/>
+          </a:prstGeom>
+          <a:ln w="28575">
+            <a:headEnd type="none" w="med" len="med"/>
+            <a:tailEnd type="none" w="med" len="med"/>
+          </a:ln>
+        </p:spPr>
+        <p:style>
+          <a:lnRef idx="1">
+            <a:schemeClr val="dk1"/>
+          </a:lnRef>
+          <a:fillRef idx="0">
+            <a:schemeClr val="dk1"/>
+          </a:fillRef>
+          <a:effectRef idx="0">
+            <a:schemeClr val="dk1"/>
+          </a:effectRef>
+          <a:fontRef idx="minor">
+            <a:schemeClr val="tx1"/>
+          </a:fontRef>
+        </p:style>
+      </p:cxnSp>
+      <p:sp>
+        <p:nvSpPr>
+          <p:cNvPr id="81" name="Rectangle 80"/>
+          <p:cNvSpPr/>
+          <p:nvPr/>
+        </p:nvSpPr>
+        <p:spPr>
+          <a:xfrm>
+            <a:off x="3000992" y="3019294"/>
+            <a:ext cx="1453218" cy="338554"/>
+          </a:xfrm>
+          <a:prstGeom prst="rect">
+            <a:avLst/>
+          </a:prstGeom>
+        </p:spPr>
+        <p:txBody>
+          <a:bodyPr wrap="none">
+            <a:spAutoFit/>
+          </a:bodyPr>
+          <a:lstStyle/>
+          <a:p>
+            <a:r>
+              <a:rPr lang="en-US" sz="1600" dirty="0"/>
+              <a:t>Remote server </a:t>
+            </a:r>
+          </a:p>
+        </p:txBody>
+      </p:sp>
+      <p:sp>
+        <p:nvSpPr>
+          <p:cNvPr id="82" name="Rectangle 81"/>
+          <p:cNvSpPr/>
+          <p:nvPr/>
+        </p:nvSpPr>
+        <p:spPr>
+          <a:xfrm>
+            <a:off x="-101156" y="2983612"/>
+            <a:ext cx="1761188" cy="338554"/>
+          </a:xfrm>
+          <a:prstGeom prst="rect">
+            <a:avLst/>
+          </a:prstGeom>
+        </p:spPr>
+        <p:txBody>
+          <a:bodyPr wrap="none">
+            <a:spAutoFit/>
+          </a:bodyPr>
+          <a:lstStyle/>
+          <a:p>
+            <a:r>
+              <a:rPr lang="en-US" sz="1600" dirty="0"/>
+              <a:t>Compromised host</a:t>
+            </a:r>
+          </a:p>
+        </p:txBody>
+      </p:sp>
+      <p:sp>
+        <p:nvSpPr>
+          <p:cNvPr id="83" name="Rectangle 82"/>
+          <p:cNvSpPr/>
+          <p:nvPr/>
+        </p:nvSpPr>
+        <p:spPr>
+          <a:xfrm>
+            <a:off x="32507" y="863293"/>
+            <a:ext cx="973536" cy="338554"/>
+          </a:xfrm>
+          <a:prstGeom prst="rect">
+            <a:avLst/>
+          </a:prstGeom>
+        </p:spPr>
+        <p:txBody>
+          <a:bodyPr wrap="none">
+            <a:spAutoFit/>
+          </a:bodyPr>
+          <a:lstStyle/>
+          <a:p>
+            <a:r>
+              <a:rPr lang="en-US" sz="1600" dirty="0"/>
+              <a:t>Keyboard</a:t>
+            </a:r>
+          </a:p>
+        </p:txBody>
+      </p:sp>
+      <p:sp>
+        <p:nvSpPr>
+          <p:cNvPr id="84" name="Rectangle 83"/>
+          <p:cNvSpPr/>
+          <p:nvPr/>
+        </p:nvSpPr>
+        <p:spPr>
+          <a:xfrm>
+            <a:off x="2566739" y="-68697"/>
+            <a:ext cx="1985368" cy="584775"/>
+          </a:xfrm>
+          <a:prstGeom prst="rect">
+            <a:avLst/>
+          </a:prstGeom>
+        </p:spPr>
+        <p:txBody>
+          <a:bodyPr wrap="square">
+            <a:spAutoFit/>
+          </a:bodyPr>
+          <a:lstStyle/>
+          <a:p>
+            <a:r>
+              <a:rPr lang="en-US" sz="1600" dirty="0"/>
+              <a:t>Trusted embedded device</a:t>
+            </a:r>
+          </a:p>
+        </p:txBody>
+      </p:sp>
+      <p:sp>
+        <p:nvSpPr>
+          <p:cNvPr id="85" name="Rectangle 84"/>
+          <p:cNvSpPr/>
+          <p:nvPr/>
+        </p:nvSpPr>
+        <p:spPr>
+          <a:xfrm>
+            <a:off x="1259580" y="2055347"/>
+            <a:ext cx="1766779" cy="584775"/>
+          </a:xfrm>
+          <a:prstGeom prst="rect">
+            <a:avLst/>
+          </a:prstGeom>
+        </p:spPr>
+        <p:txBody>
+          <a:bodyPr wrap="square">
+            <a:spAutoFit/>
+          </a:bodyPr>
+          <a:lstStyle/>
+          <a:p>
+            <a:pPr algn="ctr"/>
+            <a:r>
+              <a:rPr lang="en-US" sz="1600" dirty="0"/>
+              <a:t>Application level </a:t>
+            </a:r>
+          </a:p>
+          <a:p>
+            <a:pPr algn="ctr"/>
+            <a:r>
+              <a:rPr lang="en-US" sz="1600" dirty="0"/>
+              <a:t>payload</a:t>
+            </a:r>
+          </a:p>
+        </p:txBody>
+      </p:sp>
+      <p:sp>
+        <p:nvSpPr>
+          <p:cNvPr id="86" name="Rectangle 85"/>
+          <p:cNvSpPr/>
+          <p:nvPr/>
+        </p:nvSpPr>
+        <p:spPr>
+          <a:xfrm rot="19683940">
+            <a:off x="1055850" y="963803"/>
+            <a:ext cx="1232225" cy="584775"/>
+          </a:xfrm>
+          <a:prstGeom prst="rect">
+            <a:avLst/>
+          </a:prstGeom>
+        </p:spPr>
+        <p:txBody>
+          <a:bodyPr wrap="square">
+            <a:spAutoFit/>
+          </a:bodyPr>
+          <a:lstStyle/>
+          <a:p>
+            <a:pPr algn="ctr"/>
+            <a:r>
+              <a:rPr lang="en-US" sz="1600" dirty="0"/>
+              <a:t>Forwarded</a:t>
+            </a:r>
+          </a:p>
+          <a:p>
+            <a:pPr algn="ctr"/>
+            <a:r>
+              <a:rPr lang="en-US" sz="1600" dirty="0"/>
+              <a:t>keystroke</a:t>
+            </a:r>
+          </a:p>
+        </p:txBody>
+      </p:sp>
+      <p:sp>
+        <p:nvSpPr>
+          <p:cNvPr id="87" name="Rectangle 86"/>
+          <p:cNvSpPr/>
+          <p:nvPr/>
+        </p:nvSpPr>
+        <p:spPr>
+          <a:xfrm rot="2243724">
+            <a:off x="2331616" y="963803"/>
+            <a:ext cx="1645204" cy="584775"/>
+          </a:xfrm>
+          <a:prstGeom prst="rect">
+            <a:avLst/>
+          </a:prstGeom>
+        </p:spPr>
+        <p:txBody>
+          <a:bodyPr wrap="square">
+            <a:spAutoFit/>
+          </a:bodyPr>
+          <a:lstStyle/>
+          <a:p>
+            <a:pPr algn="ctr"/>
+            <a:r>
+              <a:rPr lang="en-US" sz="1600" dirty="0"/>
+              <a:t>Keystroke via</a:t>
+            </a:r>
+          </a:p>
+          <a:p>
+            <a:pPr algn="ctr"/>
+            <a:r>
+              <a:rPr lang="en-US" sz="1600" dirty="0"/>
+              <a:t>Secure channel</a:t>
+            </a:r>
+          </a:p>
+        </p:txBody>
+      </p:sp>
+      <p:sp>
+        <p:nvSpPr>
+          <p:cNvPr id="22" name="Rectangle 21"/>
+          <p:cNvSpPr/>
+          <p:nvPr/>
+        </p:nvSpPr>
+        <p:spPr>
+          <a:xfrm>
+            <a:off x="1221391" y="41982"/>
+            <a:ext cx="1165889" cy="338554"/>
+          </a:xfrm>
+          <a:prstGeom prst="rect">
+            <a:avLst/>
+          </a:prstGeom>
+        </p:spPr>
+        <p:txBody>
+          <a:bodyPr wrap="square">
+            <a:spAutoFit/>
+          </a:bodyPr>
+          <a:lstStyle/>
+          <a:p>
+            <a:r>
+              <a:rPr lang="en-US" sz="1600" dirty="0"/>
+              <a:t>Keystroke</a:t>
+            </a:r>
+          </a:p>
+        </p:txBody>
+      </p:sp>
+      <p:grpSp>
+        <p:nvGrpSpPr>
+          <p:cNvPr id="2" name="Group 1"/>
+          <p:cNvGrpSpPr/>
+          <p:nvPr/>
+        </p:nvGrpSpPr>
+        <p:grpSpPr>
+          <a:xfrm>
+            <a:off x="2908630" y="1983877"/>
+            <a:ext cx="1663597" cy="786322"/>
+            <a:chOff x="6063840" y="2825139"/>
+            <a:chExt cx="1663597" cy="786322"/>
+          </a:xfrm>
+        </p:grpSpPr>
+        <p:pic>
+          <p:nvPicPr>
+            <p:cNvPr id="15" name="Picture 14"/>
+            <p:cNvPicPr>
+              <a:picLocks noChangeAspect="1"/>
+            </p:cNvPicPr>
+            <p:nvPr/>
+          </p:nvPicPr>
+          <p:blipFill rotWithShape="1">
+            <a:blip r:embed="rId2" cstate="print">
+              <a:extLst>
+                <a:ext uri="{28A0092B-C50C-407E-A947-70E740481C1C}">
+                  <a14:useLocalDpi xmlns:a14="http://schemas.microsoft.com/office/drawing/2010/main" val="0"/>
+                </a:ext>
+              </a:extLst>
+            </a:blip>
+            <a:srcRect l="18731" t="11488" r="18656" b="25898"/>
+            <a:stretch/>
+          </p:blipFill>
+          <p:spPr>
+            <a:xfrm>
+              <a:off x="6761702" y="2825139"/>
+              <a:ext cx="536721" cy="536721"/>
+            </a:xfrm>
+            <a:prstGeom prst="rect">
+              <a:avLst/>
+            </a:prstGeom>
+          </p:spPr>
+        </p:pic>
+        <p:sp>
+          <p:nvSpPr>
+            <p:cNvPr id="32" name="Rectangle 31"/>
+            <p:cNvSpPr/>
+            <p:nvPr/>
+          </p:nvSpPr>
+          <p:spPr>
+            <a:xfrm>
+              <a:off x="6063840" y="3272907"/>
+              <a:ext cx="1663597" cy="338554"/>
+            </a:xfrm>
+            <a:prstGeom prst="rect">
+              <a:avLst/>
+            </a:prstGeom>
+          </p:spPr>
+          <p:txBody>
+            <a:bodyPr wrap="none">
+              <a:spAutoFit/>
+            </a:bodyPr>
+            <a:lstStyle/>
+            <a:p>
+              <a:r>
+                <a:rPr lang="en-US" sz="1600" dirty="0"/>
+                <a:t>Input trace match</a:t>
+              </a:r>
+            </a:p>
+          </p:txBody>
+        </p:sp>
+      </p:grpSp>
+      <p:pic>
+        <p:nvPicPr>
+          <p:cNvPr id="35" name="Picture 34"/>
+          <p:cNvPicPr>
+            <a:picLocks noChangeAspect="1"/>
+          </p:cNvPicPr>
+          <p:nvPr/>
+        </p:nvPicPr>
+        <p:blipFill rotWithShape="1">
+          <a:blip r:embed="rId3" cstate="print">
+            <a:extLst>
+              <a:ext uri="{28A0092B-C50C-407E-A947-70E740481C1C}">
+                <a14:useLocalDpi xmlns:a14="http://schemas.microsoft.com/office/drawing/2010/main" val="0"/>
+              </a:ext>
+            </a:extLst>
+          </a:blip>
+          <a:srcRect l="64447" t="14524" r="11980" b="29084"/>
+          <a:stretch/>
+        </p:blipFill>
+        <p:spPr>
+          <a:xfrm>
+            <a:off x="4681928" y="2174351"/>
+            <a:ext cx="369493" cy="883920"/>
+          </a:xfrm>
+          <a:prstGeom prst="rect">
+            <a:avLst/>
+          </a:prstGeom>
+        </p:spPr>
+      </p:pic>
+      <p:pic>
+        <p:nvPicPr>
+          <p:cNvPr id="20" name="Picture 19"/>
+          <p:cNvPicPr>
+            <a:picLocks noChangeAspect="1"/>
+          </p:cNvPicPr>
+          <p:nvPr/>
+        </p:nvPicPr>
+        <p:blipFill rotWithShape="1">
+          <a:blip r:embed="rId4" cstate="print">
+            <a:extLst>
+              <a:ext uri="{28A0092B-C50C-407E-A947-70E740481C1C}">
+                <a14:useLocalDpi xmlns:a14="http://schemas.microsoft.com/office/drawing/2010/main" val="0"/>
+              </a:ext>
+            </a:extLst>
+          </a:blip>
+          <a:srcRect l="20343" t="17504" r="20401" b="30728"/>
+          <a:stretch/>
+        </p:blipFill>
+        <p:spPr>
+          <a:xfrm>
+            <a:off x="2936081" y="1883568"/>
+            <a:ext cx="1774032" cy="1234447"/>
+          </a:xfrm>
+          <a:prstGeom prst="rect">
+            <a:avLst/>
+          </a:prstGeom>
+        </p:spPr>
+      </p:pic>
+      <p:pic>
+        <p:nvPicPr>
+          <p:cNvPr id="39" name="Picture 38">
+            <a:extLst>
+              <a:ext uri="{FF2B5EF4-FFF2-40B4-BE49-F238E27FC236}">
+                <a16:creationId xmlns:a16="http://schemas.microsoft.com/office/drawing/2014/main" id="{B3B91E8E-6A17-4324-B0AC-50A70FFBF78C}"/>
+              </a:ext>
+            </a:extLst>
+          </p:cNvPr>
+          <p:cNvPicPr>
+            <a:picLocks noChangeAspect="1"/>
+          </p:cNvPicPr>
+          <p:nvPr/>
+        </p:nvPicPr>
+        <p:blipFill rotWithShape="1">
+          <a:blip r:embed="rId5" cstate="print">
+            <a:extLst>
+              <a:ext uri="{28A0092B-C50C-407E-A947-70E740481C1C}">
+                <a14:useLocalDpi xmlns:a14="http://schemas.microsoft.com/office/drawing/2010/main" val="0"/>
+              </a:ext>
+            </a:extLst>
+          </a:blip>
+          <a:srcRect t="24594"/>
+          <a:stretch/>
+        </p:blipFill>
+        <p:spPr>
+          <a:xfrm>
+            <a:off x="35026" y="122586"/>
+            <a:ext cx="1070834" cy="807472"/>
+          </a:xfrm>
+          <a:prstGeom prst="rect">
+            <a:avLst/>
+          </a:prstGeom>
+        </p:spPr>
+      </p:pic>
+      <p:grpSp>
+        <p:nvGrpSpPr>
+          <p:cNvPr id="40" name="Group 39">
+            <a:extLst>
+              <a:ext uri="{FF2B5EF4-FFF2-40B4-BE49-F238E27FC236}">
+                <a16:creationId xmlns:a16="http://schemas.microsoft.com/office/drawing/2014/main" id="{E2D00F19-1F71-411D-947F-E13B8BF5A944}"/>
+              </a:ext>
+            </a:extLst>
+          </p:cNvPr>
+          <p:cNvGrpSpPr/>
+          <p:nvPr/>
+        </p:nvGrpSpPr>
+        <p:grpSpPr>
+          <a:xfrm>
+            <a:off x="22696" y="1761512"/>
+            <a:ext cx="1395310" cy="1324118"/>
+            <a:chOff x="1065982" y="1060779"/>
+            <a:chExt cx="1576808" cy="1496355"/>
+          </a:xfrm>
+        </p:grpSpPr>
+        <p:pic>
+          <p:nvPicPr>
+            <p:cNvPr id="43" name="Picture 42">
+              <a:extLst>
+                <a:ext uri="{FF2B5EF4-FFF2-40B4-BE49-F238E27FC236}">
+                  <a16:creationId xmlns:a16="http://schemas.microsoft.com/office/drawing/2014/main" id="{A34C1831-B753-4B39-A676-0040F8C0B9FB}"/>
+                </a:ext>
+              </a:extLst>
+            </p:cNvPr>
+            <p:cNvPicPr>
+              <a:picLocks noChangeAspect="1"/>
+            </p:cNvPicPr>
+            <p:nvPr/>
+          </p:nvPicPr>
+          <p:blipFill>
+            <a:blip r:embed="rId6" cstate="print">
+              <a:extLst>
+                <a:ext uri="{28A0092B-C50C-407E-A947-70E740481C1C}">
+                  <a14:useLocalDpi xmlns:a14="http://schemas.microsoft.com/office/drawing/2010/main" val="0"/>
+                </a:ext>
+              </a:extLst>
+            </a:blip>
+            <a:stretch>
+              <a:fillRect/>
+            </a:stretch>
+          </p:blipFill>
+          <p:spPr>
+            <a:xfrm>
+              <a:off x="1065982" y="1060779"/>
+              <a:ext cx="1496355" cy="1496355"/>
+            </a:xfrm>
+            <a:prstGeom prst="rect">
+              <a:avLst/>
+            </a:prstGeom>
+          </p:spPr>
+        </p:pic>
+        <p:sp>
+          <p:nvSpPr>
+            <p:cNvPr id="44" name="Rectangle 43">
+              <a:extLst>
+                <a:ext uri="{FF2B5EF4-FFF2-40B4-BE49-F238E27FC236}">
+                  <a16:creationId xmlns:a16="http://schemas.microsoft.com/office/drawing/2014/main" id="{5DA88821-18F8-4112-ACF2-CCEB5E499F91}"/>
+                </a:ext>
+              </a:extLst>
+            </p:cNvPr>
+            <p:cNvSpPr/>
+            <p:nvPr/>
+          </p:nvSpPr>
+          <p:spPr>
+            <a:xfrm>
+              <a:off x="1271315" y="1218181"/>
+              <a:ext cx="1166014" cy="742689"/>
+            </a:xfrm>
+            <a:prstGeom prst="rect">
+              <a:avLst/>
+            </a:prstGeom>
+            <a:solidFill>
+              <a:srgbClr val="C8EFFE"/>
+            </a:solidFill>
+            <a:ln>
+              <a:solidFill>
+                <a:srgbClr val="C8EFFE"/>
+              </a:solidFill>
+            </a:ln>
+          </p:spPr>
+          <p:style>
+            <a:lnRef idx="2">
+              <a:schemeClr val="accent1">
+                <a:shade val="50000"/>
+              </a:schemeClr>
+            </a:lnRef>
+            <a:fillRef idx="1">
+              <a:schemeClr val="accent1"/>
+            </a:fillRef>
+            <a:effectRef idx="0">
+              <a:schemeClr val="accent1"/>
+            </a:effectRef>
+            <a:fontRef idx="minor">
+              <a:schemeClr val="lt1"/>
+            </a:fontRef>
+          </p:style>
+          <p:txBody>
+            <a:bodyPr rtlCol="0" anchor="ctr"/>
+            <a:lstStyle/>
+            <a:p>
+              <a:pPr algn="ctr"/>
+              <a:endParaRPr lang="en-US" sz="1600"/>
+            </a:p>
+          </p:txBody>
+        </p:sp>
+        <p:grpSp>
+          <p:nvGrpSpPr>
+            <p:cNvPr id="46" name="Group 45">
+              <a:extLst>
+                <a:ext uri="{FF2B5EF4-FFF2-40B4-BE49-F238E27FC236}">
+                  <a16:creationId xmlns:a16="http://schemas.microsoft.com/office/drawing/2014/main" id="{C6F45764-E37E-49A4-95F8-5760A3436B92}"/>
+                </a:ext>
+              </a:extLst>
+            </p:cNvPr>
+            <p:cNvGrpSpPr/>
+            <p:nvPr/>
+          </p:nvGrpSpPr>
+          <p:grpSpPr>
+            <a:xfrm>
+              <a:off x="1219744" y="1160698"/>
+              <a:ext cx="1205986" cy="912307"/>
+              <a:chOff x="790949" y="3576002"/>
+              <a:chExt cx="1205986" cy="912307"/>
+            </a:xfrm>
+          </p:grpSpPr>
+          <p:grpSp>
+            <p:nvGrpSpPr>
+              <p:cNvPr id="48" name="Group 47">
+                <a:extLst>
+                  <a:ext uri="{FF2B5EF4-FFF2-40B4-BE49-F238E27FC236}">
+                    <a16:creationId xmlns:a16="http://schemas.microsoft.com/office/drawing/2014/main" id="{AF417128-445B-4534-8747-5C0B15AB1BBD}"/>
+                  </a:ext>
+                </a:extLst>
+              </p:cNvPr>
+              <p:cNvGrpSpPr/>
+              <p:nvPr/>
+            </p:nvGrpSpPr>
+            <p:grpSpPr>
+              <a:xfrm>
+                <a:off x="916921" y="3576002"/>
+                <a:ext cx="912307" cy="912307"/>
+                <a:chOff x="2301915" y="4014805"/>
+                <a:chExt cx="1419548" cy="1419547"/>
+              </a:xfrm>
+            </p:grpSpPr>
+            <p:pic>
+              <p:nvPicPr>
+                <p:cNvPr id="51" name="Picture 50">
+                  <a:extLst>
+                    <a:ext uri="{FF2B5EF4-FFF2-40B4-BE49-F238E27FC236}">
+                      <a16:creationId xmlns:a16="http://schemas.microsoft.com/office/drawing/2014/main" id="{D927C42A-3491-4D11-BC69-DA6B0915F130}"/>
+                    </a:ext>
+                  </a:extLst>
+                </p:cNvPr>
+                <p:cNvPicPr>
+                  <a:picLocks noChangeAspect="1"/>
+                </p:cNvPicPr>
+                <p:nvPr/>
+              </p:nvPicPr>
+              <p:blipFill>
+                <a:blip r:embed="rId7" cstate="print">
+                  <a:extLst>
+                    <a:ext uri="{28A0092B-C50C-407E-A947-70E740481C1C}">
+                      <a14:useLocalDpi xmlns:a14="http://schemas.microsoft.com/office/drawing/2010/main" val="0"/>
+                    </a:ext>
+                  </a:extLst>
+                </a:blip>
+                <a:stretch>
+                  <a:fillRect/>
+                </a:stretch>
+              </p:blipFill>
+              <p:spPr>
+                <a:xfrm>
+                  <a:off x="2301915" y="4014805"/>
+                  <a:ext cx="1419548" cy="1419547"/>
+                </a:xfrm>
+                <a:prstGeom prst="rect">
+                  <a:avLst/>
+                </a:prstGeom>
+              </p:spPr>
+            </p:pic>
+            <p:sp>
+              <p:nvSpPr>
+                <p:cNvPr id="52" name="Rectangle: Rounded Corners 51">
+                  <a:extLst>
+                    <a:ext uri="{FF2B5EF4-FFF2-40B4-BE49-F238E27FC236}">
+                      <a16:creationId xmlns:a16="http://schemas.microsoft.com/office/drawing/2014/main" id="{3573C9E4-A39E-4E93-B4C5-88248E21FF6D}"/>
+                    </a:ext>
+                  </a:extLst>
+                </p:cNvPr>
+                <p:cNvSpPr/>
+                <p:nvPr/>
+              </p:nvSpPr>
+              <p:spPr>
+                <a:xfrm>
+                  <a:off x="2309439" y="4126108"/>
+                  <a:ext cx="1408366" cy="1180075"/>
+                </a:xfrm>
+                <a:prstGeom prst="roundRect">
+                  <a:avLst>
+                    <a:gd name="adj" fmla="val 15612"/>
+                  </a:avLst>
+                </a:prstGeom>
+                <a:noFill/>
+              </p:spPr>
+              <p:style>
+                <a:lnRef idx="2">
+                  <a:schemeClr val="dk1">
+                    <a:shade val="50000"/>
+                  </a:schemeClr>
+                </a:lnRef>
+                <a:fillRef idx="1">
+                  <a:schemeClr val="dk1"/>
+                </a:fillRef>
+                <a:effectRef idx="0">
+                  <a:schemeClr val="dk1"/>
+                </a:effectRef>
+                <a:fontRef idx="minor">
+                  <a:schemeClr val="lt1"/>
+                </a:fontRef>
+              </p:style>
+              <p:txBody>
+                <a:bodyPr rtlCol="0" anchor="ctr"/>
+                <a:lstStyle/>
+                <a:p>
+                  <a:pPr algn="ctr"/>
+                  <a:endParaRPr lang="en-US" sz="1600"/>
+                </a:p>
+              </p:txBody>
+            </p:sp>
+          </p:grpSp>
+          <p:sp>
+            <p:nvSpPr>
+              <p:cNvPr id="50" name="TextBox 49">
+                <a:extLst>
+                  <a:ext uri="{FF2B5EF4-FFF2-40B4-BE49-F238E27FC236}">
+                    <a16:creationId xmlns:a16="http://schemas.microsoft.com/office/drawing/2014/main" id="{61AA6409-8685-4F72-99B7-BD0C99AFB5C8}"/>
+                  </a:ext>
+                </a:extLst>
+              </p:cNvPr>
+              <p:cNvSpPr txBox="1"/>
+              <p:nvPr/>
+            </p:nvSpPr>
+            <p:spPr>
+              <a:xfrm>
+                <a:off x="790949" y="3892471"/>
+                <a:ext cx="1205986" cy="382592"/>
+              </a:xfrm>
+              <a:prstGeom prst="rect">
+                <a:avLst/>
+              </a:prstGeom>
+              <a:noFill/>
+            </p:spPr>
+            <p:txBody>
+              <a:bodyPr wrap="square" rtlCol="0">
+                <a:spAutoFit/>
+              </a:bodyPr>
+              <a:lstStyle/>
+              <a:p>
+                <a:pPr algn="ctr"/>
+                <a:r>
+                  <a:rPr lang="en-US" sz="1600" dirty="0"/>
+                  <a:t>Browser</a:t>
+                </a:r>
+              </a:p>
+            </p:txBody>
+          </p:sp>
+        </p:grpSp>
+        <p:sp>
+          <p:nvSpPr>
+            <p:cNvPr id="47" name="Rectangle 46">
+              <a:extLst>
+                <a:ext uri="{FF2B5EF4-FFF2-40B4-BE49-F238E27FC236}">
+                  <a16:creationId xmlns:a16="http://schemas.microsoft.com/office/drawing/2014/main" id="{B347960A-C2A5-4928-8258-C9FE6B718CAE}"/>
+                </a:ext>
+              </a:extLst>
+            </p:cNvPr>
+            <p:cNvSpPr/>
+            <p:nvPr/>
+          </p:nvSpPr>
+          <p:spPr>
+            <a:xfrm>
+              <a:off x="1143304" y="1245508"/>
+              <a:ext cx="131008" cy="742689"/>
+            </a:xfrm>
+            <a:prstGeom prst="rect">
+              <a:avLst/>
+            </a:prstGeom>
+            <a:solidFill>
+              <a:srgbClr val="99E6FC"/>
+            </a:solidFill>
+            <a:ln>
+              <a:noFill/>
+            </a:ln>
+          </p:spPr>
+          <p:style>
+            <a:lnRef idx="2">
+              <a:schemeClr val="accent1">
+                <a:shade val="50000"/>
+              </a:schemeClr>
+            </a:lnRef>
+            <a:fillRef idx="1">
+              <a:schemeClr val="accent1"/>
+            </a:fillRef>
+            <a:effectRef idx="0">
+              <a:schemeClr val="accent1"/>
+            </a:effectRef>
+            <a:fontRef idx="minor">
+              <a:schemeClr val="lt1"/>
+            </a:fontRef>
+          </p:style>
+          <p:txBody>
+            <a:bodyPr rtlCol="0" anchor="ctr"/>
+            <a:lstStyle/>
+            <a:p>
+              <a:pPr algn="ctr"/>
+              <a:endParaRPr lang="en-US" sz="1600"/>
+            </a:p>
+          </p:txBody>
+        </p:sp>
+        <p:pic>
+          <p:nvPicPr>
+            <p:cNvPr id="45" name="Picture 44">
+              <a:extLst>
+                <a:ext uri="{FF2B5EF4-FFF2-40B4-BE49-F238E27FC236}">
+                  <a16:creationId xmlns:a16="http://schemas.microsoft.com/office/drawing/2014/main" id="{9E5B6DC3-6CAC-49A9-8A89-17A2F16A5059}"/>
+                </a:ext>
+              </a:extLst>
+            </p:cNvPr>
+            <p:cNvPicPr>
+              <a:picLocks noChangeAspect="1"/>
+            </p:cNvPicPr>
+            <p:nvPr/>
+          </p:nvPicPr>
+          <p:blipFill>
+            <a:blip r:embed="rId8" cstate="print">
+              <a:extLst>
+                <a:ext uri="{28A0092B-C50C-407E-A947-70E740481C1C}">
+                  <a14:useLocalDpi xmlns:a14="http://schemas.microsoft.com/office/drawing/2010/main" val="0"/>
+                </a:ext>
+              </a:extLst>
+            </a:blip>
+            <a:stretch>
+              <a:fillRect/>
+            </a:stretch>
+          </p:blipFill>
+          <p:spPr>
+            <a:xfrm>
+              <a:off x="2082258" y="1892657"/>
+              <a:ext cx="560532" cy="560532"/>
+            </a:xfrm>
+            <a:prstGeom prst="rect">
+              <a:avLst/>
+            </a:prstGeom>
+          </p:spPr>
+        </p:pic>
+      </p:grpSp>
+      <p:pic>
+        <p:nvPicPr>
+          <p:cNvPr id="53" name="Picture 52">
+            <a:extLst>
+              <a:ext uri="{FF2B5EF4-FFF2-40B4-BE49-F238E27FC236}">
+                <a16:creationId xmlns:a16="http://schemas.microsoft.com/office/drawing/2014/main" id="{C56CD443-3DFB-4400-BBDE-1E3629A3EDF6}"/>
+              </a:ext>
+            </a:extLst>
+          </p:cNvPr>
+          <p:cNvPicPr>
+            <a:picLocks noChangeAspect="1"/>
+          </p:cNvPicPr>
+          <p:nvPr/>
+        </p:nvPicPr>
+        <p:blipFill rotWithShape="1">
+          <a:blip r:embed="rId9" cstate="print">
+            <a:extLst>
+              <a:ext uri="{28A0092B-C50C-407E-A947-70E740481C1C}">
+                <a14:useLocalDpi xmlns:a14="http://schemas.microsoft.com/office/drawing/2010/main" val="0"/>
+              </a:ext>
+            </a:extLst>
+          </a:blip>
+          <a:srcRect l="25078" r="25199"/>
+          <a:stretch/>
+        </p:blipFill>
+        <p:spPr>
+          <a:xfrm flipH="1">
+            <a:off x="2284868" y="-9477"/>
+            <a:ext cx="362721" cy="744062"/>
+          </a:xfrm>
+          <a:prstGeom prst="rect">
+            <a:avLst/>
+          </a:prstGeom>
+        </p:spPr>
+      </p:pic>
+    </p:spTree>
+    <p:extLst>
+      <p:ext uri="{BB962C8B-B14F-4D97-AF65-F5344CB8AC3E}">
+        <p14:creationId xmlns:p14="http://schemas.microsoft.com/office/powerpoint/2010/main" val="911386085"/>
+      </p:ext>
+    </p:extLst>
+  </p:cSld>
+  <p:clrMapOvr>
+    <a:masterClrMapping/>
+  </p:clrMapOvr>
+</p:sld>
+</file>
+
+<file path=ppt/slides/slide30.xml><?xml version="1.0" encoding="utf-8"?>
 <p:sld xmlns:a="http://schemas.openxmlformats.org/drawingml/2006/main" xmlns:r="http://schemas.openxmlformats.org/officeDocument/2006/relationships" xmlns:p="http://schemas.openxmlformats.org/presentationml/2006/main">
   <p:cSld>
     <p:spTree>
@@ -20271,765 +22605,7 @@
 </p:sld>
 </file>
 
-<file path=ppt/slides/slide3.xml><?xml version="1.0" encoding="utf-8"?>
-<p:sld xmlns:a="http://schemas.openxmlformats.org/drawingml/2006/main" xmlns:r="http://schemas.openxmlformats.org/officeDocument/2006/relationships" xmlns:p="http://schemas.openxmlformats.org/presentationml/2006/main">
-  <p:cSld>
-    <p:spTree>
-      <p:nvGrpSpPr>
-        <p:cNvPr id="1" name=""/>
-        <p:cNvGrpSpPr/>
-        <p:nvPr/>
-      </p:nvGrpSpPr>
-      <p:grpSpPr>
-        <a:xfrm>
-          <a:off x="0" y="0"/>
-          <a:ext cx="0" cy="0"/>
-          <a:chOff x="0" y="0"/>
-          <a:chExt cx="0" cy="0"/>
-        </a:xfrm>
-      </p:grpSpPr>
-      <p:pic>
-        <p:nvPicPr>
-          <p:cNvPr id="4" name="Picture 3"/>
-          <p:cNvPicPr>
-            <a:picLocks noChangeAspect="1"/>
-          </p:cNvPicPr>
-          <p:nvPr/>
-        </p:nvPicPr>
-        <p:blipFill rotWithShape="1">
-          <a:blip r:embed="rId2" cstate="print">
-            <a:extLst>
-              <a:ext uri="{28A0092B-C50C-407E-A947-70E740481C1C}">
-                <a14:useLocalDpi xmlns:a14="http://schemas.microsoft.com/office/drawing/2010/main" val="0"/>
-              </a:ext>
-            </a:extLst>
-          </a:blip>
-          <a:srcRect l="36593" t="12095" r="29821" b="21238"/>
-          <a:stretch/>
-        </p:blipFill>
-        <p:spPr>
-          <a:xfrm>
-            <a:off x="2256666" y="3491"/>
-            <a:ext cx="385273" cy="764738"/>
-          </a:xfrm>
-          <a:prstGeom prst="rect">
-            <a:avLst/>
-          </a:prstGeom>
-        </p:spPr>
-      </p:pic>
-      <p:grpSp>
-        <p:nvGrpSpPr>
-          <p:cNvPr id="41" name="Group 40"/>
-          <p:cNvGrpSpPr/>
-          <p:nvPr/>
-        </p:nvGrpSpPr>
-        <p:grpSpPr>
-          <a:xfrm>
-            <a:off x="11111" y="1776706"/>
-            <a:ext cx="1361011" cy="1281565"/>
-            <a:chOff x="5659521" y="2514093"/>
-            <a:chExt cx="1361011" cy="1281565"/>
-          </a:xfrm>
-        </p:grpSpPr>
-        <p:grpSp>
-          <p:nvGrpSpPr>
-            <p:cNvPr id="7" name="Group 6"/>
-            <p:cNvGrpSpPr/>
-            <p:nvPr/>
-          </p:nvGrpSpPr>
-          <p:grpSpPr>
-            <a:xfrm>
-              <a:off x="5816827" y="2514093"/>
-              <a:ext cx="1203705" cy="1250187"/>
-              <a:chOff x="5672047" y="2529333"/>
-              <a:chExt cx="1470729" cy="1527522"/>
-            </a:xfrm>
-          </p:grpSpPr>
-          <p:pic>
-            <p:nvPicPr>
-              <p:cNvPr id="5" name="Picture 4"/>
-              <p:cNvPicPr>
-                <a:picLocks noChangeAspect="1"/>
-              </p:cNvPicPr>
-              <p:nvPr/>
-            </p:nvPicPr>
-            <p:blipFill rotWithShape="1">
-              <a:blip r:embed="rId3" cstate="print">
-                <a:extLst>
-                  <a:ext uri="{28A0092B-C50C-407E-A947-70E740481C1C}">
-                    <a14:useLocalDpi xmlns:a14="http://schemas.microsoft.com/office/drawing/2010/main" val="0"/>
-                  </a:ext>
-                </a:extLst>
-              </a:blip>
-              <a:srcRect l="16719" t="12343" r="17117" b="26431"/>
-              <a:stretch/>
-            </p:blipFill>
-            <p:spPr>
-              <a:xfrm>
-                <a:off x="5672047" y="2529333"/>
-                <a:ext cx="1470729" cy="1527522"/>
-              </a:xfrm>
-              <a:prstGeom prst="rect">
-                <a:avLst/>
-              </a:prstGeom>
-            </p:spPr>
-          </p:pic>
-          <p:pic>
-            <p:nvPicPr>
-              <p:cNvPr id="6" name="Picture 5"/>
-              <p:cNvPicPr>
-                <a:picLocks noChangeAspect="1"/>
-              </p:cNvPicPr>
-              <p:nvPr/>
-            </p:nvPicPr>
-            <p:blipFill>
-              <a:blip r:embed="rId4" cstate="print">
-                <a:extLst>
-                  <a:ext uri="{28A0092B-C50C-407E-A947-70E740481C1C}">
-                    <a14:useLocalDpi xmlns:a14="http://schemas.microsoft.com/office/drawing/2010/main" val="0"/>
-                  </a:ext>
-                </a:extLst>
-              </a:blip>
-              <a:stretch>
-                <a:fillRect/>
-              </a:stretch>
-            </p:blipFill>
-            <p:spPr>
-              <a:xfrm>
-                <a:off x="6083540" y="2630710"/>
-                <a:ext cx="590163" cy="662384"/>
-              </a:xfrm>
-              <a:prstGeom prst="rect">
-                <a:avLst/>
-              </a:prstGeom>
-            </p:spPr>
-          </p:pic>
-        </p:grpSp>
-        <p:pic>
-          <p:nvPicPr>
-            <p:cNvPr id="30" name="Picture 29"/>
-            <p:cNvPicPr>
-              <a:picLocks noChangeAspect="1"/>
-            </p:cNvPicPr>
-            <p:nvPr/>
-          </p:nvPicPr>
-          <p:blipFill>
-            <a:blip r:embed="rId5" cstate="print">
-              <a:extLst>
-                <a:ext uri="{28A0092B-C50C-407E-A947-70E740481C1C}">
-                  <a14:useLocalDpi xmlns:a14="http://schemas.microsoft.com/office/drawing/2010/main" val="0"/>
-                </a:ext>
-              </a:extLst>
-            </a:blip>
-            <a:stretch>
-              <a:fillRect/>
-            </a:stretch>
-          </p:blipFill>
-          <p:spPr>
-            <a:xfrm flipH="1">
-              <a:off x="5659521" y="2984690"/>
-              <a:ext cx="716813" cy="810968"/>
-            </a:xfrm>
-            <a:prstGeom prst="rect">
-              <a:avLst/>
-            </a:prstGeom>
-          </p:spPr>
-        </p:pic>
-      </p:grpSp>
-      <p:cxnSp>
-        <p:nvCxnSpPr>
-          <p:cNvPr id="33" name="Straight Arrow Connector 32"/>
-          <p:cNvCxnSpPr>
-            <a:stCxn id="4" idx="2"/>
-          </p:cNvCxnSpPr>
-          <p:nvPr/>
-        </p:nvCxnSpPr>
-        <p:spPr>
-          <a:xfrm>
-            <a:off x="2449303" y="768229"/>
-            <a:ext cx="1507179" cy="1115339"/>
-          </a:xfrm>
-          <a:prstGeom prst="straightConnector1">
-            <a:avLst/>
-          </a:prstGeom>
-          <a:ln w="28575">
-            <a:prstDash val="dash"/>
-            <a:tailEnd type="triangle"/>
-          </a:ln>
-        </p:spPr>
-        <p:style>
-          <a:lnRef idx="1">
-            <a:schemeClr val="dk1"/>
-          </a:lnRef>
-          <a:fillRef idx="0">
-            <a:schemeClr val="dk1"/>
-          </a:fillRef>
-          <a:effectRef idx="0">
-            <a:schemeClr val="dk1"/>
-          </a:effectRef>
-          <a:fontRef idx="minor">
-            <a:schemeClr val="tx1"/>
-          </a:fontRef>
-        </p:style>
-      </p:cxnSp>
-      <p:cxnSp>
-        <p:nvCxnSpPr>
-          <p:cNvPr id="34" name="Straight Arrow Connector 33"/>
-          <p:cNvCxnSpPr>
-            <a:stCxn id="4" idx="2"/>
-            <a:endCxn id="5" idx="0"/>
-          </p:cNvCxnSpPr>
-          <p:nvPr/>
-        </p:nvCxnSpPr>
-        <p:spPr>
-          <a:xfrm flipH="1">
-            <a:off x="770270" y="768229"/>
-            <a:ext cx="1679033" cy="1008477"/>
-          </a:xfrm>
-          <a:prstGeom prst="straightConnector1">
-            <a:avLst/>
-          </a:prstGeom>
-          <a:ln w="28575">
-            <a:tailEnd type="triangle"/>
-          </a:ln>
-        </p:spPr>
-        <p:style>
-          <a:lnRef idx="1">
-            <a:schemeClr val="dk1"/>
-          </a:lnRef>
-          <a:fillRef idx="0">
-            <a:schemeClr val="dk1"/>
-          </a:fillRef>
-          <a:effectRef idx="0">
-            <a:schemeClr val="dk1"/>
-          </a:effectRef>
-          <a:fontRef idx="minor">
-            <a:schemeClr val="tx1"/>
-          </a:fontRef>
-        </p:style>
-      </p:cxnSp>
-      <p:cxnSp>
-        <p:nvCxnSpPr>
-          <p:cNvPr id="49" name="Straight Arrow Connector 48"/>
-          <p:cNvCxnSpPr>
-            <a:stCxn id="5" idx="3"/>
-          </p:cNvCxnSpPr>
-          <p:nvPr/>
-        </p:nvCxnSpPr>
-        <p:spPr>
-          <a:xfrm>
-            <a:off x="1372122" y="2401800"/>
-            <a:ext cx="1575801" cy="5861"/>
-          </a:xfrm>
-          <a:prstGeom prst="straightConnector1">
-            <a:avLst/>
-          </a:prstGeom>
-          <a:ln w="28575">
-            <a:tailEnd type="triangle"/>
-          </a:ln>
-        </p:spPr>
-        <p:style>
-          <a:lnRef idx="1">
-            <a:schemeClr val="dk1"/>
-          </a:lnRef>
-          <a:fillRef idx="0">
-            <a:schemeClr val="dk1"/>
-          </a:fillRef>
-          <a:effectRef idx="0">
-            <a:schemeClr val="dk1"/>
-          </a:effectRef>
-          <a:fontRef idx="minor">
-            <a:schemeClr val="tx1"/>
-          </a:fontRef>
-        </p:style>
-      </p:cxnSp>
-      <p:pic>
-        <p:nvPicPr>
-          <p:cNvPr id="71" name="Picture 70"/>
-          <p:cNvPicPr>
-            <a:picLocks noChangeAspect="1"/>
-          </p:cNvPicPr>
-          <p:nvPr/>
-        </p:nvPicPr>
-        <p:blipFill rotWithShape="1">
-          <a:blip r:embed="rId6" cstate="print">
-            <a:extLst>
-              <a:ext uri="{28A0092B-C50C-407E-A947-70E740481C1C}">
-                <a14:useLocalDpi xmlns:a14="http://schemas.microsoft.com/office/drawing/2010/main" val="0"/>
-              </a:ext>
-            </a:extLst>
-          </a:blip>
-          <a:srcRect l="11223" t="49499" r="11333" b="18332"/>
-          <a:stretch/>
-        </p:blipFill>
-        <p:spPr>
-          <a:xfrm>
-            <a:off x="25154" y="177178"/>
-            <a:ext cx="1254320" cy="521018"/>
-          </a:xfrm>
-          <a:prstGeom prst="rect">
-            <a:avLst/>
-          </a:prstGeom>
-        </p:spPr>
-      </p:pic>
-      <p:pic>
-        <p:nvPicPr>
-          <p:cNvPr id="72" name="Picture 71"/>
-          <p:cNvPicPr>
-            <a:picLocks noChangeAspect="1"/>
-          </p:cNvPicPr>
-          <p:nvPr/>
-        </p:nvPicPr>
-        <p:blipFill rotWithShape="1">
-          <a:blip r:embed="rId7" cstate="print">
-            <a:extLst>
-              <a:ext uri="{28A0092B-C50C-407E-A947-70E740481C1C}">
-                <a14:useLocalDpi xmlns:a14="http://schemas.microsoft.com/office/drawing/2010/main" val="0"/>
-              </a:ext>
-            </a:extLst>
-          </a:blip>
-          <a:srcRect l="62446" t="3918" r="11333" b="84649"/>
-          <a:stretch/>
-        </p:blipFill>
-        <p:spPr>
-          <a:xfrm>
-            <a:off x="1949318" y="365946"/>
-            <a:ext cx="327659" cy="142875"/>
-          </a:xfrm>
-          <a:prstGeom prst="rect">
-            <a:avLst/>
-          </a:prstGeom>
-        </p:spPr>
-      </p:pic>
-      <p:cxnSp>
-        <p:nvCxnSpPr>
-          <p:cNvPr id="74" name="Straight Connector 73"/>
-          <p:cNvCxnSpPr>
-            <a:stCxn id="71" idx="3"/>
-            <a:endCxn id="72" idx="1"/>
-          </p:cNvCxnSpPr>
-          <p:nvPr/>
-        </p:nvCxnSpPr>
-        <p:spPr>
-          <a:xfrm flipV="1">
-            <a:off x="1279474" y="437384"/>
-            <a:ext cx="669844" cy="303"/>
-          </a:xfrm>
-          <a:prstGeom prst="line">
-            <a:avLst/>
-          </a:prstGeom>
-          <a:ln w="57150">
-            <a:headEnd type="none" w="med" len="med"/>
-            <a:tailEnd type="none" w="med" len="med"/>
-          </a:ln>
-        </p:spPr>
-        <p:style>
-          <a:lnRef idx="1">
-            <a:schemeClr val="dk1"/>
-          </a:lnRef>
-          <a:fillRef idx="0">
-            <a:schemeClr val="dk1"/>
-          </a:fillRef>
-          <a:effectRef idx="0">
-            <a:schemeClr val="dk1"/>
-          </a:effectRef>
-          <a:fontRef idx="minor">
-            <a:schemeClr val="tx1"/>
-          </a:fontRef>
-        </p:style>
-      </p:cxnSp>
-      <p:sp>
-        <p:nvSpPr>
-          <p:cNvPr id="81" name="Rectangle 80"/>
-          <p:cNvSpPr/>
-          <p:nvPr/>
-        </p:nvSpPr>
-        <p:spPr>
-          <a:xfrm>
-            <a:off x="3000992" y="3019294"/>
-            <a:ext cx="1607876" cy="369332"/>
-          </a:xfrm>
-          <a:prstGeom prst="rect">
-            <a:avLst/>
-          </a:prstGeom>
-        </p:spPr>
-        <p:txBody>
-          <a:bodyPr wrap="none">
-            <a:spAutoFit/>
-          </a:bodyPr>
-          <a:lstStyle/>
-          <a:p>
-            <a:r>
-              <a:rPr lang="en-US" dirty="0"/>
-              <a:t>Remote server </a:t>
-            </a:r>
-          </a:p>
-        </p:txBody>
-      </p:sp>
-      <p:sp>
-        <p:nvSpPr>
-          <p:cNvPr id="82" name="Rectangle 81"/>
-          <p:cNvSpPr/>
-          <p:nvPr/>
-        </p:nvSpPr>
-        <p:spPr>
-          <a:xfrm>
-            <a:off x="-101156" y="2983612"/>
-            <a:ext cx="1959319" cy="369332"/>
-          </a:xfrm>
-          <a:prstGeom prst="rect">
-            <a:avLst/>
-          </a:prstGeom>
-        </p:spPr>
-        <p:txBody>
-          <a:bodyPr wrap="none">
-            <a:spAutoFit/>
-          </a:bodyPr>
-          <a:lstStyle/>
-          <a:p>
-            <a:r>
-              <a:rPr lang="en-US" dirty="0"/>
-              <a:t>Compromised host</a:t>
-            </a:r>
-          </a:p>
-        </p:txBody>
-      </p:sp>
-      <p:sp>
-        <p:nvSpPr>
-          <p:cNvPr id="83" name="Rectangle 82"/>
-          <p:cNvSpPr/>
-          <p:nvPr/>
-        </p:nvSpPr>
-        <p:spPr>
-          <a:xfrm>
-            <a:off x="113984" y="647425"/>
-            <a:ext cx="1071960" cy="369332"/>
-          </a:xfrm>
-          <a:prstGeom prst="rect">
-            <a:avLst/>
-          </a:prstGeom>
-        </p:spPr>
-        <p:txBody>
-          <a:bodyPr wrap="none">
-            <a:spAutoFit/>
-          </a:bodyPr>
-          <a:lstStyle/>
-          <a:p>
-            <a:r>
-              <a:rPr lang="en-US" dirty="0"/>
-              <a:t>Keyboard</a:t>
-            </a:r>
-          </a:p>
-        </p:txBody>
-      </p:sp>
-      <p:sp>
-        <p:nvSpPr>
-          <p:cNvPr id="84" name="Rectangle 83"/>
-          <p:cNvSpPr/>
-          <p:nvPr/>
-        </p:nvSpPr>
-        <p:spPr>
-          <a:xfrm>
-            <a:off x="2566739" y="-68697"/>
-            <a:ext cx="1985368" cy="646331"/>
-          </a:xfrm>
-          <a:prstGeom prst="rect">
-            <a:avLst/>
-          </a:prstGeom>
-        </p:spPr>
-        <p:txBody>
-          <a:bodyPr wrap="square">
-            <a:spAutoFit/>
-          </a:bodyPr>
-          <a:lstStyle/>
-          <a:p>
-            <a:r>
-              <a:rPr lang="en-US" dirty="0"/>
-              <a:t>Trusted embedded device</a:t>
-            </a:r>
-          </a:p>
-        </p:txBody>
-      </p:sp>
-      <p:sp>
-        <p:nvSpPr>
-          <p:cNvPr id="85" name="Rectangle 84"/>
-          <p:cNvSpPr/>
-          <p:nvPr/>
-        </p:nvSpPr>
-        <p:spPr>
-          <a:xfrm>
-            <a:off x="1259580" y="2055347"/>
-            <a:ext cx="1766779" cy="646331"/>
-          </a:xfrm>
-          <a:prstGeom prst="rect">
-            <a:avLst/>
-          </a:prstGeom>
-        </p:spPr>
-        <p:txBody>
-          <a:bodyPr wrap="square">
-            <a:spAutoFit/>
-          </a:bodyPr>
-          <a:lstStyle/>
-          <a:p>
-            <a:pPr algn="ctr"/>
-            <a:r>
-              <a:rPr lang="en-US" dirty="0"/>
-              <a:t>Application level </a:t>
-            </a:r>
-          </a:p>
-          <a:p>
-            <a:pPr algn="ctr"/>
-            <a:r>
-              <a:rPr lang="en-US" dirty="0"/>
-              <a:t>payload</a:t>
-            </a:r>
-          </a:p>
-        </p:txBody>
-      </p:sp>
-      <p:sp>
-        <p:nvSpPr>
-          <p:cNvPr id="86" name="Rectangle 85"/>
-          <p:cNvSpPr/>
-          <p:nvPr/>
-        </p:nvSpPr>
-        <p:spPr>
-          <a:xfrm rot="19683940">
-            <a:off x="1055850" y="933025"/>
-            <a:ext cx="1232225" cy="646331"/>
-          </a:xfrm>
-          <a:prstGeom prst="rect">
-            <a:avLst/>
-          </a:prstGeom>
-        </p:spPr>
-        <p:txBody>
-          <a:bodyPr wrap="square">
-            <a:spAutoFit/>
-          </a:bodyPr>
-          <a:lstStyle/>
-          <a:p>
-            <a:pPr algn="ctr"/>
-            <a:r>
-              <a:rPr lang="en-US" dirty="0"/>
-              <a:t>Forwarded</a:t>
-            </a:r>
-          </a:p>
-          <a:p>
-            <a:pPr algn="ctr"/>
-            <a:r>
-              <a:rPr lang="en-US" dirty="0"/>
-              <a:t>keystroke</a:t>
-            </a:r>
-          </a:p>
-        </p:txBody>
-      </p:sp>
-      <p:sp>
-        <p:nvSpPr>
-          <p:cNvPr id="87" name="Rectangle 86"/>
-          <p:cNvSpPr/>
-          <p:nvPr/>
-        </p:nvSpPr>
-        <p:spPr>
-          <a:xfrm rot="2243724">
-            <a:off x="2331616" y="933025"/>
-            <a:ext cx="1645204" cy="646331"/>
-          </a:xfrm>
-          <a:prstGeom prst="rect">
-            <a:avLst/>
-          </a:prstGeom>
-        </p:spPr>
-        <p:txBody>
-          <a:bodyPr wrap="square">
-            <a:spAutoFit/>
-          </a:bodyPr>
-          <a:lstStyle/>
-          <a:p>
-            <a:pPr algn="ctr"/>
-            <a:r>
-              <a:rPr lang="en-US" dirty="0"/>
-              <a:t>Keystroke via</a:t>
-            </a:r>
-          </a:p>
-          <a:p>
-            <a:pPr algn="ctr"/>
-            <a:r>
-              <a:rPr lang="en-US" dirty="0"/>
-              <a:t>Secure channel</a:t>
-            </a:r>
-          </a:p>
-        </p:txBody>
-      </p:sp>
-      <p:sp>
-        <p:nvSpPr>
-          <p:cNvPr id="22" name="Rectangle 21"/>
-          <p:cNvSpPr/>
-          <p:nvPr/>
-        </p:nvSpPr>
-        <p:spPr>
-          <a:xfrm>
-            <a:off x="1221391" y="41982"/>
-            <a:ext cx="1165889" cy="369332"/>
-          </a:xfrm>
-          <a:prstGeom prst="rect">
-            <a:avLst/>
-          </a:prstGeom>
-        </p:spPr>
-        <p:txBody>
-          <a:bodyPr wrap="square">
-            <a:spAutoFit/>
-          </a:bodyPr>
-          <a:lstStyle/>
-          <a:p>
-            <a:r>
-              <a:rPr lang="en-US" dirty="0"/>
-              <a:t>Keystroke</a:t>
-            </a:r>
-          </a:p>
-        </p:txBody>
-      </p:sp>
-      <p:grpSp>
-        <p:nvGrpSpPr>
-          <p:cNvPr id="2" name="Group 1"/>
-          <p:cNvGrpSpPr/>
-          <p:nvPr/>
-        </p:nvGrpSpPr>
-        <p:grpSpPr>
-          <a:xfrm>
-            <a:off x="2908630" y="1983877"/>
-            <a:ext cx="1853328" cy="817100"/>
-            <a:chOff x="6063840" y="2825139"/>
-            <a:chExt cx="1853328" cy="817100"/>
-          </a:xfrm>
-        </p:grpSpPr>
-        <p:pic>
-          <p:nvPicPr>
-            <p:cNvPr id="15" name="Picture 14"/>
-            <p:cNvPicPr>
-              <a:picLocks noChangeAspect="1"/>
-            </p:cNvPicPr>
-            <p:nvPr/>
-          </p:nvPicPr>
-          <p:blipFill rotWithShape="1">
-            <a:blip r:embed="rId8" cstate="print">
-              <a:extLst>
-                <a:ext uri="{28A0092B-C50C-407E-A947-70E740481C1C}">
-                  <a14:useLocalDpi xmlns:a14="http://schemas.microsoft.com/office/drawing/2010/main" val="0"/>
-                </a:ext>
-              </a:extLst>
-            </a:blip>
-            <a:srcRect l="18731" t="11488" r="18656" b="25898"/>
-            <a:stretch/>
-          </p:blipFill>
-          <p:spPr>
-            <a:xfrm>
-              <a:off x="6761702" y="2825139"/>
-              <a:ext cx="536721" cy="536721"/>
-            </a:xfrm>
-            <a:prstGeom prst="rect">
-              <a:avLst/>
-            </a:prstGeom>
-          </p:spPr>
-        </p:pic>
-        <p:sp>
-          <p:nvSpPr>
-            <p:cNvPr id="32" name="Rectangle 31"/>
-            <p:cNvSpPr/>
-            <p:nvPr/>
-          </p:nvSpPr>
-          <p:spPr>
-            <a:xfrm>
-              <a:off x="6063840" y="3272907"/>
-              <a:ext cx="1853328" cy="369332"/>
-            </a:xfrm>
-            <a:prstGeom prst="rect">
-              <a:avLst/>
-            </a:prstGeom>
-          </p:spPr>
-          <p:txBody>
-            <a:bodyPr wrap="none">
-              <a:spAutoFit/>
-            </a:bodyPr>
-            <a:lstStyle/>
-            <a:p>
-              <a:r>
-                <a:rPr lang="en-US" dirty="0"/>
-                <a:t>Input trace match</a:t>
-              </a:r>
-            </a:p>
-          </p:txBody>
-        </p:sp>
-      </p:grpSp>
-      <p:pic>
-        <p:nvPicPr>
-          <p:cNvPr id="35" name="Picture 34"/>
-          <p:cNvPicPr>
-            <a:picLocks noChangeAspect="1"/>
-          </p:cNvPicPr>
-          <p:nvPr/>
-        </p:nvPicPr>
-        <p:blipFill rotWithShape="1">
-          <a:blip r:embed="rId9" cstate="print">
-            <a:extLst>
-              <a:ext uri="{28A0092B-C50C-407E-A947-70E740481C1C}">
-                <a14:useLocalDpi xmlns:a14="http://schemas.microsoft.com/office/drawing/2010/main" val="0"/>
-              </a:ext>
-            </a:extLst>
-          </a:blip>
-          <a:srcRect l="64447" t="14524" r="11980" b="29084"/>
-          <a:stretch/>
-        </p:blipFill>
-        <p:spPr>
-          <a:xfrm>
-            <a:off x="4681928" y="2174351"/>
-            <a:ext cx="369493" cy="883920"/>
-          </a:xfrm>
-          <a:prstGeom prst="rect">
-            <a:avLst/>
-          </a:prstGeom>
-        </p:spPr>
-      </p:pic>
-      <p:pic>
-        <p:nvPicPr>
-          <p:cNvPr id="20" name="Picture 19"/>
-          <p:cNvPicPr>
-            <a:picLocks noChangeAspect="1"/>
-          </p:cNvPicPr>
-          <p:nvPr/>
-        </p:nvPicPr>
-        <p:blipFill rotWithShape="1">
-          <a:blip r:embed="rId10" cstate="print">
-            <a:extLst>
-              <a:ext uri="{28A0092B-C50C-407E-A947-70E740481C1C}">
-                <a14:useLocalDpi xmlns:a14="http://schemas.microsoft.com/office/drawing/2010/main" val="0"/>
-              </a:ext>
-            </a:extLst>
-          </a:blip>
-          <a:srcRect l="20343" t="17504" r="20401" b="30728"/>
-          <a:stretch/>
-        </p:blipFill>
-        <p:spPr>
-          <a:xfrm>
-            <a:off x="2936081" y="1883568"/>
-            <a:ext cx="1774032" cy="1234447"/>
-          </a:xfrm>
-          <a:prstGeom prst="rect">
-            <a:avLst/>
-          </a:prstGeom>
-        </p:spPr>
-      </p:pic>
-    </p:spTree>
-    <p:extLst>
-      <p:ext uri="{BB962C8B-B14F-4D97-AF65-F5344CB8AC3E}">
-        <p14:creationId xmlns:p14="http://schemas.microsoft.com/office/powerpoint/2010/main" val="911386085"/>
-      </p:ext>
-    </p:extLst>
-  </p:cSld>
-  <p:clrMapOvr>
-    <a:masterClrMapping/>
-  </p:clrMapOvr>
-</p:sld>
-</file>
-
-<file path=ppt/slides/slide30.xml><?xml version="1.0" encoding="utf-8"?>
+<file path=ppt/slides/slide31.xml><?xml version="1.0" encoding="utf-8"?>
 <p:sld xmlns:a="http://schemas.openxmlformats.org/drawingml/2006/main" xmlns:r="http://schemas.openxmlformats.org/officeDocument/2006/relationships" xmlns:p="http://schemas.openxmlformats.org/presentationml/2006/main">
   <p:cSld>
     <p:spTree>
@@ -21320,7 +22896,7 @@
 </p:sld>
 </file>
 
-<file path=ppt/slides/slide31.xml><?xml version="1.0" encoding="utf-8"?>
+<file path=ppt/slides/slide32.xml><?xml version="1.0" encoding="utf-8"?>
 <p:sld xmlns:a="http://schemas.openxmlformats.org/drawingml/2006/main" xmlns:r="http://schemas.openxmlformats.org/officeDocument/2006/relationships" xmlns:p="http://schemas.openxmlformats.org/presentationml/2006/main">
   <p:cSld>
     <p:spTree>
@@ -22409,6 +23985,764 @@
       </p:grpSpPr>
       <p:pic>
         <p:nvPicPr>
+          <p:cNvPr id="4" name="Picture 3"/>
+          <p:cNvPicPr>
+            <a:picLocks noChangeAspect="1"/>
+          </p:cNvPicPr>
+          <p:nvPr/>
+        </p:nvPicPr>
+        <p:blipFill rotWithShape="1">
+          <a:blip r:embed="rId2" cstate="print">
+            <a:extLst>
+              <a:ext uri="{28A0092B-C50C-407E-A947-70E740481C1C}">
+                <a14:useLocalDpi xmlns:a14="http://schemas.microsoft.com/office/drawing/2010/main" val="0"/>
+              </a:ext>
+            </a:extLst>
+          </a:blip>
+          <a:srcRect l="36593" t="12095" r="29821" b="21238"/>
+          <a:stretch/>
+        </p:blipFill>
+        <p:spPr>
+          <a:xfrm>
+            <a:off x="2256666" y="3491"/>
+            <a:ext cx="385273" cy="764738"/>
+          </a:xfrm>
+          <a:prstGeom prst="rect">
+            <a:avLst/>
+          </a:prstGeom>
+        </p:spPr>
+      </p:pic>
+      <p:grpSp>
+        <p:nvGrpSpPr>
+          <p:cNvPr id="41" name="Group 40"/>
+          <p:cNvGrpSpPr/>
+          <p:nvPr/>
+        </p:nvGrpSpPr>
+        <p:grpSpPr>
+          <a:xfrm>
+            <a:off x="11111" y="1776706"/>
+            <a:ext cx="1361011" cy="1281565"/>
+            <a:chOff x="5659521" y="2514093"/>
+            <a:chExt cx="1361011" cy="1281565"/>
+          </a:xfrm>
+        </p:grpSpPr>
+        <p:grpSp>
+          <p:nvGrpSpPr>
+            <p:cNvPr id="7" name="Group 6"/>
+            <p:cNvGrpSpPr/>
+            <p:nvPr/>
+          </p:nvGrpSpPr>
+          <p:grpSpPr>
+            <a:xfrm>
+              <a:off x="5816827" y="2514093"/>
+              <a:ext cx="1203705" cy="1250187"/>
+              <a:chOff x="5672047" y="2529333"/>
+              <a:chExt cx="1470729" cy="1527522"/>
+            </a:xfrm>
+          </p:grpSpPr>
+          <p:pic>
+            <p:nvPicPr>
+              <p:cNvPr id="5" name="Picture 4"/>
+              <p:cNvPicPr>
+                <a:picLocks noChangeAspect="1"/>
+              </p:cNvPicPr>
+              <p:nvPr/>
+            </p:nvPicPr>
+            <p:blipFill rotWithShape="1">
+              <a:blip r:embed="rId3" cstate="print">
+                <a:extLst>
+                  <a:ext uri="{28A0092B-C50C-407E-A947-70E740481C1C}">
+                    <a14:useLocalDpi xmlns:a14="http://schemas.microsoft.com/office/drawing/2010/main" val="0"/>
+                  </a:ext>
+                </a:extLst>
+              </a:blip>
+              <a:srcRect l="16719" t="12343" r="17117" b="26431"/>
+              <a:stretch/>
+            </p:blipFill>
+            <p:spPr>
+              <a:xfrm>
+                <a:off x="5672047" y="2529333"/>
+                <a:ext cx="1470729" cy="1527522"/>
+              </a:xfrm>
+              <a:prstGeom prst="rect">
+                <a:avLst/>
+              </a:prstGeom>
+            </p:spPr>
+          </p:pic>
+          <p:pic>
+            <p:nvPicPr>
+              <p:cNvPr id="6" name="Picture 5"/>
+              <p:cNvPicPr>
+                <a:picLocks noChangeAspect="1"/>
+              </p:cNvPicPr>
+              <p:nvPr/>
+            </p:nvPicPr>
+            <p:blipFill>
+              <a:blip r:embed="rId4" cstate="print">
+                <a:extLst>
+                  <a:ext uri="{28A0092B-C50C-407E-A947-70E740481C1C}">
+                    <a14:useLocalDpi xmlns:a14="http://schemas.microsoft.com/office/drawing/2010/main" val="0"/>
+                  </a:ext>
+                </a:extLst>
+              </a:blip>
+              <a:stretch>
+                <a:fillRect/>
+              </a:stretch>
+            </p:blipFill>
+            <p:spPr>
+              <a:xfrm>
+                <a:off x="6083540" y="2630710"/>
+                <a:ext cx="590163" cy="662384"/>
+              </a:xfrm>
+              <a:prstGeom prst="rect">
+                <a:avLst/>
+              </a:prstGeom>
+            </p:spPr>
+          </p:pic>
+        </p:grpSp>
+        <p:pic>
+          <p:nvPicPr>
+            <p:cNvPr id="30" name="Picture 29"/>
+            <p:cNvPicPr>
+              <a:picLocks noChangeAspect="1"/>
+            </p:cNvPicPr>
+            <p:nvPr/>
+          </p:nvPicPr>
+          <p:blipFill>
+            <a:blip r:embed="rId5" cstate="print">
+              <a:extLst>
+                <a:ext uri="{28A0092B-C50C-407E-A947-70E740481C1C}">
+                  <a14:useLocalDpi xmlns:a14="http://schemas.microsoft.com/office/drawing/2010/main" val="0"/>
+                </a:ext>
+              </a:extLst>
+            </a:blip>
+            <a:stretch>
+              <a:fillRect/>
+            </a:stretch>
+          </p:blipFill>
+          <p:spPr>
+            <a:xfrm flipH="1">
+              <a:off x="5659521" y="2984690"/>
+              <a:ext cx="716813" cy="810968"/>
+            </a:xfrm>
+            <a:prstGeom prst="rect">
+              <a:avLst/>
+            </a:prstGeom>
+          </p:spPr>
+        </p:pic>
+      </p:grpSp>
+      <p:cxnSp>
+        <p:nvCxnSpPr>
+          <p:cNvPr id="33" name="Straight Arrow Connector 32"/>
+          <p:cNvCxnSpPr>
+            <a:stCxn id="4" idx="2"/>
+          </p:cNvCxnSpPr>
+          <p:nvPr/>
+        </p:nvCxnSpPr>
+        <p:spPr>
+          <a:xfrm>
+            <a:off x="2449303" y="768229"/>
+            <a:ext cx="1507179" cy="1115339"/>
+          </a:xfrm>
+          <a:prstGeom prst="straightConnector1">
+            <a:avLst/>
+          </a:prstGeom>
+          <a:ln w="28575">
+            <a:prstDash val="dash"/>
+            <a:tailEnd type="triangle"/>
+          </a:ln>
+        </p:spPr>
+        <p:style>
+          <a:lnRef idx="1">
+            <a:schemeClr val="dk1"/>
+          </a:lnRef>
+          <a:fillRef idx="0">
+            <a:schemeClr val="dk1"/>
+          </a:fillRef>
+          <a:effectRef idx="0">
+            <a:schemeClr val="dk1"/>
+          </a:effectRef>
+          <a:fontRef idx="minor">
+            <a:schemeClr val="tx1"/>
+          </a:fontRef>
+        </p:style>
+      </p:cxnSp>
+      <p:cxnSp>
+        <p:nvCxnSpPr>
+          <p:cNvPr id="34" name="Straight Arrow Connector 33"/>
+          <p:cNvCxnSpPr>
+            <a:stCxn id="4" idx="2"/>
+            <a:endCxn id="5" idx="0"/>
+          </p:cNvCxnSpPr>
+          <p:nvPr/>
+        </p:nvCxnSpPr>
+        <p:spPr>
+          <a:xfrm flipH="1">
+            <a:off x="770270" y="768229"/>
+            <a:ext cx="1679033" cy="1008477"/>
+          </a:xfrm>
+          <a:prstGeom prst="straightConnector1">
+            <a:avLst/>
+          </a:prstGeom>
+          <a:ln w="28575">
+            <a:tailEnd type="triangle"/>
+          </a:ln>
+        </p:spPr>
+        <p:style>
+          <a:lnRef idx="1">
+            <a:schemeClr val="dk1"/>
+          </a:lnRef>
+          <a:fillRef idx="0">
+            <a:schemeClr val="dk1"/>
+          </a:fillRef>
+          <a:effectRef idx="0">
+            <a:schemeClr val="dk1"/>
+          </a:effectRef>
+          <a:fontRef idx="minor">
+            <a:schemeClr val="tx1"/>
+          </a:fontRef>
+        </p:style>
+      </p:cxnSp>
+      <p:cxnSp>
+        <p:nvCxnSpPr>
+          <p:cNvPr id="49" name="Straight Arrow Connector 48"/>
+          <p:cNvCxnSpPr>
+            <a:stCxn id="5" idx="3"/>
+          </p:cNvCxnSpPr>
+          <p:nvPr/>
+        </p:nvCxnSpPr>
+        <p:spPr>
+          <a:xfrm>
+            <a:off x="1372122" y="2401800"/>
+            <a:ext cx="1575801" cy="5861"/>
+          </a:xfrm>
+          <a:prstGeom prst="straightConnector1">
+            <a:avLst/>
+          </a:prstGeom>
+          <a:ln w="28575">
+            <a:tailEnd type="triangle"/>
+          </a:ln>
+        </p:spPr>
+        <p:style>
+          <a:lnRef idx="1">
+            <a:schemeClr val="dk1"/>
+          </a:lnRef>
+          <a:fillRef idx="0">
+            <a:schemeClr val="dk1"/>
+          </a:fillRef>
+          <a:effectRef idx="0">
+            <a:schemeClr val="dk1"/>
+          </a:effectRef>
+          <a:fontRef idx="minor">
+            <a:schemeClr val="tx1"/>
+          </a:fontRef>
+        </p:style>
+      </p:cxnSp>
+      <p:pic>
+        <p:nvPicPr>
+          <p:cNvPr id="71" name="Picture 70"/>
+          <p:cNvPicPr>
+            <a:picLocks noChangeAspect="1"/>
+          </p:cNvPicPr>
+          <p:nvPr/>
+        </p:nvPicPr>
+        <p:blipFill rotWithShape="1">
+          <a:blip r:embed="rId6" cstate="print">
+            <a:extLst>
+              <a:ext uri="{28A0092B-C50C-407E-A947-70E740481C1C}">
+                <a14:useLocalDpi xmlns:a14="http://schemas.microsoft.com/office/drawing/2010/main" val="0"/>
+              </a:ext>
+            </a:extLst>
+          </a:blip>
+          <a:srcRect l="11223" t="49499" r="11333" b="18332"/>
+          <a:stretch/>
+        </p:blipFill>
+        <p:spPr>
+          <a:xfrm>
+            <a:off x="25154" y="177178"/>
+            <a:ext cx="1254320" cy="521018"/>
+          </a:xfrm>
+          <a:prstGeom prst="rect">
+            <a:avLst/>
+          </a:prstGeom>
+        </p:spPr>
+      </p:pic>
+      <p:pic>
+        <p:nvPicPr>
+          <p:cNvPr id="72" name="Picture 71"/>
+          <p:cNvPicPr>
+            <a:picLocks noChangeAspect="1"/>
+          </p:cNvPicPr>
+          <p:nvPr/>
+        </p:nvPicPr>
+        <p:blipFill rotWithShape="1">
+          <a:blip r:embed="rId7" cstate="print">
+            <a:extLst>
+              <a:ext uri="{28A0092B-C50C-407E-A947-70E740481C1C}">
+                <a14:useLocalDpi xmlns:a14="http://schemas.microsoft.com/office/drawing/2010/main" val="0"/>
+              </a:ext>
+            </a:extLst>
+          </a:blip>
+          <a:srcRect l="62446" t="3918" r="11333" b="84649"/>
+          <a:stretch/>
+        </p:blipFill>
+        <p:spPr>
+          <a:xfrm>
+            <a:off x="1949318" y="365946"/>
+            <a:ext cx="327659" cy="142875"/>
+          </a:xfrm>
+          <a:prstGeom prst="rect">
+            <a:avLst/>
+          </a:prstGeom>
+        </p:spPr>
+      </p:pic>
+      <p:cxnSp>
+        <p:nvCxnSpPr>
+          <p:cNvPr id="74" name="Straight Connector 73"/>
+          <p:cNvCxnSpPr>
+            <a:stCxn id="71" idx="3"/>
+            <a:endCxn id="72" idx="1"/>
+          </p:cNvCxnSpPr>
+          <p:nvPr/>
+        </p:nvCxnSpPr>
+        <p:spPr>
+          <a:xfrm flipV="1">
+            <a:off x="1279474" y="437384"/>
+            <a:ext cx="669844" cy="303"/>
+          </a:xfrm>
+          <a:prstGeom prst="line">
+            <a:avLst/>
+          </a:prstGeom>
+          <a:ln w="57150">
+            <a:headEnd type="none" w="med" len="med"/>
+            <a:tailEnd type="none" w="med" len="med"/>
+          </a:ln>
+        </p:spPr>
+        <p:style>
+          <a:lnRef idx="1">
+            <a:schemeClr val="dk1"/>
+          </a:lnRef>
+          <a:fillRef idx="0">
+            <a:schemeClr val="dk1"/>
+          </a:fillRef>
+          <a:effectRef idx="0">
+            <a:schemeClr val="dk1"/>
+          </a:effectRef>
+          <a:fontRef idx="minor">
+            <a:schemeClr val="tx1"/>
+          </a:fontRef>
+        </p:style>
+      </p:cxnSp>
+      <p:sp>
+        <p:nvSpPr>
+          <p:cNvPr id="81" name="Rectangle 80"/>
+          <p:cNvSpPr/>
+          <p:nvPr/>
+        </p:nvSpPr>
+        <p:spPr>
+          <a:xfrm>
+            <a:off x="3000992" y="3019294"/>
+            <a:ext cx="1607876" cy="369332"/>
+          </a:xfrm>
+          <a:prstGeom prst="rect">
+            <a:avLst/>
+          </a:prstGeom>
+        </p:spPr>
+        <p:txBody>
+          <a:bodyPr wrap="none">
+            <a:spAutoFit/>
+          </a:bodyPr>
+          <a:lstStyle/>
+          <a:p>
+            <a:r>
+              <a:rPr lang="en-US" dirty="0"/>
+              <a:t>Remote server </a:t>
+            </a:r>
+          </a:p>
+        </p:txBody>
+      </p:sp>
+      <p:sp>
+        <p:nvSpPr>
+          <p:cNvPr id="82" name="Rectangle 81"/>
+          <p:cNvSpPr/>
+          <p:nvPr/>
+        </p:nvSpPr>
+        <p:spPr>
+          <a:xfrm>
+            <a:off x="-101156" y="2983612"/>
+            <a:ext cx="1959319" cy="369332"/>
+          </a:xfrm>
+          <a:prstGeom prst="rect">
+            <a:avLst/>
+          </a:prstGeom>
+        </p:spPr>
+        <p:txBody>
+          <a:bodyPr wrap="none">
+            <a:spAutoFit/>
+          </a:bodyPr>
+          <a:lstStyle/>
+          <a:p>
+            <a:r>
+              <a:rPr lang="en-US" dirty="0"/>
+              <a:t>Compromised host</a:t>
+            </a:r>
+          </a:p>
+        </p:txBody>
+      </p:sp>
+      <p:sp>
+        <p:nvSpPr>
+          <p:cNvPr id="83" name="Rectangle 82"/>
+          <p:cNvSpPr/>
+          <p:nvPr/>
+        </p:nvSpPr>
+        <p:spPr>
+          <a:xfrm>
+            <a:off x="113984" y="647425"/>
+            <a:ext cx="1071960" cy="369332"/>
+          </a:xfrm>
+          <a:prstGeom prst="rect">
+            <a:avLst/>
+          </a:prstGeom>
+        </p:spPr>
+        <p:txBody>
+          <a:bodyPr wrap="none">
+            <a:spAutoFit/>
+          </a:bodyPr>
+          <a:lstStyle/>
+          <a:p>
+            <a:r>
+              <a:rPr lang="en-US" dirty="0"/>
+              <a:t>Keyboard</a:t>
+            </a:r>
+          </a:p>
+        </p:txBody>
+      </p:sp>
+      <p:sp>
+        <p:nvSpPr>
+          <p:cNvPr id="84" name="Rectangle 83"/>
+          <p:cNvSpPr/>
+          <p:nvPr/>
+        </p:nvSpPr>
+        <p:spPr>
+          <a:xfrm>
+            <a:off x="2566739" y="-68697"/>
+            <a:ext cx="1985368" cy="646331"/>
+          </a:xfrm>
+          <a:prstGeom prst="rect">
+            <a:avLst/>
+          </a:prstGeom>
+        </p:spPr>
+        <p:txBody>
+          <a:bodyPr wrap="square">
+            <a:spAutoFit/>
+          </a:bodyPr>
+          <a:lstStyle/>
+          <a:p>
+            <a:r>
+              <a:rPr lang="en-US" dirty="0"/>
+              <a:t>Trusted embedded device</a:t>
+            </a:r>
+          </a:p>
+        </p:txBody>
+      </p:sp>
+      <p:sp>
+        <p:nvSpPr>
+          <p:cNvPr id="85" name="Rectangle 84"/>
+          <p:cNvSpPr/>
+          <p:nvPr/>
+        </p:nvSpPr>
+        <p:spPr>
+          <a:xfrm>
+            <a:off x="1259580" y="2055347"/>
+            <a:ext cx="1766779" cy="646331"/>
+          </a:xfrm>
+          <a:prstGeom prst="rect">
+            <a:avLst/>
+          </a:prstGeom>
+        </p:spPr>
+        <p:txBody>
+          <a:bodyPr wrap="square">
+            <a:spAutoFit/>
+          </a:bodyPr>
+          <a:lstStyle/>
+          <a:p>
+            <a:pPr algn="ctr"/>
+            <a:r>
+              <a:rPr lang="en-US" dirty="0"/>
+              <a:t>Application level </a:t>
+            </a:r>
+          </a:p>
+          <a:p>
+            <a:pPr algn="ctr"/>
+            <a:r>
+              <a:rPr lang="en-US" dirty="0"/>
+              <a:t>payload</a:t>
+            </a:r>
+          </a:p>
+        </p:txBody>
+      </p:sp>
+      <p:sp>
+        <p:nvSpPr>
+          <p:cNvPr id="86" name="Rectangle 85"/>
+          <p:cNvSpPr/>
+          <p:nvPr/>
+        </p:nvSpPr>
+        <p:spPr>
+          <a:xfrm rot="19683940">
+            <a:off x="1055850" y="933025"/>
+            <a:ext cx="1232225" cy="646331"/>
+          </a:xfrm>
+          <a:prstGeom prst="rect">
+            <a:avLst/>
+          </a:prstGeom>
+        </p:spPr>
+        <p:txBody>
+          <a:bodyPr wrap="square">
+            <a:spAutoFit/>
+          </a:bodyPr>
+          <a:lstStyle/>
+          <a:p>
+            <a:pPr algn="ctr"/>
+            <a:r>
+              <a:rPr lang="en-US" dirty="0"/>
+              <a:t>Forwarded</a:t>
+            </a:r>
+          </a:p>
+          <a:p>
+            <a:pPr algn="ctr"/>
+            <a:r>
+              <a:rPr lang="en-US" dirty="0"/>
+              <a:t>keystroke</a:t>
+            </a:r>
+          </a:p>
+        </p:txBody>
+      </p:sp>
+      <p:sp>
+        <p:nvSpPr>
+          <p:cNvPr id="87" name="Rectangle 86"/>
+          <p:cNvSpPr/>
+          <p:nvPr/>
+        </p:nvSpPr>
+        <p:spPr>
+          <a:xfrm rot="2243724">
+            <a:off x="2331616" y="933025"/>
+            <a:ext cx="1645204" cy="646331"/>
+          </a:xfrm>
+          <a:prstGeom prst="rect">
+            <a:avLst/>
+          </a:prstGeom>
+        </p:spPr>
+        <p:txBody>
+          <a:bodyPr wrap="square">
+            <a:spAutoFit/>
+          </a:bodyPr>
+          <a:lstStyle/>
+          <a:p>
+            <a:pPr algn="ctr"/>
+            <a:r>
+              <a:rPr lang="en-US" dirty="0"/>
+              <a:t>Keystroke via</a:t>
+            </a:r>
+          </a:p>
+          <a:p>
+            <a:pPr algn="ctr"/>
+            <a:r>
+              <a:rPr lang="en-US" dirty="0"/>
+              <a:t>Secure channel</a:t>
+            </a:r>
+          </a:p>
+        </p:txBody>
+      </p:sp>
+      <p:sp>
+        <p:nvSpPr>
+          <p:cNvPr id="22" name="Rectangle 21"/>
+          <p:cNvSpPr/>
+          <p:nvPr/>
+        </p:nvSpPr>
+        <p:spPr>
+          <a:xfrm>
+            <a:off x="1221391" y="41982"/>
+            <a:ext cx="1165889" cy="369332"/>
+          </a:xfrm>
+          <a:prstGeom prst="rect">
+            <a:avLst/>
+          </a:prstGeom>
+        </p:spPr>
+        <p:txBody>
+          <a:bodyPr wrap="square">
+            <a:spAutoFit/>
+          </a:bodyPr>
+          <a:lstStyle/>
+          <a:p>
+            <a:r>
+              <a:rPr lang="en-US" dirty="0"/>
+              <a:t>Keystroke</a:t>
+            </a:r>
+          </a:p>
+        </p:txBody>
+      </p:sp>
+      <p:grpSp>
+        <p:nvGrpSpPr>
+          <p:cNvPr id="2" name="Group 1"/>
+          <p:cNvGrpSpPr/>
+          <p:nvPr/>
+        </p:nvGrpSpPr>
+        <p:grpSpPr>
+          <a:xfrm>
+            <a:off x="2908630" y="1983877"/>
+            <a:ext cx="1853328" cy="817100"/>
+            <a:chOff x="6063840" y="2825139"/>
+            <a:chExt cx="1853328" cy="817100"/>
+          </a:xfrm>
+        </p:grpSpPr>
+        <p:pic>
+          <p:nvPicPr>
+            <p:cNvPr id="15" name="Picture 14"/>
+            <p:cNvPicPr>
+              <a:picLocks noChangeAspect="1"/>
+            </p:cNvPicPr>
+            <p:nvPr/>
+          </p:nvPicPr>
+          <p:blipFill rotWithShape="1">
+            <a:blip r:embed="rId8" cstate="print">
+              <a:extLst>
+                <a:ext uri="{28A0092B-C50C-407E-A947-70E740481C1C}">
+                  <a14:useLocalDpi xmlns:a14="http://schemas.microsoft.com/office/drawing/2010/main" val="0"/>
+                </a:ext>
+              </a:extLst>
+            </a:blip>
+            <a:srcRect l="18731" t="11488" r="18656" b="25898"/>
+            <a:stretch/>
+          </p:blipFill>
+          <p:spPr>
+            <a:xfrm>
+              <a:off x="6761702" y="2825139"/>
+              <a:ext cx="536721" cy="536721"/>
+            </a:xfrm>
+            <a:prstGeom prst="rect">
+              <a:avLst/>
+            </a:prstGeom>
+          </p:spPr>
+        </p:pic>
+        <p:sp>
+          <p:nvSpPr>
+            <p:cNvPr id="32" name="Rectangle 31"/>
+            <p:cNvSpPr/>
+            <p:nvPr/>
+          </p:nvSpPr>
+          <p:spPr>
+            <a:xfrm>
+              <a:off x="6063840" y="3272907"/>
+              <a:ext cx="1853328" cy="369332"/>
+            </a:xfrm>
+            <a:prstGeom prst="rect">
+              <a:avLst/>
+            </a:prstGeom>
+          </p:spPr>
+          <p:txBody>
+            <a:bodyPr wrap="none">
+              <a:spAutoFit/>
+            </a:bodyPr>
+            <a:lstStyle/>
+            <a:p>
+              <a:r>
+                <a:rPr lang="en-US" dirty="0"/>
+                <a:t>Input trace match</a:t>
+              </a:r>
+            </a:p>
+          </p:txBody>
+        </p:sp>
+      </p:grpSp>
+      <p:pic>
+        <p:nvPicPr>
+          <p:cNvPr id="35" name="Picture 34"/>
+          <p:cNvPicPr>
+            <a:picLocks noChangeAspect="1"/>
+          </p:cNvPicPr>
+          <p:nvPr/>
+        </p:nvPicPr>
+        <p:blipFill rotWithShape="1">
+          <a:blip r:embed="rId9" cstate="print">
+            <a:extLst>
+              <a:ext uri="{28A0092B-C50C-407E-A947-70E740481C1C}">
+                <a14:useLocalDpi xmlns:a14="http://schemas.microsoft.com/office/drawing/2010/main" val="0"/>
+              </a:ext>
+            </a:extLst>
+          </a:blip>
+          <a:srcRect l="64447" t="14524" r="11980" b="29084"/>
+          <a:stretch/>
+        </p:blipFill>
+        <p:spPr>
+          <a:xfrm>
+            <a:off x="4681928" y="2174351"/>
+            <a:ext cx="369493" cy="883920"/>
+          </a:xfrm>
+          <a:prstGeom prst="rect">
+            <a:avLst/>
+          </a:prstGeom>
+        </p:spPr>
+      </p:pic>
+      <p:pic>
+        <p:nvPicPr>
+          <p:cNvPr id="20" name="Picture 19"/>
+          <p:cNvPicPr>
+            <a:picLocks noChangeAspect="1"/>
+          </p:cNvPicPr>
+          <p:nvPr/>
+        </p:nvPicPr>
+        <p:blipFill rotWithShape="1">
+          <a:blip r:embed="rId10" cstate="print">
+            <a:extLst>
+              <a:ext uri="{28A0092B-C50C-407E-A947-70E740481C1C}">
+                <a14:useLocalDpi xmlns:a14="http://schemas.microsoft.com/office/drawing/2010/main" val="0"/>
+              </a:ext>
+            </a:extLst>
+          </a:blip>
+          <a:srcRect l="20343" t="17504" r="20401" b="30728"/>
+          <a:stretch/>
+        </p:blipFill>
+        <p:spPr>
+          <a:xfrm>
+            <a:off x="2936081" y="1883568"/>
+            <a:ext cx="1774032" cy="1234447"/>
+          </a:xfrm>
+          <a:prstGeom prst="rect">
+            <a:avLst/>
+          </a:prstGeom>
+        </p:spPr>
+      </p:pic>
+    </p:spTree>
+    <p:extLst>
+      <p:ext uri="{BB962C8B-B14F-4D97-AF65-F5344CB8AC3E}">
+        <p14:creationId xmlns:p14="http://schemas.microsoft.com/office/powerpoint/2010/main" val="493105961"/>
+      </p:ext>
+    </p:extLst>
+  </p:cSld>
+  <p:clrMapOvr>
+    <a:masterClrMapping/>
+  </p:clrMapOvr>
+</p:sld>
+</file>
+
+<file path=ppt/slides/slide5.xml><?xml version="1.0" encoding="utf-8"?>
+<p:sld xmlns:a="http://schemas.openxmlformats.org/drawingml/2006/main" xmlns:r="http://schemas.openxmlformats.org/officeDocument/2006/relationships" xmlns:p="http://schemas.openxmlformats.org/presentationml/2006/main">
+  <p:cSld>
+    <p:spTree>
+      <p:nvGrpSpPr>
+        <p:cNvPr id="1" name=""/>
+        <p:cNvGrpSpPr/>
+        <p:nvPr/>
+      </p:nvGrpSpPr>
+      <p:grpSpPr>
+        <a:xfrm>
+          <a:off x="0" y="0"/>
+          <a:ext cx="0" cy="0"/>
+          <a:chOff x="0" y="0"/>
+          <a:chExt cx="0" cy="0"/>
+        </a:xfrm>
+      </p:grpSpPr>
+      <p:pic>
+        <p:nvPicPr>
           <p:cNvPr id="34" name="Picture 33"/>
           <p:cNvPicPr>
             <a:picLocks noChangeAspect="1"/>
@@ -23459,7 +25793,7 @@
 </p:sld>
 </file>
 
-<file path=ppt/slides/slide5.xml><?xml version="1.0" encoding="utf-8"?>
+<file path=ppt/slides/slide6.xml><?xml version="1.0" encoding="utf-8"?>
 <p:sld xmlns:a="http://schemas.openxmlformats.org/drawingml/2006/main" xmlns:r="http://schemas.openxmlformats.org/officeDocument/2006/relationships" xmlns:p="http://schemas.openxmlformats.org/presentationml/2006/main">
   <p:cSld>
     <p:spTree>
@@ -24244,7 +26578,7 @@
 </p:sld>
 </file>
 
-<file path=ppt/slides/slide6.xml><?xml version="1.0" encoding="utf-8"?>
+<file path=ppt/slides/slide7.xml><?xml version="1.0" encoding="utf-8"?>
 <p:sld xmlns:a="http://schemas.openxmlformats.org/drawingml/2006/main" xmlns:r="http://schemas.openxmlformats.org/officeDocument/2006/relationships" xmlns:p="http://schemas.openxmlformats.org/presentationml/2006/main">
   <p:cSld>
     <p:spTree>
@@ -26197,7 +28531,7 @@
 </p:sld>
 </file>
 
-<file path=ppt/slides/slide7.xml><?xml version="1.0" encoding="utf-8"?>
+<file path=ppt/slides/slide8.xml><?xml version="1.0" encoding="utf-8"?>
 <p:sld xmlns:a="http://schemas.openxmlformats.org/drawingml/2006/main" xmlns:r="http://schemas.openxmlformats.org/officeDocument/2006/relationships" xmlns:p="http://schemas.openxmlformats.org/presentationml/2006/main">
   <p:cSld>
     <p:spTree>
@@ -27266,7 +29600,7 @@
 </p:sld>
 </file>
 
-<file path=ppt/slides/slide8.xml><?xml version="1.0" encoding="utf-8"?>
+<file path=ppt/slides/slide9.xml><?xml version="1.0" encoding="utf-8"?>
 <p:sld xmlns:a="http://schemas.openxmlformats.org/drawingml/2006/main" xmlns:r="http://schemas.openxmlformats.org/officeDocument/2006/relationships" xmlns:p="http://schemas.openxmlformats.org/presentationml/2006/main">
   <p:cSld>
     <p:spTree>
@@ -29136,1336 +31470,6 @@
     <p:extLst>
       <p:ext uri="{BB962C8B-B14F-4D97-AF65-F5344CB8AC3E}">
         <p14:creationId xmlns:p14="http://schemas.microsoft.com/office/powerpoint/2010/main" val="506612451"/>
-      </p:ext>
-    </p:extLst>
-  </p:cSld>
-  <p:clrMapOvr>
-    <a:masterClrMapping/>
-  </p:clrMapOvr>
-</p:sld>
-</file>
-
-<file path=ppt/slides/slide9.xml><?xml version="1.0" encoding="utf-8"?>
-<p:sld xmlns:a="http://schemas.openxmlformats.org/drawingml/2006/main" xmlns:r="http://schemas.openxmlformats.org/officeDocument/2006/relationships" xmlns:p="http://schemas.openxmlformats.org/presentationml/2006/main">
-  <p:cSld>
-    <p:spTree>
-      <p:nvGrpSpPr>
-        <p:cNvPr id="1" name=""/>
-        <p:cNvGrpSpPr/>
-        <p:nvPr/>
-      </p:nvGrpSpPr>
-      <p:grpSpPr>
-        <a:xfrm>
-          <a:off x="0" y="0"/>
-          <a:ext cx="0" cy="0"/>
-          <a:chOff x="0" y="0"/>
-          <a:chExt cx="0" cy="0"/>
-        </a:xfrm>
-      </p:grpSpPr>
-      <p:pic>
-        <p:nvPicPr>
-          <p:cNvPr id="18" name="Picture 17">
-            <a:extLst>
-              <a:ext uri="{FF2B5EF4-FFF2-40B4-BE49-F238E27FC236}">
-                <a16:creationId xmlns:a16="http://schemas.microsoft.com/office/drawing/2014/main" id="{96AD35E5-9FC3-4D8D-B114-B1FD832F4173}"/>
-              </a:ext>
-            </a:extLst>
-          </p:cNvPr>
-          <p:cNvPicPr>
-            <a:picLocks noChangeAspect="1"/>
-          </p:cNvPicPr>
-          <p:nvPr/>
-        </p:nvPicPr>
-        <p:blipFill>
-          <a:blip r:embed="rId2" cstate="print">
-            <a:extLst>
-              <a:ext uri="{28A0092B-C50C-407E-A947-70E740481C1C}">
-                <a14:useLocalDpi xmlns:a14="http://schemas.microsoft.com/office/drawing/2010/main" val="0"/>
-              </a:ext>
-            </a:extLst>
-          </a:blip>
-          <a:stretch>
-            <a:fillRect/>
-          </a:stretch>
-        </p:blipFill>
-        <p:spPr>
-          <a:xfrm>
-            <a:off x="2817016" y="1270008"/>
-            <a:ext cx="744689" cy="744689"/>
-          </a:xfrm>
-          <a:prstGeom prst="rect">
-            <a:avLst/>
-          </a:prstGeom>
-        </p:spPr>
-      </p:pic>
-      <p:sp>
-        <p:nvSpPr>
-          <p:cNvPr id="66" name="TextBox 65"/>
-          <p:cNvSpPr txBox="1"/>
-          <p:nvPr/>
-        </p:nvSpPr>
-        <p:spPr>
-          <a:xfrm>
-            <a:off x="-102138" y="2025456"/>
-            <a:ext cx="973536" cy="338554"/>
-          </a:xfrm>
-          <a:prstGeom prst="rect">
-            <a:avLst/>
-          </a:prstGeom>
-          <a:noFill/>
-        </p:spPr>
-        <p:txBody>
-          <a:bodyPr wrap="none" rtlCol="0">
-            <a:spAutoFit/>
-          </a:bodyPr>
-          <a:lstStyle/>
-          <a:p>
-            <a:r>
-              <a:rPr lang="en-US" sz="1600" dirty="0"/>
-              <a:t>Keyboard</a:t>
-            </a:r>
-          </a:p>
-        </p:txBody>
-      </p:sp>
-      <p:sp>
-        <p:nvSpPr>
-          <p:cNvPr id="68" name="TextBox 67"/>
-          <p:cNvSpPr txBox="1"/>
-          <p:nvPr/>
-        </p:nvSpPr>
-        <p:spPr>
-          <a:xfrm>
-            <a:off x="4085172" y="1902085"/>
-            <a:ext cx="1297788" cy="338554"/>
-          </a:xfrm>
-          <a:prstGeom prst="rect">
-            <a:avLst/>
-          </a:prstGeom>
-          <a:noFill/>
-        </p:spPr>
-        <p:txBody>
-          <a:bodyPr wrap="square" rtlCol="0">
-            <a:spAutoFit/>
-          </a:bodyPr>
-          <a:lstStyle/>
-          <a:p>
-            <a:pPr algn="ctr"/>
-            <a:r>
-              <a:rPr lang="en-US" sz="1600" dirty="0"/>
-              <a:t>PLC</a:t>
-            </a:r>
-          </a:p>
-        </p:txBody>
-      </p:sp>
-      <p:sp>
-        <p:nvSpPr>
-          <p:cNvPr id="69" name="TextBox 68"/>
-          <p:cNvSpPr txBox="1"/>
-          <p:nvPr/>
-        </p:nvSpPr>
-        <p:spPr>
-          <a:xfrm>
-            <a:off x="5712705" y="1960870"/>
-            <a:ext cx="1484200" cy="338554"/>
-          </a:xfrm>
-          <a:prstGeom prst="rect">
-            <a:avLst/>
-          </a:prstGeom>
-          <a:noFill/>
-        </p:spPr>
-        <p:txBody>
-          <a:bodyPr wrap="square" rtlCol="0">
-            <a:spAutoFit/>
-          </a:bodyPr>
-          <a:lstStyle/>
-          <a:p>
-            <a:pPr algn="ctr"/>
-            <a:r>
-              <a:rPr lang="en-US" sz="1600" dirty="0"/>
-              <a:t>Automation</a:t>
-            </a:r>
-          </a:p>
-        </p:txBody>
-      </p:sp>
-      <p:cxnSp>
-        <p:nvCxnSpPr>
-          <p:cNvPr id="70" name="Straight Arrow Connector 69"/>
-          <p:cNvCxnSpPr/>
-          <p:nvPr/>
-        </p:nvCxnSpPr>
-        <p:spPr>
-          <a:xfrm flipV="1">
-            <a:off x="486198" y="1606543"/>
-            <a:ext cx="582257" cy="10310"/>
-          </a:xfrm>
-          <a:prstGeom prst="straightConnector1">
-            <a:avLst/>
-          </a:prstGeom>
-          <a:ln w="19050">
-            <a:tailEnd type="triangle"/>
-          </a:ln>
-        </p:spPr>
-        <p:style>
-          <a:lnRef idx="1">
-            <a:schemeClr val="dk1"/>
-          </a:lnRef>
-          <a:fillRef idx="0">
-            <a:schemeClr val="dk1"/>
-          </a:fillRef>
-          <a:effectRef idx="0">
-            <a:schemeClr val="dk1"/>
-          </a:effectRef>
-          <a:fontRef idx="minor">
-            <a:schemeClr val="tx1"/>
-          </a:fontRef>
-        </p:style>
-      </p:cxnSp>
-      <p:cxnSp>
-        <p:nvCxnSpPr>
-          <p:cNvPr id="71" name="Straight Arrow Connector 70"/>
-          <p:cNvCxnSpPr>
-            <a:cxnSpLocks/>
-          </p:cNvCxnSpPr>
-          <p:nvPr/>
-        </p:nvCxnSpPr>
-        <p:spPr>
-          <a:xfrm>
-            <a:off x="2545540" y="1631399"/>
-            <a:ext cx="279811" cy="0"/>
-          </a:xfrm>
-          <a:prstGeom prst="straightConnector1">
-            <a:avLst/>
-          </a:prstGeom>
-          <a:ln w="19050">
-            <a:tailEnd type="triangle"/>
-          </a:ln>
-        </p:spPr>
-        <p:style>
-          <a:lnRef idx="1">
-            <a:schemeClr val="dk1"/>
-          </a:lnRef>
-          <a:fillRef idx="0">
-            <a:schemeClr val="dk1"/>
-          </a:fillRef>
-          <a:effectRef idx="0">
-            <a:schemeClr val="dk1"/>
-          </a:effectRef>
-          <a:fontRef idx="minor">
-            <a:schemeClr val="tx1"/>
-          </a:fontRef>
-        </p:style>
-      </p:cxnSp>
-      <p:cxnSp>
-        <p:nvCxnSpPr>
-          <p:cNvPr id="75" name="Straight Arrow Connector 74"/>
-          <p:cNvCxnSpPr/>
-          <p:nvPr/>
-        </p:nvCxnSpPr>
-        <p:spPr>
-          <a:xfrm>
-            <a:off x="5453209" y="1606543"/>
-            <a:ext cx="524604" cy="0"/>
-          </a:xfrm>
-          <a:prstGeom prst="straightConnector1">
-            <a:avLst/>
-          </a:prstGeom>
-          <a:ln w="19050">
-            <a:tailEnd type="triangle"/>
-          </a:ln>
-        </p:spPr>
-        <p:style>
-          <a:lnRef idx="1">
-            <a:schemeClr val="dk1"/>
-          </a:lnRef>
-          <a:fillRef idx="0">
-            <a:schemeClr val="dk1"/>
-          </a:fillRef>
-          <a:effectRef idx="0">
-            <a:schemeClr val="dk1"/>
-          </a:effectRef>
-          <a:fontRef idx="minor">
-            <a:schemeClr val="tx1"/>
-          </a:fontRef>
-        </p:style>
-      </p:cxnSp>
-      <p:cxnSp>
-        <p:nvCxnSpPr>
-          <p:cNvPr id="82" name="Straight Arrow Connector 81"/>
-          <p:cNvCxnSpPr>
-            <a:cxnSpLocks/>
-          </p:cNvCxnSpPr>
-          <p:nvPr/>
-        </p:nvCxnSpPr>
-        <p:spPr>
-          <a:xfrm flipV="1">
-            <a:off x="3553583" y="1626631"/>
-            <a:ext cx="501151" cy="4768"/>
-          </a:xfrm>
-          <a:prstGeom prst="straightConnector1">
-            <a:avLst/>
-          </a:prstGeom>
-          <a:ln w="19050">
-            <a:tailEnd type="triangle"/>
-          </a:ln>
-        </p:spPr>
-        <p:style>
-          <a:lnRef idx="1">
-            <a:schemeClr val="dk1"/>
-          </a:lnRef>
-          <a:fillRef idx="0">
-            <a:schemeClr val="dk1"/>
-          </a:fillRef>
-          <a:effectRef idx="0">
-            <a:schemeClr val="dk1"/>
-          </a:effectRef>
-          <a:fontRef idx="minor">
-            <a:schemeClr val="tx1"/>
-          </a:fontRef>
-        </p:style>
-      </p:cxnSp>
-      <p:sp>
-        <p:nvSpPr>
-          <p:cNvPr id="103" name="TextBox 102"/>
-          <p:cNvSpPr txBox="1"/>
-          <p:nvPr/>
-        </p:nvSpPr>
-        <p:spPr>
-          <a:xfrm>
-            <a:off x="5587574" y="614271"/>
-            <a:ext cx="1885276" cy="584775"/>
-          </a:xfrm>
-          <a:prstGeom prst="rect">
-            <a:avLst/>
-          </a:prstGeom>
-          <a:noFill/>
-        </p:spPr>
-        <p:txBody>
-          <a:bodyPr wrap="square" rtlCol="0">
-            <a:spAutoFit/>
-          </a:bodyPr>
-          <a:lstStyle/>
-          <a:p>
-            <a:pPr algn="ctr"/>
-            <a:r>
-              <a:rPr lang="en-US" sz="1600" dirty="0"/>
-              <a:t>Web-enabled medical implants</a:t>
-            </a:r>
-          </a:p>
-        </p:txBody>
-      </p:sp>
-      <p:sp>
-        <p:nvSpPr>
-          <p:cNvPr id="104" name="TextBox 103"/>
-          <p:cNvSpPr txBox="1"/>
-          <p:nvPr/>
-        </p:nvSpPr>
-        <p:spPr>
-          <a:xfrm>
-            <a:off x="3697847" y="752771"/>
-            <a:ext cx="1933649" cy="338554"/>
-          </a:xfrm>
-          <a:prstGeom prst="rect">
-            <a:avLst/>
-          </a:prstGeom>
-          <a:noFill/>
-        </p:spPr>
-        <p:txBody>
-          <a:bodyPr wrap="square" rtlCol="0">
-            <a:spAutoFit/>
-          </a:bodyPr>
-          <a:lstStyle/>
-          <a:p>
-            <a:pPr algn="ctr"/>
-            <a:r>
-              <a:rPr lang="en-US" sz="1600" dirty="0"/>
-              <a:t>Server</a:t>
-            </a:r>
-          </a:p>
-        </p:txBody>
-      </p:sp>
-      <p:cxnSp>
-        <p:nvCxnSpPr>
-          <p:cNvPr id="105" name="Curved Connector 104"/>
-          <p:cNvCxnSpPr>
-            <a:cxnSpLocks/>
-          </p:cNvCxnSpPr>
-          <p:nvPr/>
-        </p:nvCxnSpPr>
-        <p:spPr>
-          <a:xfrm rot="5400000" flipH="1" flipV="1">
-            <a:off x="3228079" y="424141"/>
-            <a:ext cx="815102" cy="892327"/>
-          </a:xfrm>
-          <a:prstGeom prst="curvedConnector2">
-            <a:avLst/>
-          </a:prstGeom>
-          <a:ln w="19050">
-            <a:tailEnd type="triangle"/>
-          </a:ln>
-        </p:spPr>
-        <p:style>
-          <a:lnRef idx="1">
-            <a:schemeClr val="dk1"/>
-          </a:lnRef>
-          <a:fillRef idx="0">
-            <a:schemeClr val="dk1"/>
-          </a:fillRef>
-          <a:effectRef idx="0">
-            <a:schemeClr val="dk1"/>
-          </a:effectRef>
-          <a:fontRef idx="minor">
-            <a:schemeClr val="tx1"/>
-          </a:fontRef>
-        </p:style>
-      </p:cxnSp>
-      <p:cxnSp>
-        <p:nvCxnSpPr>
-          <p:cNvPr id="107" name="Straight Arrow Connector 106"/>
-          <p:cNvCxnSpPr/>
-          <p:nvPr/>
-        </p:nvCxnSpPr>
-        <p:spPr>
-          <a:xfrm>
-            <a:off x="5358443" y="428815"/>
-            <a:ext cx="546107" cy="0"/>
-          </a:xfrm>
-          <a:prstGeom prst="straightConnector1">
-            <a:avLst/>
-          </a:prstGeom>
-          <a:ln w="19050">
-            <a:tailEnd type="triangle"/>
-          </a:ln>
-        </p:spPr>
-        <p:style>
-          <a:lnRef idx="1">
-            <a:schemeClr val="dk1"/>
-          </a:lnRef>
-          <a:fillRef idx="0">
-            <a:schemeClr val="dk1"/>
-          </a:fillRef>
-          <a:effectRef idx="0">
-            <a:schemeClr val="dk1"/>
-          </a:effectRef>
-          <a:fontRef idx="minor">
-            <a:schemeClr val="tx1"/>
-          </a:fontRef>
-        </p:style>
-      </p:cxnSp>
-      <p:sp>
-        <p:nvSpPr>
-          <p:cNvPr id="109" name="TextBox 108"/>
-          <p:cNvSpPr txBox="1"/>
-          <p:nvPr/>
-        </p:nvSpPr>
-        <p:spPr>
-          <a:xfrm>
-            <a:off x="2610265" y="1893385"/>
-            <a:ext cx="1220829" cy="338554"/>
-          </a:xfrm>
-          <a:prstGeom prst="rect">
-            <a:avLst/>
-          </a:prstGeom>
-          <a:noFill/>
-        </p:spPr>
-        <p:txBody>
-          <a:bodyPr wrap="square" rtlCol="0">
-            <a:spAutoFit/>
-          </a:bodyPr>
-          <a:lstStyle/>
-          <a:p>
-            <a:pPr algn="ctr"/>
-            <a:r>
-              <a:rPr lang="en-US" sz="1600" dirty="0"/>
-              <a:t>Internet</a:t>
-            </a:r>
-          </a:p>
-        </p:txBody>
-      </p:sp>
-      <p:sp>
-        <p:nvSpPr>
-          <p:cNvPr id="114" name="TextBox 113"/>
-          <p:cNvSpPr txBox="1"/>
-          <p:nvPr/>
-        </p:nvSpPr>
-        <p:spPr>
-          <a:xfrm>
-            <a:off x="5856423" y="3235524"/>
-            <a:ext cx="1408102" cy="584775"/>
-          </a:xfrm>
-          <a:prstGeom prst="rect">
-            <a:avLst/>
-          </a:prstGeom>
-          <a:noFill/>
-        </p:spPr>
-        <p:txBody>
-          <a:bodyPr wrap="square" rtlCol="0">
-            <a:spAutoFit/>
-          </a:bodyPr>
-          <a:lstStyle/>
-          <a:p>
-            <a:pPr algn="ctr"/>
-            <a:r>
-              <a:rPr lang="en-US" sz="1600" dirty="0"/>
-              <a:t>Home automation</a:t>
-            </a:r>
-          </a:p>
-        </p:txBody>
-      </p:sp>
-      <p:sp>
-        <p:nvSpPr>
-          <p:cNvPr id="115" name="TextBox 114"/>
-          <p:cNvSpPr txBox="1"/>
-          <p:nvPr/>
-        </p:nvSpPr>
-        <p:spPr>
-          <a:xfrm>
-            <a:off x="3307707" y="3347507"/>
-            <a:ext cx="2713927" cy="338554"/>
-          </a:xfrm>
-          <a:prstGeom prst="rect">
-            <a:avLst/>
-          </a:prstGeom>
-          <a:noFill/>
-        </p:spPr>
-        <p:txBody>
-          <a:bodyPr wrap="square" rtlCol="0">
-            <a:spAutoFit/>
-          </a:bodyPr>
-          <a:lstStyle/>
-          <a:p>
-            <a:pPr algn="ctr"/>
-            <a:r>
-              <a:rPr lang="en-US" sz="1600" dirty="0"/>
-              <a:t>Web enabled controller</a:t>
-            </a:r>
-          </a:p>
-        </p:txBody>
-      </p:sp>
-      <p:cxnSp>
-        <p:nvCxnSpPr>
-          <p:cNvPr id="116" name="Curved Connector 115"/>
-          <p:cNvCxnSpPr>
-            <a:cxnSpLocks/>
-            <a:stCxn id="109" idx="2"/>
-          </p:cNvCxnSpPr>
-          <p:nvPr/>
-        </p:nvCxnSpPr>
-        <p:spPr>
-          <a:xfrm rot="16200000" flipH="1">
-            <a:off x="3373727" y="2078892"/>
-            <a:ext cx="687744" cy="993838"/>
-          </a:xfrm>
-          <a:prstGeom prst="curvedConnector2">
-            <a:avLst/>
-          </a:prstGeom>
-          <a:ln w="19050">
-            <a:tailEnd type="triangle"/>
-          </a:ln>
-        </p:spPr>
-        <p:style>
-          <a:lnRef idx="1">
-            <a:schemeClr val="dk1"/>
-          </a:lnRef>
-          <a:fillRef idx="0">
-            <a:schemeClr val="dk1"/>
-          </a:fillRef>
-          <a:effectRef idx="0">
-            <a:schemeClr val="dk1"/>
-          </a:effectRef>
-          <a:fontRef idx="minor">
-            <a:schemeClr val="tx1"/>
-          </a:fontRef>
-        </p:style>
-      </p:cxnSp>
-      <p:cxnSp>
-        <p:nvCxnSpPr>
-          <p:cNvPr id="117" name="Straight Arrow Connector 116"/>
-          <p:cNvCxnSpPr/>
-          <p:nvPr/>
-        </p:nvCxnSpPr>
-        <p:spPr>
-          <a:xfrm>
-            <a:off x="5385558" y="2919683"/>
-            <a:ext cx="518992" cy="0"/>
-          </a:xfrm>
-          <a:prstGeom prst="straightConnector1">
-            <a:avLst/>
-          </a:prstGeom>
-          <a:ln w="19050">
-            <a:tailEnd type="triangle"/>
-          </a:ln>
-        </p:spPr>
-        <p:style>
-          <a:lnRef idx="1">
-            <a:schemeClr val="dk1"/>
-          </a:lnRef>
-          <a:fillRef idx="0">
-            <a:schemeClr val="dk1"/>
-          </a:fillRef>
-          <a:effectRef idx="0">
-            <a:schemeClr val="dk1"/>
-          </a:effectRef>
-          <a:fontRef idx="minor">
-            <a:schemeClr val="tx1"/>
-          </a:fontRef>
-        </p:style>
-      </p:cxnSp>
-      <p:sp>
-        <p:nvSpPr>
-          <p:cNvPr id="9" name="Rectangle 8"/>
-          <p:cNvSpPr/>
-          <p:nvPr/>
-        </p:nvSpPr>
-        <p:spPr>
-          <a:xfrm>
-            <a:off x="900" y="1114205"/>
-            <a:ext cx="741855" cy="775629"/>
-          </a:xfrm>
-          <a:prstGeom prst="rect">
-            <a:avLst/>
-          </a:prstGeom>
-          <a:ln>
-            <a:solidFill>
-              <a:schemeClr val="bg1"/>
-            </a:solidFill>
-          </a:ln>
-        </p:spPr>
-        <p:style>
-          <a:lnRef idx="2">
-            <a:schemeClr val="dk1"/>
-          </a:lnRef>
-          <a:fillRef idx="1">
-            <a:schemeClr val="lt1"/>
-          </a:fillRef>
-          <a:effectRef idx="0">
-            <a:schemeClr val="dk1"/>
-          </a:effectRef>
-          <a:fontRef idx="minor">
-            <a:schemeClr val="dk1"/>
-          </a:fontRef>
-        </p:style>
-        <p:txBody>
-          <a:bodyPr rtlCol="0" anchor="ctr"/>
-          <a:lstStyle/>
-          <a:p>
-            <a:pPr algn="ctr"/>
-            <a:endParaRPr lang="en-US" sz="1600"/>
-          </a:p>
-        </p:txBody>
-      </p:sp>
-      <p:sp>
-        <p:nvSpPr>
-          <p:cNvPr id="67" name="TextBox 66"/>
-          <p:cNvSpPr txBox="1"/>
-          <p:nvPr/>
-        </p:nvSpPr>
-        <p:spPr>
-          <a:xfrm>
-            <a:off x="1200826" y="2508172"/>
-            <a:ext cx="1205986" cy="338554"/>
-          </a:xfrm>
-          <a:prstGeom prst="rect">
-            <a:avLst/>
-          </a:prstGeom>
-          <a:noFill/>
-        </p:spPr>
-        <p:txBody>
-          <a:bodyPr wrap="square" rtlCol="0">
-            <a:spAutoFit/>
-          </a:bodyPr>
-          <a:lstStyle/>
-          <a:p>
-            <a:pPr algn="ctr"/>
-            <a:r>
-              <a:rPr lang="en-US" sz="1600" dirty="0"/>
-              <a:t>Host</a:t>
-            </a:r>
-          </a:p>
-        </p:txBody>
-      </p:sp>
-      <p:pic>
-        <p:nvPicPr>
-          <p:cNvPr id="35" name="Picture 34">
-            <a:extLst>
-              <a:ext uri="{FF2B5EF4-FFF2-40B4-BE49-F238E27FC236}">
-                <a16:creationId xmlns:a16="http://schemas.microsoft.com/office/drawing/2014/main" id="{2A22A0BE-778C-4BD9-9975-307F7F810440}"/>
-              </a:ext>
-            </a:extLst>
-          </p:cNvPr>
-          <p:cNvPicPr>
-            <a:picLocks noChangeAspect="1"/>
-          </p:cNvPicPr>
-          <p:nvPr/>
-        </p:nvPicPr>
-        <p:blipFill>
-          <a:blip r:embed="rId3" cstate="print">
-            <a:extLst>
-              <a:ext uri="{28A0092B-C50C-407E-A947-70E740481C1C}">
-                <a14:useLocalDpi xmlns:a14="http://schemas.microsoft.com/office/drawing/2010/main" val="0"/>
-              </a:ext>
-            </a:extLst>
-          </a:blip>
-          <a:stretch>
-            <a:fillRect/>
-          </a:stretch>
-        </p:blipFill>
-        <p:spPr>
-          <a:xfrm>
-            <a:off x="3148839" y="1201153"/>
-            <a:ext cx="460381" cy="460381"/>
-          </a:xfrm>
-          <a:prstGeom prst="rect">
-            <a:avLst/>
-          </a:prstGeom>
-        </p:spPr>
-      </p:pic>
-      <p:pic>
-        <p:nvPicPr>
-          <p:cNvPr id="8" name="Picture 7">
-            <a:extLst>
-              <a:ext uri="{FF2B5EF4-FFF2-40B4-BE49-F238E27FC236}">
-                <a16:creationId xmlns:a16="http://schemas.microsoft.com/office/drawing/2014/main" id="{7F2525D0-705B-40C0-8E64-F00C765BA858}"/>
-              </a:ext>
-            </a:extLst>
-          </p:cNvPr>
-          <p:cNvPicPr>
-            <a:picLocks noChangeAspect="1"/>
-          </p:cNvPicPr>
-          <p:nvPr/>
-        </p:nvPicPr>
-        <p:blipFill>
-          <a:blip r:embed="rId4" cstate="print">
-            <a:extLst>
-              <a:ext uri="{28A0092B-C50C-407E-A947-70E740481C1C}">
-                <a14:useLocalDpi xmlns:a14="http://schemas.microsoft.com/office/drawing/2010/main" val="0"/>
-              </a:ext>
-            </a:extLst>
-          </a:blip>
-          <a:stretch>
-            <a:fillRect/>
-          </a:stretch>
-        </p:blipFill>
-        <p:spPr>
-          <a:xfrm>
-            <a:off x="1065982" y="1060779"/>
-            <a:ext cx="1496355" cy="1496355"/>
-          </a:xfrm>
-          <a:prstGeom prst="rect">
-            <a:avLst/>
-          </a:prstGeom>
-        </p:spPr>
-      </p:pic>
-      <p:sp>
-        <p:nvSpPr>
-          <p:cNvPr id="15" name="Rectangle 14">
-            <a:extLst>
-              <a:ext uri="{FF2B5EF4-FFF2-40B4-BE49-F238E27FC236}">
-                <a16:creationId xmlns:a16="http://schemas.microsoft.com/office/drawing/2014/main" id="{76888F86-AF3D-4029-A434-C8AA90473803}"/>
-              </a:ext>
-            </a:extLst>
-          </p:cNvPr>
-          <p:cNvSpPr/>
-          <p:nvPr/>
-        </p:nvSpPr>
-        <p:spPr>
-          <a:xfrm>
-            <a:off x="1271315" y="1218181"/>
-            <a:ext cx="1166014" cy="742689"/>
-          </a:xfrm>
-          <a:prstGeom prst="rect">
-            <a:avLst/>
-          </a:prstGeom>
-          <a:solidFill>
-            <a:srgbClr val="C8EFFE"/>
-          </a:solidFill>
-          <a:ln>
-            <a:solidFill>
-              <a:srgbClr val="C8EFFE"/>
-            </a:solidFill>
-          </a:ln>
-        </p:spPr>
-        <p:style>
-          <a:lnRef idx="2">
-            <a:schemeClr val="accent1">
-              <a:shade val="50000"/>
-            </a:schemeClr>
-          </a:lnRef>
-          <a:fillRef idx="1">
-            <a:schemeClr val="accent1"/>
-          </a:fillRef>
-          <a:effectRef idx="0">
-            <a:schemeClr val="accent1"/>
-          </a:effectRef>
-          <a:fontRef idx="minor">
-            <a:schemeClr val="lt1"/>
-          </a:fontRef>
-        </p:style>
-        <p:txBody>
-          <a:bodyPr rtlCol="0" anchor="ctr"/>
-          <a:lstStyle/>
-          <a:p>
-            <a:pPr algn="ctr"/>
-            <a:endParaRPr lang="en-US" sz="1600"/>
-          </a:p>
-        </p:txBody>
-      </p:sp>
-      <p:pic>
-        <p:nvPicPr>
-          <p:cNvPr id="34" name="Picture 33">
-            <a:extLst>
-              <a:ext uri="{FF2B5EF4-FFF2-40B4-BE49-F238E27FC236}">
-                <a16:creationId xmlns:a16="http://schemas.microsoft.com/office/drawing/2014/main" id="{193A23FC-60CE-4511-A5D3-272C7C690B6E}"/>
-              </a:ext>
-            </a:extLst>
-          </p:cNvPr>
-          <p:cNvPicPr>
-            <a:picLocks noChangeAspect="1"/>
-          </p:cNvPicPr>
-          <p:nvPr/>
-        </p:nvPicPr>
-        <p:blipFill>
-          <a:blip r:embed="rId3" cstate="print">
-            <a:extLst>
-              <a:ext uri="{28A0092B-C50C-407E-A947-70E740481C1C}">
-                <a14:useLocalDpi xmlns:a14="http://schemas.microsoft.com/office/drawing/2010/main" val="0"/>
-              </a:ext>
-            </a:extLst>
-          </a:blip>
-          <a:stretch>
-            <a:fillRect/>
-          </a:stretch>
-        </p:blipFill>
-        <p:spPr>
-          <a:xfrm>
-            <a:off x="2256759" y="863253"/>
-            <a:ext cx="460381" cy="460381"/>
-          </a:xfrm>
-          <a:prstGeom prst="rect">
-            <a:avLst/>
-          </a:prstGeom>
-        </p:spPr>
-      </p:pic>
-      <p:grpSp>
-        <p:nvGrpSpPr>
-          <p:cNvPr id="16" name="Group 15">
-            <a:extLst>
-              <a:ext uri="{FF2B5EF4-FFF2-40B4-BE49-F238E27FC236}">
-                <a16:creationId xmlns:a16="http://schemas.microsoft.com/office/drawing/2014/main" id="{2ECF33DF-4121-4283-B418-D5DB0FEEE175}"/>
-              </a:ext>
-            </a:extLst>
-          </p:cNvPr>
-          <p:cNvGrpSpPr/>
-          <p:nvPr/>
-        </p:nvGrpSpPr>
-        <p:grpSpPr>
-          <a:xfrm>
-            <a:off x="1219744" y="1160698"/>
-            <a:ext cx="1205986" cy="912307"/>
-            <a:chOff x="790949" y="3576002"/>
-            <a:chExt cx="1205986" cy="912307"/>
-          </a:xfrm>
-        </p:grpSpPr>
-        <p:grpSp>
-          <p:nvGrpSpPr>
-            <p:cNvPr id="14" name="Group 13">
-              <a:extLst>
-                <a:ext uri="{FF2B5EF4-FFF2-40B4-BE49-F238E27FC236}">
-                  <a16:creationId xmlns:a16="http://schemas.microsoft.com/office/drawing/2014/main" id="{B80947C8-B9B3-41CB-A53B-FE18A0BDE902}"/>
-                </a:ext>
-              </a:extLst>
-            </p:cNvPr>
-            <p:cNvGrpSpPr/>
-            <p:nvPr/>
-          </p:nvGrpSpPr>
-          <p:grpSpPr>
-            <a:xfrm>
-              <a:off x="916921" y="3576002"/>
-              <a:ext cx="912307" cy="912307"/>
-              <a:chOff x="2301915" y="4014805"/>
-              <a:chExt cx="1419548" cy="1419547"/>
-            </a:xfrm>
-          </p:grpSpPr>
-          <p:pic>
-            <p:nvPicPr>
-              <p:cNvPr id="12" name="Picture 11">
-                <a:extLst>
-                  <a:ext uri="{FF2B5EF4-FFF2-40B4-BE49-F238E27FC236}">
-                    <a16:creationId xmlns:a16="http://schemas.microsoft.com/office/drawing/2014/main" id="{88E22945-CB21-473A-AEAD-4349CB5C6E9F}"/>
-                  </a:ext>
-                </a:extLst>
-              </p:cNvPr>
-              <p:cNvPicPr>
-                <a:picLocks noChangeAspect="1"/>
-              </p:cNvPicPr>
-              <p:nvPr/>
-            </p:nvPicPr>
-            <p:blipFill>
-              <a:blip r:embed="rId5" cstate="print">
-                <a:extLst>
-                  <a:ext uri="{28A0092B-C50C-407E-A947-70E740481C1C}">
-                    <a14:useLocalDpi xmlns:a14="http://schemas.microsoft.com/office/drawing/2010/main" val="0"/>
-                  </a:ext>
-                </a:extLst>
-              </a:blip>
-              <a:stretch>
-                <a:fillRect/>
-              </a:stretch>
-            </p:blipFill>
-            <p:spPr>
-              <a:xfrm>
-                <a:off x="2301915" y="4014805"/>
-                <a:ext cx="1419548" cy="1419547"/>
-              </a:xfrm>
-              <a:prstGeom prst="rect">
-                <a:avLst/>
-              </a:prstGeom>
-            </p:spPr>
-          </p:pic>
-          <p:sp>
-            <p:nvSpPr>
-              <p:cNvPr id="13" name="Rectangle: Rounded Corners 12">
-                <a:extLst>
-                  <a:ext uri="{FF2B5EF4-FFF2-40B4-BE49-F238E27FC236}">
-                    <a16:creationId xmlns:a16="http://schemas.microsoft.com/office/drawing/2014/main" id="{18A33AEF-1CA7-47C1-8443-33E42AF7A3C5}"/>
-                  </a:ext>
-                </a:extLst>
-              </p:cNvPr>
-              <p:cNvSpPr/>
-              <p:nvPr/>
-            </p:nvSpPr>
-            <p:spPr>
-              <a:xfrm>
-                <a:off x="2309439" y="4126108"/>
-                <a:ext cx="1408366" cy="1180075"/>
-              </a:xfrm>
-              <a:prstGeom prst="roundRect">
-                <a:avLst>
-                  <a:gd name="adj" fmla="val 15612"/>
-                </a:avLst>
-              </a:prstGeom>
-              <a:noFill/>
-            </p:spPr>
-            <p:style>
-              <a:lnRef idx="2">
-                <a:schemeClr val="dk1">
-                  <a:shade val="50000"/>
-                </a:schemeClr>
-              </a:lnRef>
-              <a:fillRef idx="1">
-                <a:schemeClr val="dk1"/>
-              </a:fillRef>
-              <a:effectRef idx="0">
-                <a:schemeClr val="dk1"/>
-              </a:effectRef>
-              <a:fontRef idx="minor">
-                <a:schemeClr val="lt1"/>
-              </a:fontRef>
-            </p:style>
-            <p:txBody>
-              <a:bodyPr rtlCol="0" anchor="ctr"/>
-              <a:lstStyle/>
-              <a:p>
-                <a:pPr algn="ctr"/>
-                <a:endParaRPr lang="en-US" sz="1600"/>
-              </a:p>
-            </p:txBody>
-          </p:sp>
-        </p:grpSp>
-        <p:sp>
-          <p:nvSpPr>
-            <p:cNvPr id="119" name="TextBox 118"/>
-            <p:cNvSpPr txBox="1"/>
-            <p:nvPr/>
-          </p:nvSpPr>
-          <p:spPr>
-            <a:xfrm>
-              <a:off x="790949" y="3892471"/>
-              <a:ext cx="1205986" cy="338554"/>
-            </a:xfrm>
-            <a:prstGeom prst="rect">
-              <a:avLst/>
-            </a:prstGeom>
-            <a:noFill/>
-          </p:spPr>
-          <p:txBody>
-            <a:bodyPr wrap="square" rtlCol="0">
-              <a:spAutoFit/>
-            </a:bodyPr>
-            <a:lstStyle/>
-            <a:p>
-              <a:pPr algn="ctr"/>
-              <a:r>
-                <a:rPr lang="en-US" sz="1600" dirty="0"/>
-                <a:t>Browser</a:t>
-              </a:r>
-            </a:p>
-          </p:txBody>
-        </p:sp>
-      </p:grpSp>
-      <p:sp>
-        <p:nvSpPr>
-          <p:cNvPr id="46" name="Rectangle 45">
-            <a:extLst>
-              <a:ext uri="{FF2B5EF4-FFF2-40B4-BE49-F238E27FC236}">
-                <a16:creationId xmlns:a16="http://schemas.microsoft.com/office/drawing/2014/main" id="{6E7D3BD3-4C6D-48E1-A2EC-D277A80381F0}"/>
-              </a:ext>
-            </a:extLst>
-          </p:cNvPr>
-          <p:cNvSpPr/>
-          <p:nvPr/>
-        </p:nvSpPr>
-        <p:spPr>
-          <a:xfrm>
-            <a:off x="1143304" y="1245508"/>
-            <a:ext cx="131008" cy="742689"/>
-          </a:xfrm>
-          <a:prstGeom prst="rect">
-            <a:avLst/>
-          </a:prstGeom>
-          <a:solidFill>
-            <a:srgbClr val="99E6FC"/>
-          </a:solidFill>
-          <a:ln>
-            <a:noFill/>
-          </a:ln>
-        </p:spPr>
-        <p:style>
-          <a:lnRef idx="2">
-            <a:schemeClr val="accent1">
-              <a:shade val="50000"/>
-            </a:schemeClr>
-          </a:lnRef>
-          <a:fillRef idx="1">
-            <a:schemeClr val="accent1"/>
-          </a:fillRef>
-          <a:effectRef idx="0">
-            <a:schemeClr val="accent1"/>
-          </a:effectRef>
-          <a:fontRef idx="minor">
-            <a:schemeClr val="lt1"/>
-          </a:fontRef>
-        </p:style>
-        <p:txBody>
-          <a:bodyPr rtlCol="0" anchor="ctr"/>
-          <a:lstStyle/>
-          <a:p>
-            <a:pPr algn="ctr"/>
-            <a:endParaRPr lang="en-US" sz="1600"/>
-          </a:p>
-        </p:txBody>
-      </p:sp>
-      <p:pic>
-        <p:nvPicPr>
-          <p:cNvPr id="20" name="Picture 19">
-            <a:extLst>
-              <a:ext uri="{FF2B5EF4-FFF2-40B4-BE49-F238E27FC236}">
-                <a16:creationId xmlns:a16="http://schemas.microsoft.com/office/drawing/2014/main" id="{FE8CEEC3-F506-426E-BA87-7E82B2715364}"/>
-              </a:ext>
-            </a:extLst>
-          </p:cNvPr>
-          <p:cNvPicPr>
-            <a:picLocks noChangeAspect="1"/>
-          </p:cNvPicPr>
-          <p:nvPr/>
-        </p:nvPicPr>
-        <p:blipFill>
-          <a:blip r:embed="rId6" cstate="print">
-            <a:extLst>
-              <a:ext uri="{28A0092B-C50C-407E-A947-70E740481C1C}">
-                <a14:useLocalDpi xmlns:a14="http://schemas.microsoft.com/office/drawing/2010/main" val="0"/>
-              </a:ext>
-            </a:extLst>
-          </a:blip>
-          <a:stretch>
-            <a:fillRect/>
-          </a:stretch>
-        </p:blipFill>
-        <p:spPr>
-          <a:xfrm>
-            <a:off x="4299111" y="41818"/>
-            <a:ext cx="752556" cy="752556"/>
-          </a:xfrm>
-          <a:prstGeom prst="rect">
-            <a:avLst/>
-          </a:prstGeom>
-        </p:spPr>
-      </p:pic>
-      <p:pic>
-        <p:nvPicPr>
-          <p:cNvPr id="22" name="Picture 21">
-            <a:extLst>
-              <a:ext uri="{FF2B5EF4-FFF2-40B4-BE49-F238E27FC236}">
-                <a16:creationId xmlns:a16="http://schemas.microsoft.com/office/drawing/2014/main" id="{AB782F53-02DB-467B-ADE1-E61E4DAB0F4C}"/>
-              </a:ext>
-            </a:extLst>
-          </p:cNvPr>
-          <p:cNvPicPr>
-            <a:picLocks noChangeAspect="1"/>
-          </p:cNvPicPr>
-          <p:nvPr/>
-        </p:nvPicPr>
-        <p:blipFill rotWithShape="1">
-          <a:blip r:embed="rId7" cstate="print">
-            <a:extLst>
-              <a:ext uri="{28A0092B-C50C-407E-A947-70E740481C1C}">
-                <a14:useLocalDpi xmlns:a14="http://schemas.microsoft.com/office/drawing/2010/main" val="0"/>
-              </a:ext>
-            </a:extLst>
-          </a:blip>
-          <a:srcRect t="10885" b="10787"/>
-          <a:stretch/>
-        </p:blipFill>
-        <p:spPr>
-          <a:xfrm>
-            <a:off x="4317071" y="1301900"/>
-            <a:ext cx="866833" cy="678970"/>
-          </a:xfrm>
-          <a:prstGeom prst="rect">
-            <a:avLst/>
-          </a:prstGeom>
-        </p:spPr>
-      </p:pic>
-      <p:pic>
-        <p:nvPicPr>
-          <p:cNvPr id="57" name="Picture 56">
-            <a:extLst>
-              <a:ext uri="{FF2B5EF4-FFF2-40B4-BE49-F238E27FC236}">
-                <a16:creationId xmlns:a16="http://schemas.microsoft.com/office/drawing/2014/main" id="{30327CE4-9E2D-4914-B3B5-75E07822EBEF}"/>
-              </a:ext>
-            </a:extLst>
-          </p:cNvPr>
-          <p:cNvPicPr>
-            <a:picLocks noChangeAspect="1"/>
-          </p:cNvPicPr>
-          <p:nvPr/>
-        </p:nvPicPr>
-        <p:blipFill>
-          <a:blip r:embed="rId8" cstate="print">
-            <a:extLst>
-              <a:ext uri="{28A0092B-C50C-407E-A947-70E740481C1C}">
-                <a14:useLocalDpi xmlns:a14="http://schemas.microsoft.com/office/drawing/2010/main" val="0"/>
-              </a:ext>
-            </a:extLst>
-          </a:blip>
-          <a:stretch>
-            <a:fillRect/>
-          </a:stretch>
-        </p:blipFill>
-        <p:spPr>
-          <a:xfrm>
-            <a:off x="4317071" y="2487110"/>
-            <a:ext cx="865147" cy="865147"/>
-          </a:xfrm>
-          <a:prstGeom prst="rect">
-            <a:avLst/>
-          </a:prstGeom>
-        </p:spPr>
-      </p:pic>
-      <p:pic>
-        <p:nvPicPr>
-          <p:cNvPr id="26" name="Picture 25">
-            <a:extLst>
-              <a:ext uri="{FF2B5EF4-FFF2-40B4-BE49-F238E27FC236}">
-                <a16:creationId xmlns:a16="http://schemas.microsoft.com/office/drawing/2014/main" id="{82C9084F-0ED2-4BBD-B2FB-BDD4E59042FE}"/>
-              </a:ext>
-            </a:extLst>
-          </p:cNvPr>
-          <p:cNvPicPr>
-            <a:picLocks noChangeAspect="1"/>
-          </p:cNvPicPr>
-          <p:nvPr/>
-        </p:nvPicPr>
-        <p:blipFill>
-          <a:blip r:embed="rId9" cstate="print">
-            <a:extLst>
-              <a:ext uri="{28A0092B-C50C-407E-A947-70E740481C1C}">
-                <a14:useLocalDpi xmlns:a14="http://schemas.microsoft.com/office/drawing/2010/main" val="0"/>
-              </a:ext>
-            </a:extLst>
-          </a:blip>
-          <a:stretch>
-            <a:fillRect/>
-          </a:stretch>
-        </p:blipFill>
-        <p:spPr>
-          <a:xfrm>
-            <a:off x="6093963" y="2524621"/>
-            <a:ext cx="790124" cy="790124"/>
-          </a:xfrm>
-          <a:prstGeom prst="rect">
-            <a:avLst/>
-          </a:prstGeom>
-        </p:spPr>
-      </p:pic>
-      <p:pic>
-        <p:nvPicPr>
-          <p:cNvPr id="28" name="Picture 27">
-            <a:extLst>
-              <a:ext uri="{FF2B5EF4-FFF2-40B4-BE49-F238E27FC236}">
-                <a16:creationId xmlns:a16="http://schemas.microsoft.com/office/drawing/2014/main" id="{4A6FF03D-B21C-4A84-95B9-9EC864774B92}"/>
-              </a:ext>
-            </a:extLst>
-          </p:cNvPr>
-          <p:cNvPicPr>
-            <a:picLocks noChangeAspect="1"/>
-          </p:cNvPicPr>
-          <p:nvPr/>
-        </p:nvPicPr>
-        <p:blipFill>
-          <a:blip r:embed="rId10" cstate="print">
-            <a:extLst>
-              <a:ext uri="{28A0092B-C50C-407E-A947-70E740481C1C}">
-                <a14:useLocalDpi xmlns:a14="http://schemas.microsoft.com/office/drawing/2010/main" val="0"/>
-              </a:ext>
-            </a:extLst>
-          </a:blip>
-          <a:stretch>
-            <a:fillRect/>
-          </a:stretch>
-        </p:blipFill>
-        <p:spPr>
-          <a:xfrm>
-            <a:off x="6176337" y="1327218"/>
-            <a:ext cx="707750" cy="707750"/>
-          </a:xfrm>
-          <a:prstGeom prst="rect">
-            <a:avLst/>
-          </a:prstGeom>
-        </p:spPr>
-      </p:pic>
-      <p:grpSp>
-        <p:nvGrpSpPr>
-          <p:cNvPr id="33" name="Group 32">
-            <a:extLst>
-              <a:ext uri="{FF2B5EF4-FFF2-40B4-BE49-F238E27FC236}">
-                <a16:creationId xmlns:a16="http://schemas.microsoft.com/office/drawing/2014/main" id="{13AC1D64-6D12-430E-B0E5-64B721A42F2F}"/>
-              </a:ext>
-            </a:extLst>
-          </p:cNvPr>
-          <p:cNvGrpSpPr/>
-          <p:nvPr/>
-        </p:nvGrpSpPr>
-        <p:grpSpPr>
-          <a:xfrm>
-            <a:off x="6176337" y="-23710"/>
-            <a:ext cx="660966" cy="721910"/>
-            <a:chOff x="3642745" y="5250446"/>
-            <a:chExt cx="571676" cy="624387"/>
-          </a:xfrm>
-        </p:grpSpPr>
-        <p:pic>
-          <p:nvPicPr>
-            <p:cNvPr id="30" name="Picture 29">
-              <a:extLst>
-                <a:ext uri="{FF2B5EF4-FFF2-40B4-BE49-F238E27FC236}">
-                  <a16:creationId xmlns:a16="http://schemas.microsoft.com/office/drawing/2014/main" id="{BEBD22EC-BAC1-4087-93D1-1CB1CF301BD3}"/>
-                </a:ext>
-              </a:extLst>
-            </p:cNvPr>
-            <p:cNvPicPr>
-              <a:picLocks noChangeAspect="1"/>
-            </p:cNvPicPr>
-            <p:nvPr/>
-          </p:nvPicPr>
-          <p:blipFill>
-            <a:blip r:embed="rId11" cstate="print">
-              <a:extLst>
-                <a:ext uri="{28A0092B-C50C-407E-A947-70E740481C1C}">
-                  <a14:useLocalDpi xmlns:a14="http://schemas.microsoft.com/office/drawing/2010/main" val="0"/>
-                </a:ext>
-              </a:extLst>
-            </a:blip>
-            <a:stretch>
-              <a:fillRect/>
-            </a:stretch>
-          </p:blipFill>
-          <p:spPr>
-            <a:xfrm>
-              <a:off x="3642745" y="5317066"/>
-              <a:ext cx="557767" cy="557767"/>
-            </a:xfrm>
-            <a:prstGeom prst="rect">
-              <a:avLst/>
-            </a:prstGeom>
-          </p:spPr>
-        </p:pic>
-        <p:pic>
-          <p:nvPicPr>
-            <p:cNvPr id="32" name="Picture 31">
-              <a:extLst>
-                <a:ext uri="{FF2B5EF4-FFF2-40B4-BE49-F238E27FC236}">
-                  <a16:creationId xmlns:a16="http://schemas.microsoft.com/office/drawing/2014/main" id="{8CDF1E93-A168-4112-B706-0A6721C6B405}"/>
-                </a:ext>
-              </a:extLst>
-            </p:cNvPr>
-            <p:cNvPicPr>
-              <a:picLocks noChangeAspect="1"/>
-            </p:cNvPicPr>
-            <p:nvPr/>
-          </p:nvPicPr>
-          <p:blipFill>
-            <a:blip r:embed="rId12" cstate="print">
-              <a:extLst>
-                <a:ext uri="{28A0092B-C50C-407E-A947-70E740481C1C}">
-                  <a14:useLocalDpi xmlns:a14="http://schemas.microsoft.com/office/drawing/2010/main" val="0"/>
-                </a:ext>
-              </a:extLst>
-            </a:blip>
-            <a:stretch>
-              <a:fillRect/>
-            </a:stretch>
-          </p:blipFill>
-          <p:spPr>
-            <a:xfrm flipH="1">
-              <a:off x="3985358" y="5250446"/>
-              <a:ext cx="229063" cy="229063"/>
-            </a:xfrm>
-            <a:prstGeom prst="rect">
-              <a:avLst/>
-            </a:prstGeom>
-          </p:spPr>
-        </p:pic>
-      </p:grpSp>
-      <p:pic>
-        <p:nvPicPr>
-          <p:cNvPr id="38" name="Picture 37">
-            <a:extLst>
-              <a:ext uri="{FF2B5EF4-FFF2-40B4-BE49-F238E27FC236}">
-                <a16:creationId xmlns:a16="http://schemas.microsoft.com/office/drawing/2014/main" id="{D34B9B9B-A44B-470E-8904-5E1238DC5EB5}"/>
-              </a:ext>
-            </a:extLst>
-          </p:cNvPr>
-          <p:cNvPicPr>
-            <a:picLocks noChangeAspect="1"/>
-          </p:cNvPicPr>
-          <p:nvPr/>
-        </p:nvPicPr>
-        <p:blipFill>
-          <a:blip r:embed="rId13" cstate="print">
-            <a:extLst>
-              <a:ext uri="{28A0092B-C50C-407E-A947-70E740481C1C}">
-                <a14:useLocalDpi xmlns:a14="http://schemas.microsoft.com/office/drawing/2010/main" val="0"/>
-              </a:ext>
-            </a:extLst>
-          </a:blip>
-          <a:stretch>
-            <a:fillRect/>
-          </a:stretch>
-        </p:blipFill>
-        <p:spPr>
-          <a:xfrm>
-            <a:off x="15784" y="1238045"/>
-            <a:ext cx="719420" cy="719420"/>
-          </a:xfrm>
-          <a:prstGeom prst="rect">
-            <a:avLst/>
-          </a:prstGeom>
-        </p:spPr>
-      </p:pic>
-    </p:spTree>
-    <p:extLst>
-      <p:ext uri="{BB962C8B-B14F-4D97-AF65-F5344CB8AC3E}">
-        <p14:creationId xmlns:p14="http://schemas.microsoft.com/office/powerpoint/2010/main" val="1360064593"/>
       </p:ext>
     </p:extLst>
   </p:cSld>

--- a/chapters/IntegriKey/images/SystemModel.pptx
+++ b/chapters/IntegriKey/images/SystemModel.pptx
@@ -13855,8 +13855,8 @@
           <p:nvPr/>
         </p:nvSpPr>
         <p:spPr>
-          <a:xfrm rot="19683940">
-            <a:off x="1055850" y="963803"/>
+          <a:xfrm rot="19743282">
+            <a:off x="1082996" y="929633"/>
             <a:ext cx="1232225" cy="584775"/>
           </a:xfrm>
           <a:prstGeom prst="rect">
@@ -13892,7 +13892,7 @@
         </p:nvSpPr>
         <p:spPr>
           <a:xfrm rot="2243724">
-            <a:off x="2331616" y="963803"/>
+            <a:off x="2336696" y="973963"/>
             <a:ext cx="1645204" cy="584775"/>
           </a:xfrm>
           <a:prstGeom prst="rect">

--- a/chapters/IntegriKey/images/SystemModel.pptx
+++ b/chapters/IntegriKey/images/SystemModel.pptx
@@ -262,7 +262,7 @@
           <a:p>
             <a:fld id="{D11B4104-32B2-4D7D-9617-574A57D26F8B}" type="datetimeFigureOut">
               <a:rPr lang="en-US" smtClean="0"/>
-              <a:t>2/11/2021</a:t>
+              <a:t>2/13/2021</a:t>
             </a:fld>
             <a:endParaRPr lang="en-US"/>
           </a:p>
@@ -430,7 +430,7 @@
           <a:p>
             <a:fld id="{D11B4104-32B2-4D7D-9617-574A57D26F8B}" type="datetimeFigureOut">
               <a:rPr lang="en-US" smtClean="0"/>
-              <a:t>2/11/2021</a:t>
+              <a:t>2/13/2021</a:t>
             </a:fld>
             <a:endParaRPr lang="en-US"/>
           </a:p>
@@ -608,7 +608,7 @@
           <a:p>
             <a:fld id="{D11B4104-32B2-4D7D-9617-574A57D26F8B}" type="datetimeFigureOut">
               <a:rPr lang="en-US" smtClean="0"/>
-              <a:t>2/11/2021</a:t>
+              <a:t>2/13/2021</a:t>
             </a:fld>
             <a:endParaRPr lang="en-US"/>
           </a:p>
@@ -776,7 +776,7 @@
           <a:p>
             <a:fld id="{D11B4104-32B2-4D7D-9617-574A57D26F8B}" type="datetimeFigureOut">
               <a:rPr lang="en-US" smtClean="0"/>
-              <a:t>2/11/2021</a:t>
+              <a:t>2/13/2021</a:t>
             </a:fld>
             <a:endParaRPr lang="en-US"/>
           </a:p>
@@ -1021,7 +1021,7 @@
           <a:p>
             <a:fld id="{D11B4104-32B2-4D7D-9617-574A57D26F8B}" type="datetimeFigureOut">
               <a:rPr lang="en-US" smtClean="0"/>
-              <a:t>2/11/2021</a:t>
+              <a:t>2/13/2021</a:t>
             </a:fld>
             <a:endParaRPr lang="en-US"/>
           </a:p>
@@ -1250,7 +1250,7 @@
           <a:p>
             <a:fld id="{D11B4104-32B2-4D7D-9617-574A57D26F8B}" type="datetimeFigureOut">
               <a:rPr lang="en-US" smtClean="0"/>
-              <a:t>2/11/2021</a:t>
+              <a:t>2/13/2021</a:t>
             </a:fld>
             <a:endParaRPr lang="en-US"/>
           </a:p>
@@ -1614,7 +1614,7 @@
           <a:p>
             <a:fld id="{D11B4104-32B2-4D7D-9617-574A57D26F8B}" type="datetimeFigureOut">
               <a:rPr lang="en-US" smtClean="0"/>
-              <a:t>2/11/2021</a:t>
+              <a:t>2/13/2021</a:t>
             </a:fld>
             <a:endParaRPr lang="en-US"/>
           </a:p>
@@ -1731,7 +1731,7 @@
           <a:p>
             <a:fld id="{D11B4104-32B2-4D7D-9617-574A57D26F8B}" type="datetimeFigureOut">
               <a:rPr lang="en-US" smtClean="0"/>
-              <a:t>2/11/2021</a:t>
+              <a:t>2/13/2021</a:t>
             </a:fld>
             <a:endParaRPr lang="en-US"/>
           </a:p>
@@ -1826,7 +1826,7 @@
           <a:p>
             <a:fld id="{D11B4104-32B2-4D7D-9617-574A57D26F8B}" type="datetimeFigureOut">
               <a:rPr lang="en-US" smtClean="0"/>
-              <a:t>2/11/2021</a:t>
+              <a:t>2/13/2021</a:t>
             </a:fld>
             <a:endParaRPr lang="en-US"/>
           </a:p>
@@ -2101,7 +2101,7 @@
           <a:p>
             <a:fld id="{D11B4104-32B2-4D7D-9617-574A57D26F8B}" type="datetimeFigureOut">
               <a:rPr lang="en-US" smtClean="0"/>
-              <a:t>2/11/2021</a:t>
+              <a:t>2/13/2021</a:t>
             </a:fld>
             <a:endParaRPr lang="en-US"/>
           </a:p>
@@ -2353,7 +2353,7 @@
           <a:p>
             <a:fld id="{D11B4104-32B2-4D7D-9617-574A57D26F8B}" type="datetimeFigureOut">
               <a:rPr lang="en-US" smtClean="0"/>
-              <a:t>2/11/2021</a:t>
+              <a:t>2/13/2021</a:t>
             </a:fld>
             <a:endParaRPr lang="en-US"/>
           </a:p>
@@ -2564,7 +2564,7 @@
           <a:p>
             <a:fld id="{D11B4104-32B2-4D7D-9617-574A57D26F8B}" type="datetimeFigureOut">
               <a:rPr lang="en-US" smtClean="0"/>
-              <a:t>2/11/2021</a:t>
+              <a:t>2/13/2021</a:t>
             </a:fld>
             <a:endParaRPr lang="en-US"/>
           </a:p>
@@ -13634,13 +13634,14 @@
           <p:cNvPr id="49" name="Straight Arrow Connector 48"/>
           <p:cNvCxnSpPr>
             <a:cxnSpLocks/>
+            <a:endCxn id="85" idx="3"/>
           </p:cNvCxnSpPr>
           <p:nvPr/>
         </p:nvCxnSpPr>
         <p:spPr>
-          <a:xfrm>
-            <a:off x="1372122" y="2401800"/>
-            <a:ext cx="1575801" cy="5861"/>
+          <a:xfrm flipV="1">
+            <a:off x="1372122" y="2395480"/>
+            <a:ext cx="1676529" cy="6320"/>
           </a:xfrm>
           <a:prstGeom prst="straightConnector1">
             <a:avLst/>
